--- a/ppt/1. Faster SQL/Faster SQL - KCDC 2018.pptx
+++ b/ppt/1. Faster SQL/Faster SQL - KCDC 2018.pptx
@@ -5,24 +5,22 @@
     <p:sldMasterId id="2147483708" r:id="rId1"/>
   </p:sldMasterIdLst>
   <p:notesMasterIdLst>
-    <p:notesMasterId r:id="rId14"/>
+    <p:notesMasterId r:id="rId12"/>
   </p:notesMasterIdLst>
   <p:handoutMasterIdLst>
-    <p:handoutMasterId r:id="rId15"/>
+    <p:handoutMasterId r:id="rId13"/>
   </p:handoutMasterIdLst>
   <p:sldIdLst>
     <p:sldId id="256" r:id="rId2"/>
     <p:sldId id="286" r:id="rId3"/>
-    <p:sldId id="267" r:id="rId4"/>
-    <p:sldId id="269" r:id="rId5"/>
-    <p:sldId id="270" r:id="rId6"/>
-    <p:sldId id="262" r:id="rId7"/>
-    <p:sldId id="272" r:id="rId8"/>
-    <p:sldId id="275" r:id="rId9"/>
-    <p:sldId id="276" r:id="rId10"/>
-    <p:sldId id="257" r:id="rId11"/>
-    <p:sldId id="265" r:id="rId12"/>
-    <p:sldId id="282" r:id="rId13"/>
+    <p:sldId id="270" r:id="rId4"/>
+    <p:sldId id="262" r:id="rId5"/>
+    <p:sldId id="272" r:id="rId6"/>
+    <p:sldId id="275" r:id="rId7"/>
+    <p:sldId id="276" r:id="rId8"/>
+    <p:sldId id="257" r:id="rId9"/>
+    <p:sldId id="265" r:id="rId10"/>
+    <p:sldId id="282" r:id="rId11"/>
   </p:sldIdLst>
   <p:sldSz cx="9144000" cy="6858000" type="screen4x3"/>
   <p:notesSz cx="7010400" cy="9296400"/>
@@ -140,2270 +138,6 @@
 </p:presentation>
 </file>
 
-<file path=ppt/diagrams/colors1.xml><?xml version="1.0" encoding="utf-8"?>
-<dgm:colorsDef xmlns:dgm="http://schemas.openxmlformats.org/drawingml/2006/diagram" xmlns:a="http://schemas.openxmlformats.org/drawingml/2006/main" uniqueId="urn:microsoft.com/office/officeart/2005/8/colors/accent1_2">
-  <dgm:title val=""/>
-  <dgm:desc val=""/>
-  <dgm:catLst>
-    <dgm:cat type="accent1" pri="11200"/>
-  </dgm:catLst>
-  <dgm:styleLbl name="node0">
-    <dgm:fillClrLst meth="repeat">
-      <a:schemeClr val="accent1"/>
-    </dgm:fillClrLst>
-    <dgm:linClrLst meth="repeat">
-      <a:schemeClr val="lt1"/>
-    </dgm:linClrLst>
-    <dgm:effectClrLst/>
-    <dgm:txLinClrLst/>
-    <dgm:txFillClrLst/>
-    <dgm:txEffectClrLst/>
-  </dgm:styleLbl>
-  <dgm:styleLbl name="alignNode1">
-    <dgm:fillClrLst meth="repeat">
-      <a:schemeClr val="accent1"/>
-    </dgm:fillClrLst>
-    <dgm:linClrLst meth="repeat">
-      <a:schemeClr val="accent1"/>
-    </dgm:linClrLst>
-    <dgm:effectClrLst/>
-    <dgm:txLinClrLst/>
-    <dgm:txFillClrLst/>
-    <dgm:txEffectClrLst/>
-  </dgm:styleLbl>
-  <dgm:styleLbl name="node1">
-    <dgm:fillClrLst meth="repeat">
-      <a:schemeClr val="accent1"/>
-    </dgm:fillClrLst>
-    <dgm:linClrLst meth="repeat">
-      <a:schemeClr val="lt1"/>
-    </dgm:linClrLst>
-    <dgm:effectClrLst/>
-    <dgm:txLinClrLst/>
-    <dgm:txFillClrLst/>
-    <dgm:txEffectClrLst/>
-  </dgm:styleLbl>
-  <dgm:styleLbl name="lnNode1">
-    <dgm:fillClrLst meth="repeat">
-      <a:schemeClr val="accent1"/>
-    </dgm:fillClrLst>
-    <dgm:linClrLst meth="repeat">
-      <a:schemeClr val="lt1"/>
-    </dgm:linClrLst>
-    <dgm:effectClrLst/>
-    <dgm:txLinClrLst/>
-    <dgm:txFillClrLst/>
-    <dgm:txEffectClrLst/>
-  </dgm:styleLbl>
-  <dgm:styleLbl name="vennNode1">
-    <dgm:fillClrLst meth="repeat">
-      <a:schemeClr val="accent1">
-        <a:alpha val="50000"/>
-      </a:schemeClr>
-    </dgm:fillClrLst>
-    <dgm:linClrLst meth="repeat">
-      <a:schemeClr val="lt1"/>
-    </dgm:linClrLst>
-    <dgm:effectClrLst/>
-    <dgm:txLinClrLst/>
-    <dgm:txFillClrLst/>
-    <dgm:txEffectClrLst/>
-  </dgm:styleLbl>
-  <dgm:styleLbl name="node2">
-    <dgm:fillClrLst meth="repeat">
-      <a:schemeClr val="accent1"/>
-    </dgm:fillClrLst>
-    <dgm:linClrLst meth="repeat">
-      <a:schemeClr val="lt1"/>
-    </dgm:linClrLst>
-    <dgm:effectClrLst/>
-    <dgm:txLinClrLst/>
-    <dgm:txFillClrLst/>
-    <dgm:txEffectClrLst/>
-  </dgm:styleLbl>
-  <dgm:styleLbl name="node3">
-    <dgm:fillClrLst meth="repeat">
-      <a:schemeClr val="accent1"/>
-    </dgm:fillClrLst>
-    <dgm:linClrLst meth="repeat">
-      <a:schemeClr val="lt1"/>
-    </dgm:linClrLst>
-    <dgm:effectClrLst/>
-    <dgm:txLinClrLst/>
-    <dgm:txFillClrLst/>
-    <dgm:txEffectClrLst/>
-  </dgm:styleLbl>
-  <dgm:styleLbl name="node4">
-    <dgm:fillClrLst meth="repeat">
-      <a:schemeClr val="accent1"/>
-    </dgm:fillClrLst>
-    <dgm:linClrLst meth="repeat">
-      <a:schemeClr val="lt1"/>
-    </dgm:linClrLst>
-    <dgm:effectClrLst/>
-    <dgm:txLinClrLst/>
-    <dgm:txFillClrLst/>
-    <dgm:txEffectClrLst/>
-  </dgm:styleLbl>
-  <dgm:styleLbl name="fgImgPlace1">
-    <dgm:fillClrLst meth="repeat">
-      <a:schemeClr val="accent1">
-        <a:tint val="50000"/>
-      </a:schemeClr>
-    </dgm:fillClrLst>
-    <dgm:linClrLst meth="repeat">
-      <a:schemeClr val="lt1"/>
-    </dgm:linClrLst>
-    <dgm:effectClrLst/>
-    <dgm:txLinClrLst/>
-    <dgm:txFillClrLst meth="repeat">
-      <a:schemeClr val="lt1"/>
-    </dgm:txFillClrLst>
-    <dgm:txEffectClrLst/>
-  </dgm:styleLbl>
-  <dgm:styleLbl name="alignImgPlace1">
-    <dgm:fillClrLst meth="repeat">
-      <a:schemeClr val="accent1">
-        <a:tint val="50000"/>
-      </a:schemeClr>
-    </dgm:fillClrLst>
-    <dgm:linClrLst meth="repeat">
-      <a:schemeClr val="lt1"/>
-    </dgm:linClrLst>
-    <dgm:effectClrLst/>
-    <dgm:txLinClrLst/>
-    <dgm:txFillClrLst meth="repeat">
-      <a:schemeClr val="lt1"/>
-    </dgm:txFillClrLst>
-    <dgm:txEffectClrLst/>
-  </dgm:styleLbl>
-  <dgm:styleLbl name="bgImgPlace1">
-    <dgm:fillClrLst meth="repeat">
-      <a:schemeClr val="accent1">
-        <a:tint val="50000"/>
-      </a:schemeClr>
-    </dgm:fillClrLst>
-    <dgm:linClrLst meth="repeat">
-      <a:schemeClr val="lt1"/>
-    </dgm:linClrLst>
-    <dgm:effectClrLst/>
-    <dgm:txLinClrLst/>
-    <dgm:txFillClrLst meth="repeat">
-      <a:schemeClr val="lt1"/>
-    </dgm:txFillClrLst>
-    <dgm:txEffectClrLst/>
-  </dgm:styleLbl>
-  <dgm:styleLbl name="sibTrans2D1">
-    <dgm:fillClrLst meth="repeat">
-      <a:schemeClr val="accent1">
-        <a:tint val="60000"/>
-      </a:schemeClr>
-    </dgm:fillClrLst>
-    <dgm:linClrLst meth="repeat">
-      <a:schemeClr val="accent1">
-        <a:tint val="60000"/>
-      </a:schemeClr>
-    </dgm:linClrLst>
-    <dgm:effectClrLst/>
-    <dgm:txLinClrLst/>
-    <dgm:txFillClrLst/>
-    <dgm:txEffectClrLst/>
-  </dgm:styleLbl>
-  <dgm:styleLbl name="fgSibTrans2D1">
-    <dgm:fillClrLst meth="repeat">
-      <a:schemeClr val="accent1">
-        <a:tint val="60000"/>
-      </a:schemeClr>
-    </dgm:fillClrLst>
-    <dgm:linClrLst meth="repeat">
-      <a:schemeClr val="accent1">
-        <a:tint val="60000"/>
-      </a:schemeClr>
-    </dgm:linClrLst>
-    <dgm:effectClrLst/>
-    <dgm:txLinClrLst/>
-    <dgm:txFillClrLst/>
-    <dgm:txEffectClrLst/>
-  </dgm:styleLbl>
-  <dgm:styleLbl name="bgSibTrans2D1">
-    <dgm:fillClrLst meth="repeat">
-      <a:schemeClr val="accent1">
-        <a:tint val="60000"/>
-      </a:schemeClr>
-    </dgm:fillClrLst>
-    <dgm:linClrLst meth="repeat">
-      <a:schemeClr val="accent1">
-        <a:tint val="60000"/>
-      </a:schemeClr>
-    </dgm:linClrLst>
-    <dgm:effectClrLst/>
-    <dgm:txLinClrLst/>
-    <dgm:txFillClrLst/>
-    <dgm:txEffectClrLst/>
-  </dgm:styleLbl>
-  <dgm:styleLbl name="sibTrans1D1">
-    <dgm:fillClrLst meth="repeat">
-      <a:schemeClr val="accent1"/>
-    </dgm:fillClrLst>
-    <dgm:linClrLst meth="repeat">
-      <a:schemeClr val="accent1"/>
-    </dgm:linClrLst>
-    <dgm:effectClrLst/>
-    <dgm:txLinClrLst/>
-    <dgm:txFillClrLst meth="repeat">
-      <a:schemeClr val="tx1"/>
-    </dgm:txFillClrLst>
-    <dgm:txEffectClrLst/>
-  </dgm:styleLbl>
-  <dgm:styleLbl name="callout">
-    <dgm:fillClrLst meth="repeat">
-      <a:schemeClr val="accent1"/>
-    </dgm:fillClrLst>
-    <dgm:linClrLst meth="repeat">
-      <a:schemeClr val="accent1">
-        <a:tint val="50000"/>
-      </a:schemeClr>
-    </dgm:linClrLst>
-    <dgm:effectClrLst/>
-    <dgm:txLinClrLst/>
-    <dgm:txFillClrLst meth="repeat">
-      <a:schemeClr val="tx1"/>
-    </dgm:txFillClrLst>
-    <dgm:txEffectClrLst/>
-  </dgm:styleLbl>
-  <dgm:styleLbl name="asst0">
-    <dgm:fillClrLst meth="repeat">
-      <a:schemeClr val="accent1"/>
-    </dgm:fillClrLst>
-    <dgm:linClrLst meth="repeat">
-      <a:schemeClr val="lt1"/>
-    </dgm:linClrLst>
-    <dgm:effectClrLst/>
-    <dgm:txLinClrLst/>
-    <dgm:txFillClrLst/>
-    <dgm:txEffectClrLst/>
-  </dgm:styleLbl>
-  <dgm:styleLbl name="asst1">
-    <dgm:fillClrLst meth="repeat">
-      <a:schemeClr val="accent1"/>
-    </dgm:fillClrLst>
-    <dgm:linClrLst meth="repeat">
-      <a:schemeClr val="lt1"/>
-    </dgm:linClrLst>
-    <dgm:effectClrLst/>
-    <dgm:txLinClrLst/>
-    <dgm:txFillClrLst/>
-    <dgm:txEffectClrLst/>
-  </dgm:styleLbl>
-  <dgm:styleLbl name="asst2">
-    <dgm:fillClrLst meth="repeat">
-      <a:schemeClr val="accent1"/>
-    </dgm:fillClrLst>
-    <dgm:linClrLst meth="repeat">
-      <a:schemeClr val="lt1"/>
-    </dgm:linClrLst>
-    <dgm:effectClrLst/>
-    <dgm:txLinClrLst/>
-    <dgm:txFillClrLst/>
-    <dgm:txEffectClrLst/>
-  </dgm:styleLbl>
-  <dgm:styleLbl name="asst3">
-    <dgm:fillClrLst meth="repeat">
-      <a:schemeClr val="accent1"/>
-    </dgm:fillClrLst>
-    <dgm:linClrLst meth="repeat">
-      <a:schemeClr val="lt1"/>
-    </dgm:linClrLst>
-    <dgm:effectClrLst/>
-    <dgm:txLinClrLst/>
-    <dgm:txFillClrLst/>
-    <dgm:txEffectClrLst/>
-  </dgm:styleLbl>
-  <dgm:styleLbl name="asst4">
-    <dgm:fillClrLst meth="repeat">
-      <a:schemeClr val="accent1"/>
-    </dgm:fillClrLst>
-    <dgm:linClrLst meth="repeat">
-      <a:schemeClr val="lt1"/>
-    </dgm:linClrLst>
-    <dgm:effectClrLst/>
-    <dgm:txLinClrLst/>
-    <dgm:txFillClrLst/>
-    <dgm:txEffectClrLst/>
-  </dgm:styleLbl>
-  <dgm:styleLbl name="parChTrans2D1">
-    <dgm:fillClrLst meth="repeat">
-      <a:schemeClr val="accent1">
-        <a:tint val="60000"/>
-      </a:schemeClr>
-    </dgm:fillClrLst>
-    <dgm:linClrLst meth="repeat">
-      <a:schemeClr val="accent1">
-        <a:tint val="60000"/>
-      </a:schemeClr>
-    </dgm:linClrLst>
-    <dgm:effectClrLst/>
-    <dgm:txLinClrLst/>
-    <dgm:txFillClrLst meth="repeat">
-      <a:schemeClr val="lt1"/>
-    </dgm:txFillClrLst>
-    <dgm:txEffectClrLst/>
-  </dgm:styleLbl>
-  <dgm:styleLbl name="parChTrans2D2">
-    <dgm:fillClrLst meth="repeat">
-      <a:schemeClr val="accent1"/>
-    </dgm:fillClrLst>
-    <dgm:linClrLst meth="repeat">
-      <a:schemeClr val="accent1"/>
-    </dgm:linClrLst>
-    <dgm:effectClrLst/>
-    <dgm:txLinClrLst/>
-    <dgm:txFillClrLst meth="repeat">
-      <a:schemeClr val="lt1"/>
-    </dgm:txFillClrLst>
-    <dgm:txEffectClrLst/>
-  </dgm:styleLbl>
-  <dgm:styleLbl name="parChTrans2D3">
-    <dgm:fillClrLst meth="repeat">
-      <a:schemeClr val="accent1"/>
-    </dgm:fillClrLst>
-    <dgm:linClrLst meth="repeat">
-      <a:schemeClr val="accent1"/>
-    </dgm:linClrLst>
-    <dgm:effectClrLst/>
-    <dgm:txLinClrLst/>
-    <dgm:txFillClrLst meth="repeat">
-      <a:schemeClr val="lt1"/>
-    </dgm:txFillClrLst>
-    <dgm:txEffectClrLst/>
-  </dgm:styleLbl>
-  <dgm:styleLbl name="parChTrans2D4">
-    <dgm:fillClrLst meth="repeat">
-      <a:schemeClr val="accent1"/>
-    </dgm:fillClrLst>
-    <dgm:linClrLst meth="repeat">
-      <a:schemeClr val="accent1"/>
-    </dgm:linClrLst>
-    <dgm:effectClrLst/>
-    <dgm:txLinClrLst/>
-    <dgm:txFillClrLst meth="repeat">
-      <a:schemeClr val="lt1"/>
-    </dgm:txFillClrLst>
-    <dgm:txEffectClrLst/>
-  </dgm:styleLbl>
-  <dgm:styleLbl name="parChTrans1D1">
-    <dgm:fillClrLst meth="repeat">
-      <a:schemeClr val="accent1"/>
-    </dgm:fillClrLst>
-    <dgm:linClrLst meth="repeat">
-      <a:schemeClr val="accent1">
-        <a:shade val="60000"/>
-      </a:schemeClr>
-    </dgm:linClrLst>
-    <dgm:effectClrLst/>
-    <dgm:txLinClrLst/>
-    <dgm:txFillClrLst meth="repeat">
-      <a:schemeClr val="tx1"/>
-    </dgm:txFillClrLst>
-    <dgm:txEffectClrLst/>
-  </dgm:styleLbl>
-  <dgm:styleLbl name="parChTrans1D2">
-    <dgm:fillClrLst meth="repeat">
-      <a:schemeClr val="accent1"/>
-    </dgm:fillClrLst>
-    <dgm:linClrLst meth="repeat">
-      <a:schemeClr val="accent1">
-        <a:shade val="60000"/>
-      </a:schemeClr>
-    </dgm:linClrLst>
-    <dgm:effectClrLst/>
-    <dgm:txLinClrLst/>
-    <dgm:txFillClrLst meth="repeat">
-      <a:schemeClr val="tx1"/>
-    </dgm:txFillClrLst>
-    <dgm:txEffectClrLst/>
-  </dgm:styleLbl>
-  <dgm:styleLbl name="parChTrans1D3">
-    <dgm:fillClrLst meth="repeat">
-      <a:schemeClr val="accent1"/>
-    </dgm:fillClrLst>
-    <dgm:linClrLst meth="repeat">
-      <a:schemeClr val="accent1">
-        <a:shade val="80000"/>
-      </a:schemeClr>
-    </dgm:linClrLst>
-    <dgm:effectClrLst/>
-    <dgm:txLinClrLst/>
-    <dgm:txFillClrLst meth="repeat">
-      <a:schemeClr val="tx1"/>
-    </dgm:txFillClrLst>
-    <dgm:txEffectClrLst/>
-  </dgm:styleLbl>
-  <dgm:styleLbl name="parChTrans1D4">
-    <dgm:fillClrLst meth="repeat">
-      <a:schemeClr val="accent1"/>
-    </dgm:fillClrLst>
-    <dgm:linClrLst meth="repeat">
-      <a:schemeClr val="accent1">
-        <a:shade val="80000"/>
-      </a:schemeClr>
-    </dgm:linClrLst>
-    <dgm:effectClrLst/>
-    <dgm:txLinClrLst/>
-    <dgm:txFillClrLst meth="repeat">
-      <a:schemeClr val="tx1"/>
-    </dgm:txFillClrLst>
-    <dgm:txEffectClrLst/>
-  </dgm:styleLbl>
-  <dgm:styleLbl name="fgAcc1">
-    <dgm:fillClrLst meth="repeat">
-      <a:schemeClr val="lt1">
-        <a:alpha val="90000"/>
-      </a:schemeClr>
-    </dgm:fillClrLst>
-    <dgm:linClrLst meth="repeat">
-      <a:schemeClr val="accent1"/>
-    </dgm:linClrLst>
-    <dgm:effectClrLst/>
-    <dgm:txLinClrLst/>
-    <dgm:txFillClrLst meth="repeat">
-      <a:schemeClr val="dk1"/>
-    </dgm:txFillClrLst>
-    <dgm:txEffectClrLst/>
-  </dgm:styleLbl>
-  <dgm:styleLbl name="conFgAcc1">
-    <dgm:fillClrLst meth="repeat">
-      <a:schemeClr val="lt1">
-        <a:alpha val="90000"/>
-      </a:schemeClr>
-    </dgm:fillClrLst>
-    <dgm:linClrLst meth="repeat">
-      <a:schemeClr val="accent1"/>
-    </dgm:linClrLst>
-    <dgm:effectClrLst/>
-    <dgm:txLinClrLst/>
-    <dgm:txFillClrLst meth="repeat">
-      <a:schemeClr val="dk1"/>
-    </dgm:txFillClrLst>
-    <dgm:txEffectClrLst/>
-  </dgm:styleLbl>
-  <dgm:styleLbl name="alignAcc1">
-    <dgm:fillClrLst meth="repeat">
-      <a:schemeClr val="lt1">
-        <a:alpha val="90000"/>
-      </a:schemeClr>
-    </dgm:fillClrLst>
-    <dgm:linClrLst meth="repeat">
-      <a:schemeClr val="accent1"/>
-    </dgm:linClrLst>
-    <dgm:effectClrLst/>
-    <dgm:txLinClrLst/>
-    <dgm:txFillClrLst meth="repeat">
-      <a:schemeClr val="dk1"/>
-    </dgm:txFillClrLst>
-    <dgm:txEffectClrLst/>
-  </dgm:styleLbl>
-  <dgm:styleLbl name="trAlignAcc1">
-    <dgm:fillClrLst meth="repeat">
-      <a:schemeClr val="lt1">
-        <a:alpha val="40000"/>
-      </a:schemeClr>
-    </dgm:fillClrLst>
-    <dgm:linClrLst meth="repeat">
-      <a:schemeClr val="accent1"/>
-    </dgm:linClrLst>
-    <dgm:effectClrLst/>
-    <dgm:txLinClrLst/>
-    <dgm:txFillClrLst meth="repeat">
-      <a:schemeClr val="dk1"/>
-    </dgm:txFillClrLst>
-    <dgm:txEffectClrLst/>
-  </dgm:styleLbl>
-  <dgm:styleLbl name="bgAcc1">
-    <dgm:fillClrLst meth="repeat">
-      <a:schemeClr val="lt1">
-        <a:alpha val="90000"/>
-      </a:schemeClr>
-    </dgm:fillClrLst>
-    <dgm:linClrLst meth="repeat">
-      <a:schemeClr val="accent1"/>
-    </dgm:linClrLst>
-    <dgm:effectClrLst/>
-    <dgm:txLinClrLst/>
-    <dgm:txFillClrLst meth="repeat">
-      <a:schemeClr val="dk1"/>
-    </dgm:txFillClrLst>
-    <dgm:txEffectClrLst/>
-  </dgm:styleLbl>
-  <dgm:styleLbl name="solidFgAcc1">
-    <dgm:fillClrLst meth="repeat">
-      <a:schemeClr val="lt1"/>
-    </dgm:fillClrLst>
-    <dgm:linClrLst meth="repeat">
-      <a:schemeClr val="accent1"/>
-    </dgm:linClrLst>
-    <dgm:effectClrLst/>
-    <dgm:txLinClrLst/>
-    <dgm:txFillClrLst meth="repeat">
-      <a:schemeClr val="dk1"/>
-    </dgm:txFillClrLst>
-    <dgm:txEffectClrLst/>
-  </dgm:styleLbl>
-  <dgm:styleLbl name="solidAlignAcc1">
-    <dgm:fillClrLst meth="repeat">
-      <a:schemeClr val="lt1"/>
-    </dgm:fillClrLst>
-    <dgm:linClrLst meth="repeat">
-      <a:schemeClr val="accent1"/>
-    </dgm:linClrLst>
-    <dgm:effectClrLst/>
-    <dgm:txLinClrLst/>
-    <dgm:txFillClrLst meth="repeat">
-      <a:schemeClr val="dk1"/>
-    </dgm:txFillClrLst>
-    <dgm:txEffectClrLst/>
-  </dgm:styleLbl>
-  <dgm:styleLbl name="solidBgAcc1">
-    <dgm:fillClrLst meth="repeat">
-      <a:schemeClr val="lt1"/>
-    </dgm:fillClrLst>
-    <dgm:linClrLst meth="repeat">
-      <a:schemeClr val="accent1"/>
-    </dgm:linClrLst>
-    <dgm:effectClrLst/>
-    <dgm:txLinClrLst/>
-    <dgm:txFillClrLst meth="repeat">
-      <a:schemeClr val="dk1"/>
-    </dgm:txFillClrLst>
-    <dgm:txEffectClrLst/>
-  </dgm:styleLbl>
-  <dgm:styleLbl name="fgAccFollowNode1">
-    <dgm:fillClrLst meth="repeat">
-      <a:schemeClr val="accent1">
-        <a:alpha val="90000"/>
-        <a:tint val="40000"/>
-      </a:schemeClr>
-    </dgm:fillClrLst>
-    <dgm:linClrLst meth="repeat">
-      <a:schemeClr val="accent1">
-        <a:alpha val="90000"/>
-        <a:tint val="40000"/>
-      </a:schemeClr>
-    </dgm:linClrLst>
-    <dgm:effectClrLst/>
-    <dgm:txLinClrLst/>
-    <dgm:txFillClrLst meth="repeat">
-      <a:schemeClr val="dk1"/>
-    </dgm:txFillClrLst>
-    <dgm:txEffectClrLst/>
-  </dgm:styleLbl>
-  <dgm:styleLbl name="alignAccFollowNode1">
-    <dgm:fillClrLst meth="repeat">
-      <a:schemeClr val="accent1">
-        <a:alpha val="90000"/>
-        <a:tint val="40000"/>
-      </a:schemeClr>
-    </dgm:fillClrLst>
-    <dgm:linClrLst meth="repeat">
-      <a:schemeClr val="accent1">
-        <a:alpha val="90000"/>
-        <a:tint val="40000"/>
-      </a:schemeClr>
-    </dgm:linClrLst>
-    <dgm:effectClrLst/>
-    <dgm:txLinClrLst/>
-    <dgm:txFillClrLst meth="repeat">
-      <a:schemeClr val="dk1"/>
-    </dgm:txFillClrLst>
-    <dgm:txEffectClrLst/>
-  </dgm:styleLbl>
-  <dgm:styleLbl name="bgAccFollowNode1">
-    <dgm:fillClrLst meth="repeat">
-      <a:schemeClr val="accent1">
-        <a:alpha val="90000"/>
-        <a:tint val="40000"/>
-      </a:schemeClr>
-    </dgm:fillClrLst>
-    <dgm:linClrLst meth="repeat">
-      <a:schemeClr val="accent1">
-        <a:alpha val="90000"/>
-        <a:tint val="40000"/>
-      </a:schemeClr>
-    </dgm:linClrLst>
-    <dgm:effectClrLst/>
-    <dgm:txLinClrLst/>
-    <dgm:txFillClrLst meth="repeat">
-      <a:schemeClr val="dk1"/>
-    </dgm:txFillClrLst>
-    <dgm:txEffectClrLst/>
-  </dgm:styleLbl>
-  <dgm:styleLbl name="fgAcc0">
-    <dgm:fillClrLst meth="repeat">
-      <a:schemeClr val="lt1">
-        <a:alpha val="90000"/>
-      </a:schemeClr>
-    </dgm:fillClrLst>
-    <dgm:linClrLst meth="repeat">
-      <a:schemeClr val="accent1"/>
-    </dgm:linClrLst>
-    <dgm:effectClrLst/>
-    <dgm:txLinClrLst/>
-    <dgm:txFillClrLst meth="repeat">
-      <a:schemeClr val="dk1"/>
-    </dgm:txFillClrLst>
-    <dgm:txEffectClrLst/>
-  </dgm:styleLbl>
-  <dgm:styleLbl name="fgAcc2">
-    <dgm:fillClrLst meth="repeat">
-      <a:schemeClr val="lt1">
-        <a:alpha val="90000"/>
-      </a:schemeClr>
-    </dgm:fillClrLst>
-    <dgm:linClrLst meth="repeat">
-      <a:schemeClr val="accent1"/>
-    </dgm:linClrLst>
-    <dgm:effectClrLst/>
-    <dgm:txLinClrLst/>
-    <dgm:txFillClrLst meth="repeat">
-      <a:schemeClr val="dk1"/>
-    </dgm:txFillClrLst>
-    <dgm:txEffectClrLst/>
-  </dgm:styleLbl>
-  <dgm:styleLbl name="fgAcc3">
-    <dgm:fillClrLst meth="repeat">
-      <a:schemeClr val="lt1">
-        <a:alpha val="90000"/>
-      </a:schemeClr>
-    </dgm:fillClrLst>
-    <dgm:linClrLst meth="repeat">
-      <a:schemeClr val="accent1"/>
-    </dgm:linClrLst>
-    <dgm:effectClrLst/>
-    <dgm:txLinClrLst/>
-    <dgm:txFillClrLst meth="repeat">
-      <a:schemeClr val="dk1"/>
-    </dgm:txFillClrLst>
-    <dgm:txEffectClrLst/>
-  </dgm:styleLbl>
-  <dgm:styleLbl name="fgAcc4">
-    <dgm:fillClrLst meth="repeat">
-      <a:schemeClr val="lt1">
-        <a:alpha val="90000"/>
-      </a:schemeClr>
-    </dgm:fillClrLst>
-    <dgm:linClrLst meth="repeat">
-      <a:schemeClr val="accent1"/>
-    </dgm:linClrLst>
-    <dgm:effectClrLst/>
-    <dgm:txLinClrLst/>
-    <dgm:txFillClrLst meth="repeat">
-      <a:schemeClr val="dk1"/>
-    </dgm:txFillClrLst>
-    <dgm:txEffectClrLst/>
-  </dgm:styleLbl>
-  <dgm:styleLbl name="bgShp">
-    <dgm:fillClrLst meth="repeat">
-      <a:schemeClr val="accent1">
-        <a:tint val="40000"/>
-      </a:schemeClr>
-    </dgm:fillClrLst>
-    <dgm:linClrLst meth="repeat">
-      <a:schemeClr val="accent1"/>
-    </dgm:linClrLst>
-    <dgm:effectClrLst/>
-    <dgm:txLinClrLst/>
-    <dgm:txFillClrLst meth="repeat">
-      <a:schemeClr val="dk1"/>
-    </dgm:txFillClrLst>
-    <dgm:txEffectClrLst/>
-  </dgm:styleLbl>
-  <dgm:styleLbl name="dkBgShp">
-    <dgm:fillClrLst meth="repeat">
-      <a:schemeClr val="accent1">
-        <a:shade val="80000"/>
-      </a:schemeClr>
-    </dgm:fillClrLst>
-    <dgm:linClrLst meth="repeat">
-      <a:schemeClr val="accent1"/>
-    </dgm:linClrLst>
-    <dgm:effectClrLst/>
-    <dgm:txLinClrLst/>
-    <dgm:txFillClrLst meth="repeat">
-      <a:schemeClr val="lt1"/>
-    </dgm:txFillClrLst>
-    <dgm:txEffectClrLst/>
-  </dgm:styleLbl>
-  <dgm:styleLbl name="trBgShp">
-    <dgm:fillClrLst meth="repeat">
-      <a:schemeClr val="accent1">
-        <a:tint val="50000"/>
-        <a:alpha val="40000"/>
-      </a:schemeClr>
-    </dgm:fillClrLst>
-    <dgm:linClrLst meth="repeat">
-      <a:schemeClr val="accent1"/>
-    </dgm:linClrLst>
-    <dgm:effectClrLst/>
-    <dgm:txLinClrLst/>
-    <dgm:txFillClrLst meth="repeat">
-      <a:schemeClr val="lt1"/>
-    </dgm:txFillClrLst>
-    <dgm:txEffectClrLst/>
-  </dgm:styleLbl>
-  <dgm:styleLbl name="fgShp">
-    <dgm:fillClrLst meth="repeat">
-      <a:schemeClr val="accent1">
-        <a:tint val="60000"/>
-      </a:schemeClr>
-    </dgm:fillClrLst>
-    <dgm:linClrLst meth="repeat">
-      <a:schemeClr val="lt1"/>
-    </dgm:linClrLst>
-    <dgm:effectClrLst/>
-    <dgm:txLinClrLst/>
-    <dgm:txFillClrLst meth="repeat">
-      <a:schemeClr val="dk1"/>
-    </dgm:txFillClrLst>
-    <dgm:txEffectClrLst/>
-  </dgm:styleLbl>
-  <dgm:styleLbl name="revTx">
-    <dgm:fillClrLst meth="repeat">
-      <a:schemeClr val="lt1">
-        <a:alpha val="0"/>
-      </a:schemeClr>
-    </dgm:fillClrLst>
-    <dgm:linClrLst meth="repeat">
-      <a:schemeClr val="dk1">
-        <a:alpha val="0"/>
-      </a:schemeClr>
-    </dgm:linClrLst>
-    <dgm:effectClrLst/>
-    <dgm:txLinClrLst/>
-    <dgm:txFillClrLst meth="repeat">
-      <a:schemeClr val="tx1"/>
-    </dgm:txFillClrLst>
-    <dgm:txEffectClrLst/>
-  </dgm:styleLbl>
-</dgm:colorsDef>
-</file>
-
-<file path=ppt/diagrams/data1.xml><?xml version="1.0" encoding="utf-8"?>
-<dgm:dataModel xmlns:dgm="http://schemas.openxmlformats.org/drawingml/2006/diagram" xmlns:a="http://schemas.openxmlformats.org/drawingml/2006/main">
-  <dgm:ptLst>
-    <dgm:pt modelId="{6B4EFDB1-D896-4285-A035-87115442C1C8}" type="doc">
-      <dgm:prSet loTypeId="urn:microsoft.com/office/officeart/2005/8/layout/vList2" loCatId="list" qsTypeId="urn:microsoft.com/office/officeart/2005/8/quickstyle/simple1" qsCatId="simple" csTypeId="urn:microsoft.com/office/officeart/2005/8/colors/accent1_2" csCatId="accent1" phldr="1"/>
-      <dgm:spPr/>
-      <dgm:t>
-        <a:bodyPr/>
-        <a:lstStyle/>
-        <a:p>
-          <a:endParaRPr lang="en-US"/>
-        </a:p>
-      </dgm:t>
-    </dgm:pt>
-    <dgm:pt modelId="{F562F731-104E-4FFD-9E3F-C01FEF4008E1}">
-      <dgm:prSet phldrT="[Text]"/>
-      <dgm:spPr/>
-      <dgm:t>
-        <a:bodyPr/>
-        <a:lstStyle/>
-        <a:p>
-          <a:pPr algn="ctr"/>
-          <a:r>
-            <a:rPr lang="en-US" dirty="0"/>
-            <a:t>Make T-SQL statements fast</a:t>
-          </a:r>
-        </a:p>
-      </dgm:t>
-    </dgm:pt>
-    <dgm:pt modelId="{21B3ACB7-2288-4F38-8FF3-2DAC87FD6916}" type="parTrans" cxnId="{662A6534-64A4-4C76-AA4F-ED411F2E59CE}">
-      <dgm:prSet/>
-      <dgm:spPr/>
-      <dgm:t>
-        <a:bodyPr/>
-        <a:lstStyle/>
-        <a:p>
-          <a:endParaRPr lang="en-US"/>
-        </a:p>
-      </dgm:t>
-    </dgm:pt>
-    <dgm:pt modelId="{E7251B30-B9D4-4242-A073-7B12ADD44CC1}" type="sibTrans" cxnId="{662A6534-64A4-4C76-AA4F-ED411F2E59CE}">
-      <dgm:prSet/>
-      <dgm:spPr/>
-      <dgm:t>
-        <a:bodyPr/>
-        <a:lstStyle/>
-        <a:p>
-          <a:endParaRPr lang="en-US"/>
-        </a:p>
-      </dgm:t>
-    </dgm:pt>
-    <dgm:pt modelId="{B3F4C94D-A846-4977-BACB-F6B77D78B8D1}">
-      <dgm:prSet phldrT="[Text]"/>
-      <dgm:spPr/>
-      <dgm:t>
-        <a:bodyPr/>
-        <a:lstStyle/>
-        <a:p>
-          <a:pPr algn="ctr"/>
-          <a:r>
-            <a:rPr lang="en-US"/>
-            <a:t>Run T-SQL </a:t>
-          </a:r>
-          <a:r>
-            <a:rPr lang="en-US" dirty="0"/>
-            <a:t>in a fast way</a:t>
-          </a:r>
-        </a:p>
-      </dgm:t>
-    </dgm:pt>
-    <dgm:pt modelId="{872A3BA6-B975-4486-9650-650432224A2A}" type="parTrans" cxnId="{20C67C36-25D2-4363-81D7-3BC60E33F023}">
-      <dgm:prSet/>
-      <dgm:spPr/>
-      <dgm:t>
-        <a:bodyPr/>
-        <a:lstStyle/>
-        <a:p>
-          <a:endParaRPr lang="en-US"/>
-        </a:p>
-      </dgm:t>
-    </dgm:pt>
-    <dgm:pt modelId="{35CC387E-9D68-4337-B85D-DCF1B36E80B2}" type="sibTrans" cxnId="{20C67C36-25D2-4363-81D7-3BC60E33F023}">
-      <dgm:prSet/>
-      <dgm:spPr/>
-      <dgm:t>
-        <a:bodyPr/>
-        <a:lstStyle/>
-        <a:p>
-          <a:endParaRPr lang="en-US"/>
-        </a:p>
-      </dgm:t>
-    </dgm:pt>
-    <dgm:pt modelId="{99F6513D-8F3E-451B-AE7E-3E42FC84133D}" type="pres">
-      <dgm:prSet presAssocID="{6B4EFDB1-D896-4285-A035-87115442C1C8}" presName="linear" presStyleCnt="0">
-        <dgm:presLayoutVars>
-          <dgm:animLvl val="lvl"/>
-          <dgm:resizeHandles val="exact"/>
-        </dgm:presLayoutVars>
-      </dgm:prSet>
-      <dgm:spPr/>
-    </dgm:pt>
-    <dgm:pt modelId="{5373A4A6-DC3C-4D8E-BF19-FBF80ACD8AEB}" type="pres">
-      <dgm:prSet presAssocID="{F562F731-104E-4FFD-9E3F-C01FEF4008E1}" presName="parentText" presStyleLbl="node1" presStyleIdx="0" presStyleCnt="2">
-        <dgm:presLayoutVars>
-          <dgm:chMax val="0"/>
-          <dgm:bulletEnabled val="1"/>
-        </dgm:presLayoutVars>
-      </dgm:prSet>
-      <dgm:spPr/>
-    </dgm:pt>
-    <dgm:pt modelId="{DE3ECA46-C28A-4A61-AB9E-3A8560660CBF}" type="pres">
-      <dgm:prSet presAssocID="{E7251B30-B9D4-4242-A073-7B12ADD44CC1}" presName="spacer" presStyleCnt="0"/>
-      <dgm:spPr/>
-    </dgm:pt>
-    <dgm:pt modelId="{A9B2F777-1D4B-4746-A1B6-74802726F731}" type="pres">
-      <dgm:prSet presAssocID="{B3F4C94D-A846-4977-BACB-F6B77D78B8D1}" presName="parentText" presStyleLbl="node1" presStyleIdx="1" presStyleCnt="2">
-        <dgm:presLayoutVars>
-          <dgm:chMax val="0"/>
-          <dgm:bulletEnabled val="1"/>
-        </dgm:presLayoutVars>
-      </dgm:prSet>
-      <dgm:spPr/>
-    </dgm:pt>
-  </dgm:ptLst>
-  <dgm:cxnLst>
-    <dgm:cxn modelId="{C457730F-731A-4418-BBB1-DC4F0F3B4629}" type="presOf" srcId="{B3F4C94D-A846-4977-BACB-F6B77D78B8D1}" destId="{A9B2F777-1D4B-4746-A1B6-74802726F731}" srcOrd="0" destOrd="0" presId="urn:microsoft.com/office/officeart/2005/8/layout/vList2"/>
-    <dgm:cxn modelId="{662A6534-64A4-4C76-AA4F-ED411F2E59CE}" srcId="{6B4EFDB1-D896-4285-A035-87115442C1C8}" destId="{F562F731-104E-4FFD-9E3F-C01FEF4008E1}" srcOrd="0" destOrd="0" parTransId="{21B3ACB7-2288-4F38-8FF3-2DAC87FD6916}" sibTransId="{E7251B30-B9D4-4242-A073-7B12ADD44CC1}"/>
-    <dgm:cxn modelId="{20C67C36-25D2-4363-81D7-3BC60E33F023}" srcId="{6B4EFDB1-D896-4285-A035-87115442C1C8}" destId="{B3F4C94D-A846-4977-BACB-F6B77D78B8D1}" srcOrd="1" destOrd="0" parTransId="{872A3BA6-B975-4486-9650-650432224A2A}" sibTransId="{35CC387E-9D68-4337-B85D-DCF1B36E80B2}"/>
-    <dgm:cxn modelId="{0C86D9C7-D278-4DF4-9A19-A367A33988A4}" type="presOf" srcId="{6B4EFDB1-D896-4285-A035-87115442C1C8}" destId="{99F6513D-8F3E-451B-AE7E-3E42FC84133D}" srcOrd="0" destOrd="0" presId="urn:microsoft.com/office/officeart/2005/8/layout/vList2"/>
-    <dgm:cxn modelId="{5EA940E3-1B04-4212-8D8B-F3950D7BA588}" type="presOf" srcId="{F562F731-104E-4FFD-9E3F-C01FEF4008E1}" destId="{5373A4A6-DC3C-4D8E-BF19-FBF80ACD8AEB}" srcOrd="0" destOrd="0" presId="urn:microsoft.com/office/officeart/2005/8/layout/vList2"/>
-    <dgm:cxn modelId="{5BF7D423-5230-4BC7-ABFE-3408C25A391D}" type="presParOf" srcId="{99F6513D-8F3E-451B-AE7E-3E42FC84133D}" destId="{5373A4A6-DC3C-4D8E-BF19-FBF80ACD8AEB}" srcOrd="0" destOrd="0" presId="urn:microsoft.com/office/officeart/2005/8/layout/vList2"/>
-    <dgm:cxn modelId="{ED341CBC-CEFC-4DFD-BABA-7C0EBD767F0A}" type="presParOf" srcId="{99F6513D-8F3E-451B-AE7E-3E42FC84133D}" destId="{DE3ECA46-C28A-4A61-AB9E-3A8560660CBF}" srcOrd="1" destOrd="0" presId="urn:microsoft.com/office/officeart/2005/8/layout/vList2"/>
-    <dgm:cxn modelId="{57986DE9-21D8-41F0-B8ED-BA4A3E980322}" type="presParOf" srcId="{99F6513D-8F3E-451B-AE7E-3E42FC84133D}" destId="{A9B2F777-1D4B-4746-A1B6-74802726F731}" srcOrd="2" destOrd="0" presId="urn:microsoft.com/office/officeart/2005/8/layout/vList2"/>
-  </dgm:cxnLst>
-  <dgm:bg/>
-  <dgm:whole/>
-  <dgm:extLst>
-    <a:ext uri="http://schemas.microsoft.com/office/drawing/2008/diagram">
-      <dsp:dataModelExt xmlns:dsp="http://schemas.microsoft.com/office/drawing/2008/diagram" relId="rId6" minVer="http://schemas.openxmlformats.org/drawingml/2006/diagram"/>
-    </a:ext>
-  </dgm:extLst>
-</dgm:dataModel>
-</file>
-
-<file path=ppt/diagrams/drawing1.xml><?xml version="1.0" encoding="utf-8"?>
-<dsp:drawing xmlns:dgm="http://schemas.openxmlformats.org/drawingml/2006/diagram" xmlns:dsp="http://schemas.microsoft.com/office/drawing/2008/diagram" xmlns:a="http://schemas.openxmlformats.org/drawingml/2006/main">
-  <dsp:spTree>
-    <dsp:nvGrpSpPr>
-      <dsp:cNvPr id="0" name=""/>
-      <dsp:cNvGrpSpPr/>
-    </dsp:nvGrpSpPr>
-    <dsp:grpSpPr/>
-    <dsp:sp modelId="{5373A4A6-DC3C-4D8E-BF19-FBF80ACD8AEB}">
-      <dsp:nvSpPr>
-        <dsp:cNvPr id="0" name=""/>
-        <dsp:cNvSpPr/>
-      </dsp:nvSpPr>
-      <dsp:spPr>
-        <a:xfrm>
-          <a:off x="0" y="786175"/>
-          <a:ext cx="7924800" cy="1175264"/>
-        </a:xfrm>
-        <a:prstGeom prst="roundRect">
-          <a:avLst/>
-        </a:prstGeom>
-        <a:solidFill>
-          <a:schemeClr val="accent1">
-            <a:hueOff val="0"/>
-            <a:satOff val="0"/>
-            <a:lumOff val="0"/>
-            <a:alphaOff val="0"/>
-          </a:schemeClr>
-        </a:solidFill>
-        <a:ln w="12700" cap="flat" cmpd="sng" algn="ctr">
-          <a:solidFill>
-            <a:schemeClr val="lt1">
-              <a:hueOff val="0"/>
-              <a:satOff val="0"/>
-              <a:lumOff val="0"/>
-              <a:alphaOff val="0"/>
-            </a:schemeClr>
-          </a:solidFill>
-          <a:prstDash val="solid"/>
-          <a:miter lim="800000"/>
-        </a:ln>
-        <a:effectLst/>
-      </dsp:spPr>
-      <dsp:style>
-        <a:lnRef idx="2">
-          <a:scrgbClr r="0" g="0" b="0"/>
-        </a:lnRef>
-        <a:fillRef idx="1">
-          <a:scrgbClr r="0" g="0" b="0"/>
-        </a:fillRef>
-        <a:effectRef idx="0">
-          <a:scrgbClr r="0" g="0" b="0"/>
-        </a:effectRef>
-        <a:fontRef idx="minor">
-          <a:schemeClr val="lt1"/>
-        </a:fontRef>
-      </dsp:style>
-      <dsp:txBody>
-        <a:bodyPr spcFirstLastPara="0" vert="horz" wrap="square" lIns="186690" tIns="186690" rIns="186690" bIns="186690" numCol="1" spcCol="1270" anchor="ctr" anchorCtr="0">
-          <a:noAutofit/>
-        </a:bodyPr>
-        <a:lstStyle/>
-        <a:p>
-          <a:pPr marL="0" lvl="0" indent="0" algn="ctr" defTabSz="2178050">
-            <a:lnSpc>
-              <a:spcPct val="90000"/>
-            </a:lnSpc>
-            <a:spcBef>
-              <a:spcPct val="0"/>
-            </a:spcBef>
-            <a:spcAft>
-              <a:spcPct val="35000"/>
-            </a:spcAft>
-            <a:buNone/>
-          </a:pPr>
-          <a:r>
-            <a:rPr lang="en-US" sz="4900" kern="1200" dirty="0"/>
-            <a:t>Make T-SQL statements fast</a:t>
-          </a:r>
-        </a:p>
-      </dsp:txBody>
-      <dsp:txXfrm>
-        <a:off x="57372" y="843547"/>
-        <a:ext cx="7810056" cy="1060520"/>
-      </dsp:txXfrm>
-    </dsp:sp>
-    <dsp:sp modelId="{A9B2F777-1D4B-4746-A1B6-74802726F731}">
-      <dsp:nvSpPr>
-        <dsp:cNvPr id="0" name=""/>
-        <dsp:cNvSpPr/>
-      </dsp:nvSpPr>
-      <dsp:spPr>
-        <a:xfrm>
-          <a:off x="0" y="2102560"/>
-          <a:ext cx="7924800" cy="1175264"/>
-        </a:xfrm>
-        <a:prstGeom prst="roundRect">
-          <a:avLst/>
-        </a:prstGeom>
-        <a:solidFill>
-          <a:schemeClr val="accent1">
-            <a:hueOff val="0"/>
-            <a:satOff val="0"/>
-            <a:lumOff val="0"/>
-            <a:alphaOff val="0"/>
-          </a:schemeClr>
-        </a:solidFill>
-        <a:ln w="12700" cap="flat" cmpd="sng" algn="ctr">
-          <a:solidFill>
-            <a:schemeClr val="lt1">
-              <a:hueOff val="0"/>
-              <a:satOff val="0"/>
-              <a:lumOff val="0"/>
-              <a:alphaOff val="0"/>
-            </a:schemeClr>
-          </a:solidFill>
-          <a:prstDash val="solid"/>
-          <a:miter lim="800000"/>
-        </a:ln>
-        <a:effectLst/>
-      </dsp:spPr>
-      <dsp:style>
-        <a:lnRef idx="2">
-          <a:scrgbClr r="0" g="0" b="0"/>
-        </a:lnRef>
-        <a:fillRef idx="1">
-          <a:scrgbClr r="0" g="0" b="0"/>
-        </a:fillRef>
-        <a:effectRef idx="0">
-          <a:scrgbClr r="0" g="0" b="0"/>
-        </a:effectRef>
-        <a:fontRef idx="minor">
-          <a:schemeClr val="lt1"/>
-        </a:fontRef>
-      </dsp:style>
-      <dsp:txBody>
-        <a:bodyPr spcFirstLastPara="0" vert="horz" wrap="square" lIns="186690" tIns="186690" rIns="186690" bIns="186690" numCol="1" spcCol="1270" anchor="ctr" anchorCtr="0">
-          <a:noAutofit/>
-        </a:bodyPr>
-        <a:lstStyle/>
-        <a:p>
-          <a:pPr marL="0" lvl="0" indent="0" algn="ctr" defTabSz="2178050">
-            <a:lnSpc>
-              <a:spcPct val="90000"/>
-            </a:lnSpc>
-            <a:spcBef>
-              <a:spcPct val="0"/>
-            </a:spcBef>
-            <a:spcAft>
-              <a:spcPct val="35000"/>
-            </a:spcAft>
-            <a:buNone/>
-          </a:pPr>
-          <a:r>
-            <a:rPr lang="en-US" sz="4900" kern="1200"/>
-            <a:t>Run T-SQL </a:t>
-          </a:r>
-          <a:r>
-            <a:rPr lang="en-US" sz="4900" kern="1200" dirty="0"/>
-            <a:t>in a fast way</a:t>
-          </a:r>
-        </a:p>
-      </dsp:txBody>
-      <dsp:txXfrm>
-        <a:off x="57372" y="2159932"/>
-        <a:ext cx="7810056" cy="1060520"/>
-      </dsp:txXfrm>
-    </dsp:sp>
-  </dsp:spTree>
-</dsp:drawing>
-</file>
-
-<file path=ppt/diagrams/layout1.xml><?xml version="1.0" encoding="utf-8"?>
-<dgm:layoutDef xmlns:dgm="http://schemas.openxmlformats.org/drawingml/2006/diagram" xmlns:a="http://schemas.openxmlformats.org/drawingml/2006/main" uniqueId="urn:microsoft.com/office/officeart/2005/8/layout/vList2">
-  <dgm:title val=""/>
-  <dgm:desc val=""/>
-  <dgm:catLst>
-    <dgm:cat type="list" pri="3000"/>
-    <dgm:cat type="convert" pri="1000"/>
-  </dgm:catLst>
-  <dgm:sampData>
-    <dgm:dataModel>
-      <dgm:ptLst>
-        <dgm:pt modelId="0" type="doc"/>
-        <dgm:pt modelId="1">
-          <dgm:prSet phldr="1"/>
-        </dgm:pt>
-        <dgm:pt modelId="11">
-          <dgm:prSet phldr="1"/>
-        </dgm:pt>
-        <dgm:pt modelId="2">
-          <dgm:prSet phldr="1"/>
-        </dgm:pt>
-        <dgm:pt modelId="21">
-          <dgm:prSet phldr="1"/>
-        </dgm:pt>
-      </dgm:ptLst>
-      <dgm:cxnLst>
-        <dgm:cxn modelId="4" srcId="0" destId="1" srcOrd="0" destOrd="0"/>
-        <dgm:cxn modelId="5" srcId="0" destId="2" srcOrd="1" destOrd="0"/>
-        <dgm:cxn modelId="12" srcId="1" destId="11" srcOrd="0" destOrd="0"/>
-        <dgm:cxn modelId="23" srcId="2" destId="21" srcOrd="0" destOrd="0"/>
-      </dgm:cxnLst>
-      <dgm:bg/>
-      <dgm:whole/>
-    </dgm:dataModel>
-  </dgm:sampData>
-  <dgm:styleData>
-    <dgm:dataModel>
-      <dgm:ptLst>
-        <dgm:pt modelId="0" type="doc"/>
-        <dgm:pt modelId="1"/>
-        <dgm:pt modelId="2"/>
-      </dgm:ptLst>
-      <dgm:cxnLst>
-        <dgm:cxn modelId="3" srcId="0" destId="1" srcOrd="0" destOrd="0"/>
-        <dgm:cxn modelId="4" srcId="0" destId="2" srcOrd="1" destOrd="0"/>
-      </dgm:cxnLst>
-      <dgm:bg/>
-      <dgm:whole/>
-    </dgm:dataModel>
-  </dgm:styleData>
-  <dgm:clrData>
-    <dgm:dataModel>
-      <dgm:ptLst>
-        <dgm:pt modelId="0" type="doc"/>
-        <dgm:pt modelId="1"/>
-        <dgm:pt modelId="2"/>
-        <dgm:pt modelId="3"/>
-        <dgm:pt modelId="4"/>
-      </dgm:ptLst>
-      <dgm:cxnLst>
-        <dgm:cxn modelId="5" srcId="0" destId="1" srcOrd="0" destOrd="0"/>
-        <dgm:cxn modelId="6" srcId="0" destId="2" srcOrd="1" destOrd="0"/>
-        <dgm:cxn modelId="7" srcId="0" destId="3" srcOrd="2" destOrd="0"/>
-        <dgm:cxn modelId="8" srcId="0" destId="4" srcOrd="3" destOrd="0"/>
-      </dgm:cxnLst>
-      <dgm:bg/>
-      <dgm:whole/>
-    </dgm:dataModel>
-  </dgm:clrData>
-  <dgm:layoutNode name="linear">
-    <dgm:varLst>
-      <dgm:animLvl val="lvl"/>
-      <dgm:resizeHandles val="exact"/>
-    </dgm:varLst>
-    <dgm:alg type="lin">
-      <dgm:param type="linDir" val="fromT"/>
-      <dgm:param type="vertAlign" val="mid"/>
-    </dgm:alg>
-    <dgm:shape xmlns:r="http://schemas.openxmlformats.org/officeDocument/2006/relationships" r:blip="">
-      <dgm:adjLst/>
-    </dgm:shape>
-    <dgm:presOf/>
-    <dgm:constrLst>
-      <dgm:constr type="w" for="ch" forName="parentText" refType="w"/>
-      <dgm:constr type="h" for="ch" forName="parentText" refType="primFontSz" refFor="ch" refForName="parentText" fact="0.52"/>
-      <dgm:constr type="w" for="ch" forName="childText" refType="w"/>
-      <dgm:constr type="h" for="ch" forName="childText" refType="primFontSz" refFor="ch" refForName="parentText" fact="0.46"/>
-      <dgm:constr type="h" for="ch" forName="parentText" op="equ"/>
-      <dgm:constr type="primFontSz" for="ch" forName="parentText" op="equ" val="65"/>
-      <dgm:constr type="primFontSz" for="ch" forName="childText" refType="primFontSz" refFor="ch" refForName="parentText" op="equ"/>
-      <dgm:constr type="h" for="ch" forName="spacer" refType="primFontSz" refFor="ch" refForName="parentText" fact="0.08"/>
-    </dgm:constrLst>
-    <dgm:ruleLst>
-      <dgm:rule type="primFontSz" for="ch" forName="parentText" val="5" fact="NaN" max="NaN"/>
-    </dgm:ruleLst>
-    <dgm:forEach name="Name0" axis="ch" ptType="node">
-      <dgm:layoutNode name="parentText" styleLbl="node1">
-        <dgm:varLst>
-          <dgm:chMax val="0"/>
-          <dgm:bulletEnabled val="1"/>
-        </dgm:varLst>
-        <dgm:alg type="tx">
-          <dgm:param type="parTxLTRAlign" val="l"/>
-          <dgm:param type="parTxRTLAlign" val="r"/>
-        </dgm:alg>
-        <dgm:shape xmlns:r="http://schemas.openxmlformats.org/officeDocument/2006/relationships" type="roundRect" r:blip="">
-          <dgm:adjLst/>
-        </dgm:shape>
-        <dgm:presOf axis="self"/>
-        <dgm:constrLst>
-          <dgm:constr type="tMarg" refType="primFontSz" fact="0.3"/>
-          <dgm:constr type="bMarg" refType="primFontSz" fact="0.3"/>
-          <dgm:constr type="lMarg" refType="primFontSz" fact="0.3"/>
-          <dgm:constr type="rMarg" refType="primFontSz" fact="0.3"/>
-        </dgm:constrLst>
-        <dgm:ruleLst>
-          <dgm:rule type="h" val="INF" fact="NaN" max="NaN"/>
-        </dgm:ruleLst>
-      </dgm:layoutNode>
-      <dgm:choose name="Name1">
-        <dgm:if name="Name2" axis="ch" ptType="node" func="cnt" op="gte" val="1">
-          <dgm:layoutNode name="childText" styleLbl="revTx">
-            <dgm:varLst>
-              <dgm:bulletEnabled val="1"/>
-            </dgm:varLst>
-            <dgm:alg type="tx">
-              <dgm:param type="stBulletLvl" val="1"/>
-              <dgm:param type="lnSpAfChP" val="20"/>
-            </dgm:alg>
-            <dgm:shape xmlns:r="http://schemas.openxmlformats.org/officeDocument/2006/relationships" type="rect" r:blip="">
-              <dgm:adjLst/>
-            </dgm:shape>
-            <dgm:presOf axis="des" ptType="node"/>
-            <dgm:constrLst>
-              <dgm:constr type="tMarg" refType="primFontSz" fact="0.1"/>
-              <dgm:constr type="bMarg" refType="primFontSz" fact="0.1"/>
-              <dgm:constr type="lMarg" refType="w" fact="0.09"/>
-            </dgm:constrLst>
-            <dgm:ruleLst>
-              <dgm:rule type="h" val="INF" fact="NaN" max="NaN"/>
-            </dgm:ruleLst>
-          </dgm:layoutNode>
-        </dgm:if>
-        <dgm:else name="Name3">
-          <dgm:choose name="Name4">
-            <dgm:if name="Name5" axis="par ch" ptType="doc node" func="cnt" op="gte" val="2">
-              <dgm:forEach name="Name6" axis="followSib" ptType="sibTrans" cnt="1">
-                <dgm:layoutNode name="spacer">
-                  <dgm:alg type="sp"/>
-                  <dgm:shape xmlns:r="http://schemas.openxmlformats.org/officeDocument/2006/relationships" r:blip="">
-                    <dgm:adjLst/>
-                  </dgm:shape>
-                  <dgm:presOf/>
-                  <dgm:constrLst/>
-                  <dgm:ruleLst/>
-                </dgm:layoutNode>
-              </dgm:forEach>
-            </dgm:if>
-            <dgm:else name="Name7"/>
-          </dgm:choose>
-        </dgm:else>
-      </dgm:choose>
-    </dgm:forEach>
-  </dgm:layoutNode>
-</dgm:layoutDef>
-</file>
-
-<file path=ppt/diagrams/quickStyle1.xml><?xml version="1.0" encoding="utf-8"?>
-<dgm:styleDef xmlns:dgm="http://schemas.openxmlformats.org/drawingml/2006/diagram" xmlns:a="http://schemas.openxmlformats.org/drawingml/2006/main" uniqueId="urn:microsoft.com/office/officeart/2005/8/quickstyle/simple1">
-  <dgm:title val=""/>
-  <dgm:desc val=""/>
-  <dgm:catLst>
-    <dgm:cat type="simple" pri="10100"/>
-  </dgm:catLst>
-  <dgm:scene3d>
-    <a:camera prst="orthographicFront"/>
-    <a:lightRig rig="threePt" dir="t"/>
-  </dgm:scene3d>
-  <dgm:styleLbl name="node0">
-    <dgm:scene3d>
-      <a:camera prst="orthographicFront"/>
-      <a:lightRig rig="threePt" dir="t"/>
-    </dgm:scene3d>
-    <dgm:sp3d/>
-    <dgm:txPr/>
-    <dgm:style>
-      <a:lnRef idx="2">
-        <a:scrgbClr r="0" g="0" b="0"/>
-      </a:lnRef>
-      <a:fillRef idx="1">
-        <a:scrgbClr r="0" g="0" b="0"/>
-      </a:fillRef>
-      <a:effectRef idx="0">
-        <a:scrgbClr r="0" g="0" b="0"/>
-      </a:effectRef>
-      <a:fontRef idx="minor">
-        <a:schemeClr val="lt1"/>
-      </a:fontRef>
-    </dgm:style>
-  </dgm:styleLbl>
-  <dgm:styleLbl name="lnNode1">
-    <dgm:scene3d>
-      <a:camera prst="orthographicFront"/>
-      <a:lightRig rig="threePt" dir="t"/>
-    </dgm:scene3d>
-    <dgm:sp3d/>
-    <dgm:txPr/>
-    <dgm:style>
-      <a:lnRef idx="2">
-        <a:scrgbClr r="0" g="0" b="0"/>
-      </a:lnRef>
-      <a:fillRef idx="1">
-        <a:scrgbClr r="0" g="0" b="0"/>
-      </a:fillRef>
-      <a:effectRef idx="0">
-        <a:scrgbClr r="0" g="0" b="0"/>
-      </a:effectRef>
-      <a:fontRef idx="minor">
-        <a:schemeClr val="lt1"/>
-      </a:fontRef>
-    </dgm:style>
-  </dgm:styleLbl>
-  <dgm:styleLbl name="vennNode1">
-    <dgm:scene3d>
-      <a:camera prst="orthographicFront"/>
-      <a:lightRig rig="threePt" dir="t"/>
-    </dgm:scene3d>
-    <dgm:sp3d/>
-    <dgm:txPr/>
-    <dgm:style>
-      <a:lnRef idx="2">
-        <a:scrgbClr r="0" g="0" b="0"/>
-      </a:lnRef>
-      <a:fillRef idx="1">
-        <a:scrgbClr r="0" g="0" b="0"/>
-      </a:fillRef>
-      <a:effectRef idx="0">
-        <a:scrgbClr r="0" g="0" b="0"/>
-      </a:effectRef>
-      <a:fontRef idx="minor">
-        <a:schemeClr val="tx1"/>
-      </a:fontRef>
-    </dgm:style>
-  </dgm:styleLbl>
-  <dgm:styleLbl name="alignNode1">
-    <dgm:scene3d>
-      <a:camera prst="orthographicFront"/>
-      <a:lightRig rig="threePt" dir="t"/>
-    </dgm:scene3d>
-    <dgm:sp3d/>
-    <dgm:txPr/>
-    <dgm:style>
-      <a:lnRef idx="2">
-        <a:scrgbClr r="0" g="0" b="0"/>
-      </a:lnRef>
-      <a:fillRef idx="1">
-        <a:scrgbClr r="0" g="0" b="0"/>
-      </a:fillRef>
-      <a:effectRef idx="0">
-        <a:scrgbClr r="0" g="0" b="0"/>
-      </a:effectRef>
-      <a:fontRef idx="minor">
-        <a:schemeClr val="lt1"/>
-      </a:fontRef>
-    </dgm:style>
-  </dgm:styleLbl>
-  <dgm:styleLbl name="node1">
-    <dgm:scene3d>
-      <a:camera prst="orthographicFront"/>
-      <a:lightRig rig="threePt" dir="t"/>
-    </dgm:scene3d>
-    <dgm:sp3d/>
-    <dgm:txPr/>
-    <dgm:style>
-      <a:lnRef idx="2">
-        <a:scrgbClr r="0" g="0" b="0"/>
-      </a:lnRef>
-      <a:fillRef idx="1">
-        <a:scrgbClr r="0" g="0" b="0"/>
-      </a:fillRef>
-      <a:effectRef idx="0">
-        <a:scrgbClr r="0" g="0" b="0"/>
-      </a:effectRef>
-      <a:fontRef idx="minor">
-        <a:schemeClr val="lt1"/>
-      </a:fontRef>
-    </dgm:style>
-  </dgm:styleLbl>
-  <dgm:styleLbl name="node2">
-    <dgm:scene3d>
-      <a:camera prst="orthographicFront"/>
-      <a:lightRig rig="threePt" dir="t"/>
-    </dgm:scene3d>
-    <dgm:sp3d/>
-    <dgm:txPr/>
-    <dgm:style>
-      <a:lnRef idx="2">
-        <a:scrgbClr r="0" g="0" b="0"/>
-      </a:lnRef>
-      <a:fillRef idx="1">
-        <a:scrgbClr r="0" g="0" b="0"/>
-      </a:fillRef>
-      <a:effectRef idx="0">
-        <a:scrgbClr r="0" g="0" b="0"/>
-      </a:effectRef>
-      <a:fontRef idx="minor">
-        <a:schemeClr val="lt1"/>
-      </a:fontRef>
-    </dgm:style>
-  </dgm:styleLbl>
-  <dgm:styleLbl name="node3">
-    <dgm:scene3d>
-      <a:camera prst="orthographicFront"/>
-      <a:lightRig rig="threePt" dir="t"/>
-    </dgm:scene3d>
-    <dgm:sp3d/>
-    <dgm:txPr/>
-    <dgm:style>
-      <a:lnRef idx="2">
-        <a:scrgbClr r="0" g="0" b="0"/>
-      </a:lnRef>
-      <a:fillRef idx="1">
-        <a:scrgbClr r="0" g="0" b="0"/>
-      </a:fillRef>
-      <a:effectRef idx="0">
-        <a:scrgbClr r="0" g="0" b="0"/>
-      </a:effectRef>
-      <a:fontRef idx="minor">
-        <a:schemeClr val="lt1"/>
-      </a:fontRef>
-    </dgm:style>
-  </dgm:styleLbl>
-  <dgm:styleLbl name="node4">
-    <dgm:scene3d>
-      <a:camera prst="orthographicFront"/>
-      <a:lightRig rig="threePt" dir="t"/>
-    </dgm:scene3d>
-    <dgm:sp3d/>
-    <dgm:txPr/>
-    <dgm:style>
-      <a:lnRef idx="2">
-        <a:scrgbClr r="0" g="0" b="0"/>
-      </a:lnRef>
-      <a:fillRef idx="1">
-        <a:scrgbClr r="0" g="0" b="0"/>
-      </a:fillRef>
-      <a:effectRef idx="0">
-        <a:scrgbClr r="0" g="0" b="0"/>
-      </a:effectRef>
-      <a:fontRef idx="minor">
-        <a:schemeClr val="lt1"/>
-      </a:fontRef>
-    </dgm:style>
-  </dgm:styleLbl>
-  <dgm:styleLbl name="fgImgPlace1">
-    <dgm:scene3d>
-      <a:camera prst="orthographicFront"/>
-      <a:lightRig rig="threePt" dir="t"/>
-    </dgm:scene3d>
-    <dgm:sp3d/>
-    <dgm:txPr/>
-    <dgm:style>
-      <a:lnRef idx="2">
-        <a:scrgbClr r="0" g="0" b="0"/>
-      </a:lnRef>
-      <a:fillRef idx="1">
-        <a:scrgbClr r="0" g="0" b="0"/>
-      </a:fillRef>
-      <a:effectRef idx="0">
-        <a:scrgbClr r="0" g="0" b="0"/>
-      </a:effectRef>
-      <a:fontRef idx="minor"/>
-    </dgm:style>
-  </dgm:styleLbl>
-  <dgm:styleLbl name="alignImgPlace1">
-    <dgm:scene3d>
-      <a:camera prst="orthographicFront"/>
-      <a:lightRig rig="threePt" dir="t"/>
-    </dgm:scene3d>
-    <dgm:sp3d/>
-    <dgm:txPr/>
-    <dgm:style>
-      <a:lnRef idx="2">
-        <a:scrgbClr r="0" g="0" b="0"/>
-      </a:lnRef>
-      <a:fillRef idx="1">
-        <a:scrgbClr r="0" g="0" b="0"/>
-      </a:fillRef>
-      <a:effectRef idx="0">
-        <a:scrgbClr r="0" g="0" b="0"/>
-      </a:effectRef>
-      <a:fontRef idx="minor"/>
-    </dgm:style>
-  </dgm:styleLbl>
-  <dgm:styleLbl name="bgImgPlace1">
-    <dgm:scene3d>
-      <a:camera prst="orthographicFront"/>
-      <a:lightRig rig="threePt" dir="t"/>
-    </dgm:scene3d>
-    <dgm:sp3d/>
-    <dgm:txPr/>
-    <dgm:style>
-      <a:lnRef idx="2">
-        <a:scrgbClr r="0" g="0" b="0"/>
-      </a:lnRef>
-      <a:fillRef idx="1">
-        <a:scrgbClr r="0" g="0" b="0"/>
-      </a:fillRef>
-      <a:effectRef idx="0">
-        <a:scrgbClr r="0" g="0" b="0"/>
-      </a:effectRef>
-      <a:fontRef idx="minor"/>
-    </dgm:style>
-  </dgm:styleLbl>
-  <dgm:styleLbl name="sibTrans2D1">
-    <dgm:scene3d>
-      <a:camera prst="orthographicFront"/>
-      <a:lightRig rig="threePt" dir="t"/>
-    </dgm:scene3d>
-    <dgm:sp3d/>
-    <dgm:txPr/>
-    <dgm:style>
-      <a:lnRef idx="0">
-        <a:scrgbClr r="0" g="0" b="0"/>
-      </a:lnRef>
-      <a:fillRef idx="1">
-        <a:scrgbClr r="0" g="0" b="0"/>
-      </a:fillRef>
-      <a:effectRef idx="0">
-        <a:scrgbClr r="0" g="0" b="0"/>
-      </a:effectRef>
-      <a:fontRef idx="minor">
-        <a:schemeClr val="lt1"/>
-      </a:fontRef>
-    </dgm:style>
-  </dgm:styleLbl>
-  <dgm:styleLbl name="fgSibTrans2D1">
-    <dgm:scene3d>
-      <a:camera prst="orthographicFront"/>
-      <a:lightRig rig="threePt" dir="t"/>
-    </dgm:scene3d>
-    <dgm:sp3d/>
-    <dgm:txPr/>
-    <dgm:style>
-      <a:lnRef idx="0">
-        <a:scrgbClr r="0" g="0" b="0"/>
-      </a:lnRef>
-      <a:fillRef idx="1">
-        <a:scrgbClr r="0" g="0" b="0"/>
-      </a:fillRef>
-      <a:effectRef idx="0">
-        <a:scrgbClr r="0" g="0" b="0"/>
-      </a:effectRef>
-      <a:fontRef idx="minor">
-        <a:schemeClr val="lt1"/>
-      </a:fontRef>
-    </dgm:style>
-  </dgm:styleLbl>
-  <dgm:styleLbl name="bgSibTrans2D1">
-    <dgm:scene3d>
-      <a:camera prst="orthographicFront"/>
-      <a:lightRig rig="threePt" dir="t"/>
-    </dgm:scene3d>
-    <dgm:sp3d/>
-    <dgm:txPr/>
-    <dgm:style>
-      <a:lnRef idx="0">
-        <a:scrgbClr r="0" g="0" b="0"/>
-      </a:lnRef>
-      <a:fillRef idx="1">
-        <a:scrgbClr r="0" g="0" b="0"/>
-      </a:fillRef>
-      <a:effectRef idx="0">
-        <a:scrgbClr r="0" g="0" b="0"/>
-      </a:effectRef>
-      <a:fontRef idx="minor">
-        <a:schemeClr val="lt1"/>
-      </a:fontRef>
-    </dgm:style>
-  </dgm:styleLbl>
-  <dgm:styleLbl name="sibTrans1D1">
-    <dgm:scene3d>
-      <a:camera prst="orthographicFront"/>
-      <a:lightRig rig="threePt" dir="t"/>
-    </dgm:scene3d>
-    <dgm:sp3d/>
-    <dgm:txPr/>
-    <dgm:style>
-      <a:lnRef idx="1">
-        <a:scrgbClr r="0" g="0" b="0"/>
-      </a:lnRef>
-      <a:fillRef idx="0">
-        <a:scrgbClr r="0" g="0" b="0"/>
-      </a:fillRef>
-      <a:effectRef idx="0">
-        <a:scrgbClr r="0" g="0" b="0"/>
-      </a:effectRef>
-      <a:fontRef idx="minor"/>
-    </dgm:style>
-  </dgm:styleLbl>
-  <dgm:styleLbl name="callout">
-    <dgm:scene3d>
-      <a:camera prst="orthographicFront"/>
-      <a:lightRig rig="threePt" dir="t"/>
-    </dgm:scene3d>
-    <dgm:sp3d/>
-    <dgm:txPr/>
-    <dgm:style>
-      <a:lnRef idx="2">
-        <a:scrgbClr r="0" g="0" b="0"/>
-      </a:lnRef>
-      <a:fillRef idx="1">
-        <a:scrgbClr r="0" g="0" b="0"/>
-      </a:fillRef>
-      <a:effectRef idx="0">
-        <a:scrgbClr r="0" g="0" b="0"/>
-      </a:effectRef>
-      <a:fontRef idx="minor"/>
-    </dgm:style>
-  </dgm:styleLbl>
-  <dgm:styleLbl name="asst0">
-    <dgm:scene3d>
-      <a:camera prst="orthographicFront"/>
-      <a:lightRig rig="threePt" dir="t"/>
-    </dgm:scene3d>
-    <dgm:sp3d/>
-    <dgm:txPr/>
-    <dgm:style>
-      <a:lnRef idx="2">
-        <a:scrgbClr r="0" g="0" b="0"/>
-      </a:lnRef>
-      <a:fillRef idx="1">
-        <a:scrgbClr r="0" g="0" b="0"/>
-      </a:fillRef>
-      <a:effectRef idx="0">
-        <a:scrgbClr r="0" g="0" b="0"/>
-      </a:effectRef>
-      <a:fontRef idx="minor">
-        <a:schemeClr val="lt1"/>
-      </a:fontRef>
-    </dgm:style>
-  </dgm:styleLbl>
-  <dgm:styleLbl name="asst1">
-    <dgm:scene3d>
-      <a:camera prst="orthographicFront"/>
-      <a:lightRig rig="threePt" dir="t"/>
-    </dgm:scene3d>
-    <dgm:sp3d/>
-    <dgm:txPr/>
-    <dgm:style>
-      <a:lnRef idx="2">
-        <a:scrgbClr r="0" g="0" b="0"/>
-      </a:lnRef>
-      <a:fillRef idx="1">
-        <a:scrgbClr r="0" g="0" b="0"/>
-      </a:fillRef>
-      <a:effectRef idx="0">
-        <a:scrgbClr r="0" g="0" b="0"/>
-      </a:effectRef>
-      <a:fontRef idx="minor">
-        <a:schemeClr val="lt1"/>
-      </a:fontRef>
-    </dgm:style>
-  </dgm:styleLbl>
-  <dgm:styleLbl name="asst2">
-    <dgm:scene3d>
-      <a:camera prst="orthographicFront"/>
-      <a:lightRig rig="threePt" dir="t"/>
-    </dgm:scene3d>
-    <dgm:sp3d/>
-    <dgm:txPr/>
-    <dgm:style>
-      <a:lnRef idx="2">
-        <a:scrgbClr r="0" g="0" b="0"/>
-      </a:lnRef>
-      <a:fillRef idx="1">
-        <a:scrgbClr r="0" g="0" b="0"/>
-      </a:fillRef>
-      <a:effectRef idx="0">
-        <a:scrgbClr r="0" g="0" b="0"/>
-      </a:effectRef>
-      <a:fontRef idx="minor">
-        <a:schemeClr val="lt1"/>
-      </a:fontRef>
-    </dgm:style>
-  </dgm:styleLbl>
-  <dgm:styleLbl name="asst3">
-    <dgm:scene3d>
-      <a:camera prst="orthographicFront"/>
-      <a:lightRig rig="threePt" dir="t"/>
-    </dgm:scene3d>
-    <dgm:sp3d/>
-    <dgm:txPr/>
-    <dgm:style>
-      <a:lnRef idx="2">
-        <a:scrgbClr r="0" g="0" b="0"/>
-      </a:lnRef>
-      <a:fillRef idx="1">
-        <a:scrgbClr r="0" g="0" b="0"/>
-      </a:fillRef>
-      <a:effectRef idx="0">
-        <a:scrgbClr r="0" g="0" b="0"/>
-      </a:effectRef>
-      <a:fontRef idx="minor">
-        <a:schemeClr val="lt1"/>
-      </a:fontRef>
-    </dgm:style>
-  </dgm:styleLbl>
-  <dgm:styleLbl name="asst4">
-    <dgm:scene3d>
-      <a:camera prst="orthographicFront"/>
-      <a:lightRig rig="threePt" dir="t"/>
-    </dgm:scene3d>
-    <dgm:sp3d/>
-    <dgm:txPr/>
-    <dgm:style>
-      <a:lnRef idx="2">
-        <a:scrgbClr r="0" g="0" b="0"/>
-      </a:lnRef>
-      <a:fillRef idx="1">
-        <a:scrgbClr r="0" g="0" b="0"/>
-      </a:fillRef>
-      <a:effectRef idx="0">
-        <a:scrgbClr r="0" g="0" b="0"/>
-      </a:effectRef>
-      <a:fontRef idx="minor">
-        <a:schemeClr val="lt1"/>
-      </a:fontRef>
-    </dgm:style>
-  </dgm:styleLbl>
-  <dgm:styleLbl name="parChTrans2D1">
-    <dgm:scene3d>
-      <a:camera prst="orthographicFront"/>
-      <a:lightRig rig="threePt" dir="t"/>
-    </dgm:scene3d>
-    <dgm:sp3d/>
-    <dgm:txPr/>
-    <dgm:style>
-      <a:lnRef idx="2">
-        <a:scrgbClr r="0" g="0" b="0"/>
-      </a:lnRef>
-      <a:fillRef idx="1">
-        <a:scrgbClr r="0" g="0" b="0"/>
-      </a:fillRef>
-      <a:effectRef idx="0">
-        <a:scrgbClr r="0" g="0" b="0"/>
-      </a:effectRef>
-      <a:fontRef idx="minor">
-        <a:schemeClr val="lt1"/>
-      </a:fontRef>
-    </dgm:style>
-  </dgm:styleLbl>
-  <dgm:styleLbl name="parChTrans2D2">
-    <dgm:scene3d>
-      <a:camera prst="orthographicFront"/>
-      <a:lightRig rig="threePt" dir="t"/>
-    </dgm:scene3d>
-    <dgm:sp3d/>
-    <dgm:txPr/>
-    <dgm:style>
-      <a:lnRef idx="2">
-        <a:scrgbClr r="0" g="0" b="0"/>
-      </a:lnRef>
-      <a:fillRef idx="1">
-        <a:scrgbClr r="0" g="0" b="0"/>
-      </a:fillRef>
-      <a:effectRef idx="0">
-        <a:scrgbClr r="0" g="0" b="0"/>
-      </a:effectRef>
-      <a:fontRef idx="minor">
-        <a:schemeClr val="lt1"/>
-      </a:fontRef>
-    </dgm:style>
-  </dgm:styleLbl>
-  <dgm:styleLbl name="parChTrans2D3">
-    <dgm:scene3d>
-      <a:camera prst="orthographicFront"/>
-      <a:lightRig rig="threePt" dir="t"/>
-    </dgm:scene3d>
-    <dgm:sp3d/>
-    <dgm:txPr/>
-    <dgm:style>
-      <a:lnRef idx="2">
-        <a:scrgbClr r="0" g="0" b="0"/>
-      </a:lnRef>
-      <a:fillRef idx="1">
-        <a:scrgbClr r="0" g="0" b="0"/>
-      </a:fillRef>
-      <a:effectRef idx="0">
-        <a:scrgbClr r="0" g="0" b="0"/>
-      </a:effectRef>
-      <a:fontRef idx="minor">
-        <a:schemeClr val="lt1"/>
-      </a:fontRef>
-    </dgm:style>
-  </dgm:styleLbl>
-  <dgm:styleLbl name="parChTrans2D4">
-    <dgm:scene3d>
-      <a:camera prst="orthographicFront"/>
-      <a:lightRig rig="threePt" dir="t"/>
-    </dgm:scene3d>
-    <dgm:sp3d/>
-    <dgm:txPr/>
-    <dgm:style>
-      <a:lnRef idx="2">
-        <a:scrgbClr r="0" g="0" b="0"/>
-      </a:lnRef>
-      <a:fillRef idx="1">
-        <a:scrgbClr r="0" g="0" b="0"/>
-      </a:fillRef>
-      <a:effectRef idx="0">
-        <a:scrgbClr r="0" g="0" b="0"/>
-      </a:effectRef>
-      <a:fontRef idx="minor">
-        <a:schemeClr val="lt1"/>
-      </a:fontRef>
-    </dgm:style>
-  </dgm:styleLbl>
-  <dgm:styleLbl name="parChTrans1D1">
-    <dgm:scene3d>
-      <a:camera prst="orthographicFront"/>
-      <a:lightRig rig="threePt" dir="t"/>
-    </dgm:scene3d>
-    <dgm:sp3d/>
-    <dgm:txPr/>
-    <dgm:style>
-      <a:lnRef idx="2">
-        <a:scrgbClr r="0" g="0" b="0"/>
-      </a:lnRef>
-      <a:fillRef idx="0">
-        <a:scrgbClr r="0" g="0" b="0"/>
-      </a:fillRef>
-      <a:effectRef idx="0">
-        <a:scrgbClr r="0" g="0" b="0"/>
-      </a:effectRef>
-      <a:fontRef idx="minor"/>
-    </dgm:style>
-  </dgm:styleLbl>
-  <dgm:styleLbl name="parChTrans1D2">
-    <dgm:scene3d>
-      <a:camera prst="orthographicFront"/>
-      <a:lightRig rig="threePt" dir="t"/>
-    </dgm:scene3d>
-    <dgm:sp3d/>
-    <dgm:txPr/>
-    <dgm:style>
-      <a:lnRef idx="2">
-        <a:scrgbClr r="0" g="0" b="0"/>
-      </a:lnRef>
-      <a:fillRef idx="0">
-        <a:scrgbClr r="0" g="0" b="0"/>
-      </a:fillRef>
-      <a:effectRef idx="0">
-        <a:scrgbClr r="0" g="0" b="0"/>
-      </a:effectRef>
-      <a:fontRef idx="minor"/>
-    </dgm:style>
-  </dgm:styleLbl>
-  <dgm:styleLbl name="parChTrans1D3">
-    <dgm:scene3d>
-      <a:camera prst="orthographicFront"/>
-      <a:lightRig rig="threePt" dir="t"/>
-    </dgm:scene3d>
-    <dgm:sp3d/>
-    <dgm:txPr/>
-    <dgm:style>
-      <a:lnRef idx="2">
-        <a:scrgbClr r="0" g="0" b="0"/>
-      </a:lnRef>
-      <a:fillRef idx="0">
-        <a:scrgbClr r="0" g="0" b="0"/>
-      </a:fillRef>
-      <a:effectRef idx="0">
-        <a:scrgbClr r="0" g="0" b="0"/>
-      </a:effectRef>
-      <a:fontRef idx="minor"/>
-    </dgm:style>
-  </dgm:styleLbl>
-  <dgm:styleLbl name="parChTrans1D4">
-    <dgm:scene3d>
-      <a:camera prst="orthographicFront"/>
-      <a:lightRig rig="threePt" dir="t"/>
-    </dgm:scene3d>
-    <dgm:sp3d/>
-    <dgm:txPr/>
-    <dgm:style>
-      <a:lnRef idx="2">
-        <a:scrgbClr r="0" g="0" b="0"/>
-      </a:lnRef>
-      <a:fillRef idx="0">
-        <a:scrgbClr r="0" g="0" b="0"/>
-      </a:fillRef>
-      <a:effectRef idx="0">
-        <a:scrgbClr r="0" g="0" b="0"/>
-      </a:effectRef>
-      <a:fontRef idx="minor"/>
-    </dgm:style>
-  </dgm:styleLbl>
-  <dgm:styleLbl name="fgAcc1">
-    <dgm:scene3d>
-      <a:camera prst="orthographicFront"/>
-      <a:lightRig rig="threePt" dir="t"/>
-    </dgm:scene3d>
-    <dgm:sp3d/>
-    <dgm:txPr/>
-    <dgm:style>
-      <a:lnRef idx="2">
-        <a:scrgbClr r="0" g="0" b="0"/>
-      </a:lnRef>
-      <a:fillRef idx="1">
-        <a:scrgbClr r="0" g="0" b="0"/>
-      </a:fillRef>
-      <a:effectRef idx="0">
-        <a:scrgbClr r="0" g="0" b="0"/>
-      </a:effectRef>
-      <a:fontRef idx="minor"/>
-    </dgm:style>
-  </dgm:styleLbl>
-  <dgm:styleLbl name="conFgAcc1">
-    <dgm:scene3d>
-      <a:camera prst="orthographicFront"/>
-      <a:lightRig rig="threePt" dir="t"/>
-    </dgm:scene3d>
-    <dgm:sp3d/>
-    <dgm:txPr/>
-    <dgm:style>
-      <a:lnRef idx="2">
-        <a:scrgbClr r="0" g="0" b="0"/>
-      </a:lnRef>
-      <a:fillRef idx="1">
-        <a:scrgbClr r="0" g="0" b="0"/>
-      </a:fillRef>
-      <a:effectRef idx="0">
-        <a:scrgbClr r="0" g="0" b="0"/>
-      </a:effectRef>
-      <a:fontRef idx="minor"/>
-    </dgm:style>
-  </dgm:styleLbl>
-  <dgm:styleLbl name="alignAcc1">
-    <dgm:scene3d>
-      <a:camera prst="orthographicFront"/>
-      <a:lightRig rig="threePt" dir="t"/>
-    </dgm:scene3d>
-    <dgm:sp3d/>
-    <dgm:txPr/>
-    <dgm:style>
-      <a:lnRef idx="2">
-        <a:scrgbClr r="0" g="0" b="0"/>
-      </a:lnRef>
-      <a:fillRef idx="1">
-        <a:scrgbClr r="0" g="0" b="0"/>
-      </a:fillRef>
-      <a:effectRef idx="0">
-        <a:scrgbClr r="0" g="0" b="0"/>
-      </a:effectRef>
-      <a:fontRef idx="minor"/>
-    </dgm:style>
-  </dgm:styleLbl>
-  <dgm:styleLbl name="trAlignAcc1">
-    <dgm:scene3d>
-      <a:camera prst="orthographicFront"/>
-      <a:lightRig rig="threePt" dir="t"/>
-    </dgm:scene3d>
-    <dgm:sp3d/>
-    <dgm:txPr/>
-    <dgm:style>
-      <a:lnRef idx="1">
-        <a:scrgbClr r="0" g="0" b="0"/>
-      </a:lnRef>
-      <a:fillRef idx="1">
-        <a:scrgbClr r="0" g="0" b="0"/>
-      </a:fillRef>
-      <a:effectRef idx="0">
-        <a:scrgbClr r="0" g="0" b="0"/>
-      </a:effectRef>
-      <a:fontRef idx="minor"/>
-    </dgm:style>
-  </dgm:styleLbl>
-  <dgm:styleLbl name="bgAcc1">
-    <dgm:scene3d>
-      <a:camera prst="orthographicFront"/>
-      <a:lightRig rig="threePt" dir="t"/>
-    </dgm:scene3d>
-    <dgm:sp3d/>
-    <dgm:txPr/>
-    <dgm:style>
-      <a:lnRef idx="2">
-        <a:scrgbClr r="0" g="0" b="0"/>
-      </a:lnRef>
-      <a:fillRef idx="1">
-        <a:scrgbClr r="0" g="0" b="0"/>
-      </a:fillRef>
-      <a:effectRef idx="0">
-        <a:scrgbClr r="0" g="0" b="0"/>
-      </a:effectRef>
-      <a:fontRef idx="minor"/>
-    </dgm:style>
-  </dgm:styleLbl>
-  <dgm:styleLbl name="solidFgAcc1">
-    <dgm:scene3d>
-      <a:camera prst="orthographicFront"/>
-      <a:lightRig rig="threePt" dir="t"/>
-    </dgm:scene3d>
-    <dgm:sp3d/>
-    <dgm:txPr/>
-    <dgm:style>
-      <a:lnRef idx="2">
-        <a:scrgbClr r="0" g="0" b="0"/>
-      </a:lnRef>
-      <a:fillRef idx="1">
-        <a:scrgbClr r="0" g="0" b="0"/>
-      </a:fillRef>
-      <a:effectRef idx="0">
-        <a:scrgbClr r="0" g="0" b="0"/>
-      </a:effectRef>
-      <a:fontRef idx="minor"/>
-    </dgm:style>
-  </dgm:styleLbl>
-  <dgm:styleLbl name="solidAlignAcc1">
-    <dgm:scene3d>
-      <a:camera prst="orthographicFront"/>
-      <a:lightRig rig="threePt" dir="t"/>
-    </dgm:scene3d>
-    <dgm:sp3d/>
-    <dgm:txPr/>
-    <dgm:style>
-      <a:lnRef idx="2">
-        <a:scrgbClr r="0" g="0" b="0"/>
-      </a:lnRef>
-      <a:fillRef idx="1">
-        <a:scrgbClr r="0" g="0" b="0"/>
-      </a:fillRef>
-      <a:effectRef idx="0">
-        <a:scrgbClr r="0" g="0" b="0"/>
-      </a:effectRef>
-      <a:fontRef idx="minor"/>
-    </dgm:style>
-  </dgm:styleLbl>
-  <dgm:styleLbl name="solidBgAcc1">
-    <dgm:scene3d>
-      <a:camera prst="orthographicFront"/>
-      <a:lightRig rig="threePt" dir="t"/>
-    </dgm:scene3d>
-    <dgm:sp3d/>
-    <dgm:txPr/>
-    <dgm:style>
-      <a:lnRef idx="2">
-        <a:scrgbClr r="0" g="0" b="0"/>
-      </a:lnRef>
-      <a:fillRef idx="1">
-        <a:scrgbClr r="0" g="0" b="0"/>
-      </a:fillRef>
-      <a:effectRef idx="0">
-        <a:scrgbClr r="0" g="0" b="0"/>
-      </a:effectRef>
-      <a:fontRef idx="minor"/>
-    </dgm:style>
-  </dgm:styleLbl>
-  <dgm:styleLbl name="fgAccFollowNode1">
-    <dgm:scene3d>
-      <a:camera prst="orthographicFront"/>
-      <a:lightRig rig="threePt" dir="t"/>
-    </dgm:scene3d>
-    <dgm:sp3d/>
-    <dgm:txPr/>
-    <dgm:style>
-      <a:lnRef idx="2">
-        <a:scrgbClr r="0" g="0" b="0"/>
-      </a:lnRef>
-      <a:fillRef idx="1">
-        <a:scrgbClr r="0" g="0" b="0"/>
-      </a:fillRef>
-      <a:effectRef idx="0">
-        <a:scrgbClr r="0" g="0" b="0"/>
-      </a:effectRef>
-      <a:fontRef idx="minor"/>
-    </dgm:style>
-  </dgm:styleLbl>
-  <dgm:styleLbl name="alignAccFollowNode1">
-    <dgm:scene3d>
-      <a:camera prst="orthographicFront"/>
-      <a:lightRig rig="threePt" dir="t"/>
-    </dgm:scene3d>
-    <dgm:sp3d/>
-    <dgm:txPr/>
-    <dgm:style>
-      <a:lnRef idx="2">
-        <a:scrgbClr r="0" g="0" b="0"/>
-      </a:lnRef>
-      <a:fillRef idx="1">
-        <a:scrgbClr r="0" g="0" b="0"/>
-      </a:fillRef>
-      <a:effectRef idx="0">
-        <a:scrgbClr r="0" g="0" b="0"/>
-      </a:effectRef>
-      <a:fontRef idx="minor"/>
-    </dgm:style>
-  </dgm:styleLbl>
-  <dgm:styleLbl name="bgAccFollowNode1">
-    <dgm:scene3d>
-      <a:camera prst="orthographicFront"/>
-      <a:lightRig rig="threePt" dir="t"/>
-    </dgm:scene3d>
-    <dgm:sp3d/>
-    <dgm:txPr/>
-    <dgm:style>
-      <a:lnRef idx="2">
-        <a:scrgbClr r="0" g="0" b="0"/>
-      </a:lnRef>
-      <a:fillRef idx="1">
-        <a:scrgbClr r="0" g="0" b="0"/>
-      </a:fillRef>
-      <a:effectRef idx="0">
-        <a:scrgbClr r="0" g="0" b="0"/>
-      </a:effectRef>
-      <a:fontRef idx="minor"/>
-    </dgm:style>
-  </dgm:styleLbl>
-  <dgm:styleLbl name="fgAcc0">
-    <dgm:scene3d>
-      <a:camera prst="orthographicFront"/>
-      <a:lightRig rig="threePt" dir="t"/>
-    </dgm:scene3d>
-    <dgm:sp3d/>
-    <dgm:txPr/>
-    <dgm:style>
-      <a:lnRef idx="2">
-        <a:scrgbClr r="0" g="0" b="0"/>
-      </a:lnRef>
-      <a:fillRef idx="1">
-        <a:scrgbClr r="0" g="0" b="0"/>
-      </a:fillRef>
-      <a:effectRef idx="0">
-        <a:scrgbClr r="0" g="0" b="0"/>
-      </a:effectRef>
-      <a:fontRef idx="minor"/>
-    </dgm:style>
-  </dgm:styleLbl>
-  <dgm:styleLbl name="fgAcc2">
-    <dgm:scene3d>
-      <a:camera prst="orthographicFront"/>
-      <a:lightRig rig="threePt" dir="t"/>
-    </dgm:scene3d>
-    <dgm:sp3d/>
-    <dgm:txPr/>
-    <dgm:style>
-      <a:lnRef idx="2">
-        <a:scrgbClr r="0" g="0" b="0"/>
-      </a:lnRef>
-      <a:fillRef idx="1">
-        <a:scrgbClr r="0" g="0" b="0"/>
-      </a:fillRef>
-      <a:effectRef idx="0">
-        <a:scrgbClr r="0" g="0" b="0"/>
-      </a:effectRef>
-      <a:fontRef idx="minor"/>
-    </dgm:style>
-  </dgm:styleLbl>
-  <dgm:styleLbl name="fgAcc3">
-    <dgm:scene3d>
-      <a:camera prst="orthographicFront"/>
-      <a:lightRig rig="threePt" dir="t"/>
-    </dgm:scene3d>
-    <dgm:sp3d/>
-    <dgm:txPr/>
-    <dgm:style>
-      <a:lnRef idx="2">
-        <a:scrgbClr r="0" g="0" b="0"/>
-      </a:lnRef>
-      <a:fillRef idx="1">
-        <a:scrgbClr r="0" g="0" b="0"/>
-      </a:fillRef>
-      <a:effectRef idx="0">
-        <a:scrgbClr r="0" g="0" b="0"/>
-      </a:effectRef>
-      <a:fontRef idx="minor"/>
-    </dgm:style>
-  </dgm:styleLbl>
-  <dgm:styleLbl name="fgAcc4">
-    <dgm:scene3d>
-      <a:camera prst="orthographicFront"/>
-      <a:lightRig rig="threePt" dir="t"/>
-    </dgm:scene3d>
-    <dgm:sp3d/>
-    <dgm:txPr/>
-    <dgm:style>
-      <a:lnRef idx="2">
-        <a:scrgbClr r="0" g="0" b="0"/>
-      </a:lnRef>
-      <a:fillRef idx="1">
-        <a:scrgbClr r="0" g="0" b="0"/>
-      </a:fillRef>
-      <a:effectRef idx="0">
-        <a:scrgbClr r="0" g="0" b="0"/>
-      </a:effectRef>
-      <a:fontRef idx="minor"/>
-    </dgm:style>
-  </dgm:styleLbl>
-  <dgm:styleLbl name="bgShp">
-    <dgm:scene3d>
-      <a:camera prst="orthographicFront"/>
-      <a:lightRig rig="threePt" dir="t"/>
-    </dgm:scene3d>
-    <dgm:sp3d/>
-    <dgm:txPr/>
-    <dgm:style>
-      <a:lnRef idx="0">
-        <a:scrgbClr r="0" g="0" b="0"/>
-      </a:lnRef>
-      <a:fillRef idx="1">
-        <a:scrgbClr r="0" g="0" b="0"/>
-      </a:fillRef>
-      <a:effectRef idx="0">
-        <a:scrgbClr r="0" g="0" b="0"/>
-      </a:effectRef>
-      <a:fontRef idx="minor"/>
-    </dgm:style>
-  </dgm:styleLbl>
-  <dgm:styleLbl name="dkBgShp">
-    <dgm:scene3d>
-      <a:camera prst="orthographicFront"/>
-      <a:lightRig rig="threePt" dir="t"/>
-    </dgm:scene3d>
-    <dgm:sp3d/>
-    <dgm:txPr/>
-    <dgm:style>
-      <a:lnRef idx="0">
-        <a:scrgbClr r="0" g="0" b="0"/>
-      </a:lnRef>
-      <a:fillRef idx="1">
-        <a:scrgbClr r="0" g="0" b="0"/>
-      </a:fillRef>
-      <a:effectRef idx="0">
-        <a:scrgbClr r="0" g="0" b="0"/>
-      </a:effectRef>
-      <a:fontRef idx="minor"/>
-    </dgm:style>
-  </dgm:styleLbl>
-  <dgm:styleLbl name="trBgShp">
-    <dgm:scene3d>
-      <a:camera prst="orthographicFront"/>
-      <a:lightRig rig="threePt" dir="t"/>
-    </dgm:scene3d>
-    <dgm:sp3d/>
-    <dgm:txPr/>
-    <dgm:style>
-      <a:lnRef idx="0">
-        <a:scrgbClr r="0" g="0" b="0"/>
-      </a:lnRef>
-      <a:fillRef idx="1">
-        <a:scrgbClr r="0" g="0" b="0"/>
-      </a:fillRef>
-      <a:effectRef idx="0">
-        <a:scrgbClr r="0" g="0" b="0"/>
-      </a:effectRef>
-      <a:fontRef idx="minor"/>
-    </dgm:style>
-  </dgm:styleLbl>
-  <dgm:styleLbl name="fgShp">
-    <dgm:scene3d>
-      <a:camera prst="orthographicFront"/>
-      <a:lightRig rig="threePt" dir="t"/>
-    </dgm:scene3d>
-    <dgm:sp3d/>
-    <dgm:txPr/>
-    <dgm:style>
-      <a:lnRef idx="2">
-        <a:scrgbClr r="0" g="0" b="0"/>
-      </a:lnRef>
-      <a:fillRef idx="1">
-        <a:scrgbClr r="0" g="0" b="0"/>
-      </a:fillRef>
-      <a:effectRef idx="0">
-        <a:scrgbClr r="0" g="0" b="0"/>
-      </a:effectRef>
-      <a:fontRef idx="minor"/>
-    </dgm:style>
-  </dgm:styleLbl>
-  <dgm:styleLbl name="revTx">
-    <dgm:scene3d>
-      <a:camera prst="orthographicFront"/>
-      <a:lightRig rig="threePt" dir="t"/>
-    </dgm:scene3d>
-    <dgm:sp3d/>
-    <dgm:txPr/>
-    <dgm:style>
-      <a:lnRef idx="0">
-        <a:scrgbClr r="0" g="0" b="0"/>
-      </a:lnRef>
-      <a:fillRef idx="0">
-        <a:scrgbClr r="0" g="0" b="0"/>
-      </a:fillRef>
-      <a:effectRef idx="0">
-        <a:scrgbClr r="0" g="0" b="0"/>
-      </a:effectRef>
-      <a:fontRef idx="minor"/>
-    </dgm:style>
-  </dgm:styleLbl>
-</dgm:styleDef>
-</file>
-
 <file path=ppt/handoutMasters/handoutMaster1.xml><?xml version="1.0" encoding="utf-8"?>
 <p:handoutMaster xmlns:a="http://schemas.openxmlformats.org/drawingml/2006/main" xmlns:r="http://schemas.openxmlformats.org/officeDocument/2006/relationships" xmlns:p="http://schemas.openxmlformats.org/presentationml/2006/main">
   <p:cSld>
@@ -2486,7 +220,7 @@
           <a:p>
             <a:fld id="{5F3AF27D-9AB3-4E98-991D-DDD0770C3FA9}" type="datetimeFigureOut">
               <a:rPr lang="en-US" smtClean="0"/>
-              <a:t>7/8/2018</a:t>
+              <a:t>7/10/2018</a:t>
             </a:fld>
             <a:endParaRPr lang="en-US"/>
           </a:p>
@@ -2651,7 +385,7 @@
           <a:p>
             <a:fld id="{B8714DAA-9405-440B-AFF6-56FC2A8284E5}" type="datetimeFigureOut">
               <a:rPr lang="en-US" smtClean="0"/>
-              <a:t>7/8/2018</a:t>
+              <a:t>7/10/2018</a:t>
             </a:fld>
             <a:endParaRPr lang="en-US"/>
           </a:p>
@@ -3100,7 +834,7 @@
           <a:p>
             <a:fld id="{39C194AB-FD3C-4E8B-946C-B8ECE0D1E2D9}" type="slidenum">
               <a:rPr lang="en-US" smtClean="0"/>
-              <a:t>5</a:t>
+              <a:t>3</a:t>
             </a:fld>
             <a:endParaRPr lang="en-US"/>
           </a:p>
@@ -3184,7 +918,7 @@
           <a:p>
             <a:fld id="{39C194AB-FD3C-4E8B-946C-B8ECE0D1E2D9}" type="slidenum">
               <a:rPr lang="en-US" smtClean="0"/>
-              <a:t>7</a:t>
+              <a:t>5</a:t>
             </a:fld>
             <a:endParaRPr lang="en-US"/>
           </a:p>
@@ -3268,7 +1002,7 @@
           <a:p>
             <a:fld id="{39C194AB-FD3C-4E8B-946C-B8ECE0D1E2D9}" type="slidenum">
               <a:rPr lang="en-US" smtClean="0"/>
-              <a:t>8</a:t>
+              <a:t>6</a:t>
             </a:fld>
             <a:endParaRPr lang="en-US"/>
           </a:p>
@@ -3352,7 +1086,7 @@
           <a:p>
             <a:fld id="{39C194AB-FD3C-4E8B-946C-B8ECE0D1E2D9}" type="slidenum">
               <a:rPr lang="en-US" smtClean="0"/>
-              <a:t>9</a:t>
+              <a:t>7</a:t>
             </a:fld>
             <a:endParaRPr lang="en-US"/>
           </a:p>
@@ -3567,7 +1301,7 @@
           <a:p>
             <a:fld id="{8B2958E2-F537-4BC2-99E6-BDAF95D803B8}" type="datetimeFigureOut">
               <a:rPr lang="en-US" smtClean="0"/>
-              <a:t>7/8/2018</a:t>
+              <a:t>7/10/2018</a:t>
             </a:fld>
             <a:endParaRPr lang="en-US"/>
           </a:p>
@@ -3848,7 +1582,7 @@
           <a:p>
             <a:fld id="{8B2958E2-F537-4BC2-99E6-BDAF95D803B8}" type="datetimeFigureOut">
               <a:rPr lang="en-US" smtClean="0"/>
-              <a:t>7/8/2018</a:t>
+              <a:t>7/10/2018</a:t>
             </a:fld>
             <a:endParaRPr lang="en-US"/>
           </a:p>
@@ -4040,7 +1774,7 @@
           <a:p>
             <a:fld id="{8B2958E2-F537-4BC2-99E6-BDAF95D803B8}" type="datetimeFigureOut">
               <a:rPr lang="en-US" smtClean="0"/>
-              <a:t>7/8/2018</a:t>
+              <a:t>7/10/2018</a:t>
             </a:fld>
             <a:endParaRPr lang="en-US"/>
           </a:p>
@@ -4301,7 +2035,7 @@
           <a:p>
             <a:fld id="{8B2958E2-F537-4BC2-99E6-BDAF95D803B8}" type="datetimeFigureOut">
               <a:rPr lang="en-US" smtClean="0"/>
-              <a:t>7/8/2018</a:t>
+              <a:t>7/10/2018</a:t>
             </a:fld>
             <a:endParaRPr lang="en-US"/>
           </a:p>
@@ -4727,7 +2461,7 @@
           <a:p>
             <a:fld id="{8B2958E2-F537-4BC2-99E6-BDAF95D803B8}" type="datetimeFigureOut">
               <a:rPr lang="en-US" smtClean="0"/>
-              <a:t>7/8/2018</a:t>
+              <a:t>7/10/2018</a:t>
             </a:fld>
             <a:endParaRPr lang="en-US"/>
           </a:p>
@@ -5273,7 +3007,7 @@
           <a:p>
             <a:fld id="{8B2958E2-F537-4BC2-99E6-BDAF95D803B8}" type="datetimeFigureOut">
               <a:rPr lang="en-US" smtClean="0"/>
-              <a:t>7/8/2018</a:t>
+              <a:t>7/10/2018</a:t>
             </a:fld>
             <a:endParaRPr lang="en-US"/>
           </a:p>
@@ -6104,7 +3838,7 @@
           <a:p>
             <a:fld id="{8B2958E2-F537-4BC2-99E6-BDAF95D803B8}" type="datetimeFigureOut">
               <a:rPr lang="en-US" smtClean="0"/>
-              <a:t>7/8/2018</a:t>
+              <a:t>7/10/2018</a:t>
             </a:fld>
             <a:endParaRPr lang="en-US"/>
           </a:p>
@@ -6274,7 +4008,7 @@
           <a:p>
             <a:fld id="{8B2958E2-F537-4BC2-99E6-BDAF95D803B8}" type="datetimeFigureOut">
               <a:rPr lang="en-US" smtClean="0"/>
-              <a:t>7/8/2018</a:t>
+              <a:t>7/10/2018</a:t>
             </a:fld>
             <a:endParaRPr lang="en-US"/>
           </a:p>
@@ -6454,7 +4188,7 @@
           <a:p>
             <a:fld id="{8B2958E2-F537-4BC2-99E6-BDAF95D803B8}" type="datetimeFigureOut">
               <a:rPr lang="en-US" smtClean="0"/>
-              <a:t>7/8/2018</a:t>
+              <a:t>7/10/2018</a:t>
             </a:fld>
             <a:endParaRPr lang="en-US"/>
           </a:p>
@@ -6651,7 +4385,7 @@
           <a:p>
             <a:fld id="{8B2958E2-F537-4BC2-99E6-BDAF95D803B8}" type="datetimeFigureOut">
               <a:rPr lang="en-US" smtClean="0"/>
-              <a:t>7/8/2018</a:t>
+              <a:t>7/10/2018</a:t>
             </a:fld>
             <a:endParaRPr lang="en-US"/>
           </a:p>
@@ -6908,7 +4642,7 @@
           <a:p>
             <a:fld id="{8B2958E2-F537-4BC2-99E6-BDAF95D803B8}" type="datetimeFigureOut">
               <a:rPr lang="en-US" smtClean="0"/>
-              <a:t>7/8/2018</a:t>
+              <a:t>7/10/2018</a:t>
             </a:fld>
             <a:endParaRPr lang="en-US"/>
           </a:p>
@@ -7140,7 +4874,7 @@
           <a:p>
             <a:fld id="{8B2958E2-F537-4BC2-99E6-BDAF95D803B8}" type="datetimeFigureOut">
               <a:rPr lang="en-US" smtClean="0"/>
-              <a:t>7/8/2018</a:t>
+              <a:t>7/10/2018</a:t>
             </a:fld>
             <a:endParaRPr lang="en-US"/>
           </a:p>
@@ -7533,7 +5267,7 @@
           <a:p>
             <a:fld id="{8B2958E2-F537-4BC2-99E6-BDAF95D803B8}" type="datetimeFigureOut">
               <a:rPr lang="en-US" smtClean="0"/>
-              <a:t>7/8/2018</a:t>
+              <a:t>7/10/2018</a:t>
             </a:fld>
             <a:endParaRPr lang="en-US"/>
           </a:p>
@@ -7651,7 +5385,7 @@
           <a:p>
             <a:fld id="{8B2958E2-F537-4BC2-99E6-BDAF95D803B8}" type="datetimeFigureOut">
               <a:rPr lang="en-US" smtClean="0"/>
-              <a:t>7/8/2018</a:t>
+              <a:t>7/10/2018</a:t>
             </a:fld>
             <a:endParaRPr lang="en-US"/>
           </a:p>
@@ -7746,7 +5480,7 @@
           <a:p>
             <a:fld id="{8B2958E2-F537-4BC2-99E6-BDAF95D803B8}" type="datetimeFigureOut">
               <a:rPr lang="en-US" smtClean="0"/>
-              <a:t>7/8/2018</a:t>
+              <a:t>7/10/2018</a:t>
             </a:fld>
             <a:endParaRPr lang="en-US"/>
           </a:p>
@@ -8019,7 +5753,7 @@
           <a:p>
             <a:fld id="{8B2958E2-F537-4BC2-99E6-BDAF95D803B8}" type="datetimeFigureOut">
               <a:rPr lang="en-US" smtClean="0"/>
-              <a:t>7/8/2018</a:t>
+              <a:t>7/10/2018</a:t>
             </a:fld>
             <a:endParaRPr lang="en-US"/>
           </a:p>
@@ -8300,7 +6034,7 @@
           <a:p>
             <a:fld id="{8B2958E2-F537-4BC2-99E6-BDAF95D803B8}" type="datetimeFigureOut">
               <a:rPr lang="en-US" smtClean="0"/>
-              <a:t>7/8/2018</a:t>
+              <a:t>7/10/2018</a:t>
             </a:fld>
             <a:endParaRPr lang="en-US"/>
           </a:p>
@@ -8539,7 +6273,7 @@
           <a:p>
             <a:fld id="{8B2958E2-F537-4BC2-99E6-BDAF95D803B8}" type="datetimeFigureOut">
               <a:rPr lang="en-US" smtClean="0"/>
-              <a:t>7/8/2018</a:t>
+              <a:t>7/10/2018</a:t>
             </a:fld>
             <a:endParaRPr lang="en-US"/>
           </a:p>
@@ -9132,7 +6866,13 @@
       </p:sp>
       <p:sp>
         <p:nvSpPr>
-          <p:cNvPr id="3" name="Subtitle 2"/>
+          <p:cNvPr id="6" name="Subtitle 5">
+            <a:extLst>
+              <a:ext uri="{FF2B5EF4-FFF2-40B4-BE49-F238E27FC236}">
+                <a16:creationId xmlns:a16="http://schemas.microsoft.com/office/drawing/2014/main" id="{841F448D-1810-4D09-9306-3615AE791E04}"/>
+              </a:ext>
+            </a:extLst>
+          </p:cNvPr>
           <p:cNvSpPr>
             <a:spLocks noGrp="1"/>
           </p:cNvSpPr>
@@ -9140,52 +6880,12 @@
             <p:ph type="subTitle" idx="1"/>
           </p:nvPr>
         </p:nvSpPr>
-        <p:spPr>
-          <a:xfrm>
-            <a:off x="1371600" y="3276600"/>
-            <a:ext cx="6400800" cy="1752600"/>
-          </a:xfrm>
-        </p:spPr>
-        <p:txBody>
-          <a:bodyPr>
-            <a:normAutofit/>
-          </a:bodyPr>
+        <p:spPr/>
+        <p:txBody>
+          <a:bodyPr/>
           <a:lstStyle/>
           <a:p>
-            <a:r>
-              <a:rPr lang="en-US" sz="5400" dirty="0"/>
-              <a:t>Bill Graziano</a:t>
-            </a:r>
-          </a:p>
-        </p:txBody>
-      </p:sp>
-      <p:sp>
-        <p:nvSpPr>
-          <p:cNvPr id="4" name="TextBox 3"/>
-          <p:cNvSpPr txBox="1"/>
-          <p:nvPr/>
-        </p:nvSpPr>
-        <p:spPr>
-          <a:xfrm>
-            <a:off x="2005592" y="5257800"/>
-            <a:ext cx="5012784" cy="523220"/>
-          </a:xfrm>
-          <a:prstGeom prst="rect">
-            <a:avLst/>
-          </a:prstGeom>
-          <a:noFill/>
-        </p:spPr>
-        <p:txBody>
-          <a:bodyPr wrap="none" rtlCol="0">
-            <a:spAutoFit/>
-          </a:bodyPr>
-          <a:lstStyle/>
-          <a:p>
-            <a:pPr algn="ctr"/>
-            <a:r>
-              <a:rPr lang="en-US" sz="2800" dirty="0"/>
-              <a:t>www.scalesql.com/presentations</a:t>
-            </a:r>
+            <a:endParaRPr lang="en-US"/>
           </a:p>
         </p:txBody>
       </p:sp>
@@ -9226,269 +6926,6 @@
             <a:spLocks noGrp="1"/>
           </p:cNvSpPr>
           <p:nvPr>
-            <p:ph type="title"/>
-          </p:nvPr>
-        </p:nvSpPr>
-        <p:spPr/>
-        <p:txBody>
-          <a:bodyPr/>
-          <a:lstStyle/>
-          <a:p>
-            <a:r>
-              <a:rPr lang="en-US" dirty="0"/>
-              <a:t>Indexing Tips</a:t>
-            </a:r>
-          </a:p>
-        </p:txBody>
-      </p:sp>
-      <p:sp>
-        <p:nvSpPr>
-          <p:cNvPr id="3" name="Content Placeholder 2"/>
-          <p:cNvSpPr>
-            <a:spLocks noGrp="1"/>
-          </p:cNvSpPr>
-          <p:nvPr>
-            <p:ph idx="1"/>
-          </p:nvPr>
-        </p:nvSpPr>
-        <p:spPr/>
-        <p:txBody>
-          <a:bodyPr>
-            <a:normAutofit/>
-          </a:bodyPr>
-          <a:lstStyle/>
-          <a:p>
-            <a:r>
-              <a:rPr lang="en-US" sz="2800" dirty="0"/>
-              <a:t>Always include a clustered index</a:t>
-            </a:r>
-          </a:p>
-          <a:p>
-            <a:pPr lvl="1"/>
-            <a:r>
-              <a:rPr lang="en-US" sz="2500" dirty="0"/>
-              <a:t>Usually the primary key</a:t>
-            </a:r>
-          </a:p>
-          <a:p>
-            <a:r>
-              <a:rPr lang="en-US" sz="2800" dirty="0"/>
-              <a:t> Index Column order matters!</a:t>
-            </a:r>
-          </a:p>
-          <a:p>
-            <a:pPr lvl="1"/>
-            <a:r>
-              <a:rPr lang="en-US" sz="2400" dirty="0"/>
-              <a:t>Often most selective first</a:t>
-            </a:r>
-          </a:p>
-          <a:p>
-            <a:pPr lvl="1"/>
-            <a:r>
-              <a:rPr lang="en-US" sz="2400" dirty="0"/>
-              <a:t>Unless you want all of a column (all orders for customer)</a:t>
-            </a:r>
-          </a:p>
-          <a:p>
-            <a:pPr lvl="1"/>
-            <a:r>
-              <a:rPr lang="en-US" sz="2400"/>
-              <a:t>Exclude the </a:t>
-            </a:r>
-            <a:r>
-              <a:rPr lang="en-US" sz="2400" dirty="0"/>
-              <a:t>first column from a WHERE clause and you get a SCAN</a:t>
-            </a:r>
-          </a:p>
-          <a:p>
-            <a:r>
-              <a:rPr lang="en-US" sz="2800" dirty="0"/>
-              <a:t>Test on large datasets</a:t>
-            </a:r>
-          </a:p>
-          <a:p>
-            <a:r>
-              <a:rPr lang="en-US" sz="2800" dirty="0"/>
-              <a:t>Index PERSISTED, COMPUTED columns</a:t>
-            </a:r>
-          </a:p>
-          <a:p>
-            <a:pPr lvl="1"/>
-            <a:r>
-              <a:rPr lang="en-US" sz="2400" dirty="0"/>
-              <a:t>Must match the WHERE clause</a:t>
-            </a:r>
-          </a:p>
-          <a:p>
-            <a:pPr lvl="1"/>
-            <a:r>
-              <a:rPr lang="en-US" sz="2400" dirty="0"/>
-              <a:t>Pre-2008 “date only” columns</a:t>
-            </a:r>
-          </a:p>
-          <a:p>
-            <a:endParaRPr lang="en-US" sz="2800" dirty="0"/>
-          </a:p>
-        </p:txBody>
-      </p:sp>
-    </p:spTree>
-    <p:extLst>
-      <p:ext uri="{BB962C8B-B14F-4D97-AF65-F5344CB8AC3E}">
-        <p14:creationId xmlns:p14="http://schemas.microsoft.com/office/powerpoint/2010/main" val="1184459723"/>
-      </p:ext>
-    </p:extLst>
-  </p:cSld>
-  <p:clrMapOvr>
-    <a:masterClrMapping/>
-  </p:clrMapOvr>
-</p:sld>
-</file>
-
-<file path=ppt/slides/slide11.xml><?xml version="1.0" encoding="utf-8"?>
-<p:sld xmlns:a="http://schemas.openxmlformats.org/drawingml/2006/main" xmlns:r="http://schemas.openxmlformats.org/officeDocument/2006/relationships" xmlns:p="http://schemas.openxmlformats.org/presentationml/2006/main">
-  <p:cSld>
-    <p:spTree>
-      <p:nvGrpSpPr>
-        <p:cNvPr id="1" name=""/>
-        <p:cNvGrpSpPr/>
-        <p:nvPr/>
-      </p:nvGrpSpPr>
-      <p:grpSpPr>
-        <a:xfrm>
-          <a:off x="0" y="0"/>
-          <a:ext cx="0" cy="0"/>
-          <a:chOff x="0" y="0"/>
-          <a:chExt cx="0" cy="0"/>
-        </a:xfrm>
-      </p:grpSpPr>
-      <p:sp>
-        <p:nvSpPr>
-          <p:cNvPr id="2" name="Title 1"/>
-          <p:cNvSpPr>
-            <a:spLocks noGrp="1"/>
-          </p:cNvSpPr>
-          <p:nvPr>
-            <p:ph type="title"/>
-          </p:nvPr>
-        </p:nvSpPr>
-        <p:spPr/>
-        <p:txBody>
-          <a:bodyPr/>
-          <a:lstStyle/>
-          <a:p>
-            <a:r>
-              <a:rPr lang="en-US" dirty="0"/>
-              <a:t>Performance Tips</a:t>
-            </a:r>
-          </a:p>
-        </p:txBody>
-      </p:sp>
-      <p:sp>
-        <p:nvSpPr>
-          <p:cNvPr id="3" name="Content Placeholder 2"/>
-          <p:cNvSpPr>
-            <a:spLocks noGrp="1"/>
-          </p:cNvSpPr>
-          <p:nvPr>
-            <p:ph idx="1"/>
-          </p:nvPr>
-        </p:nvSpPr>
-        <p:spPr/>
-        <p:txBody>
-          <a:bodyPr>
-            <a:normAutofit/>
-          </a:bodyPr>
-          <a:lstStyle/>
-          <a:p>
-            <a:r>
-              <a:rPr lang="en-US" sz="2800" dirty="0"/>
-              <a:t>Use EXISTS</a:t>
-            </a:r>
-          </a:p>
-          <a:p>
-            <a:r>
-              <a:rPr lang="en-US" sz="2800" dirty="0"/>
-              <a:t>NOT IN, IN, or </a:t>
-            </a:r>
-            <a:r>
-              <a:rPr lang="en-US" sz="2800" dirty="0" err="1"/>
-              <a:t>OR</a:t>
-            </a:r>
-            <a:endParaRPr lang="en-US" sz="2800" dirty="0"/>
-          </a:p>
-          <a:p>
-            <a:pPr lvl="1"/>
-            <a:r>
-              <a:rPr lang="en-US" sz="2500" dirty="0"/>
-              <a:t>Avoid NOT IN</a:t>
-            </a:r>
-          </a:p>
-          <a:p>
-            <a:pPr lvl="1"/>
-            <a:r>
-              <a:rPr lang="en-US" sz="2500" dirty="0"/>
-              <a:t>Beware IN</a:t>
-            </a:r>
-          </a:p>
-          <a:p>
-            <a:pPr lvl="1"/>
-            <a:r>
-              <a:rPr lang="en-US" sz="2500" dirty="0"/>
-              <a:t>Tread carefully around OR</a:t>
-            </a:r>
-          </a:p>
-          <a:p>
-            <a:r>
-              <a:rPr lang="en-US" sz="2800" dirty="0"/>
-              <a:t>Be careful with DISTINCT</a:t>
-            </a:r>
-          </a:p>
-          <a:p>
-            <a:r>
-              <a:rPr lang="en-US" sz="2800" dirty="0"/>
-              <a:t>Avoid SELECT in User-Defined Functions</a:t>
-            </a:r>
-          </a:p>
-        </p:txBody>
-      </p:sp>
-    </p:spTree>
-    <p:extLst>
-      <p:ext uri="{BB962C8B-B14F-4D97-AF65-F5344CB8AC3E}">
-        <p14:creationId xmlns:p14="http://schemas.microsoft.com/office/powerpoint/2010/main" val="1648969276"/>
-      </p:ext>
-    </p:extLst>
-  </p:cSld>
-  <p:clrMapOvr>
-    <a:masterClrMapping/>
-  </p:clrMapOvr>
-</p:sld>
-</file>
-
-<file path=ppt/slides/slide12.xml><?xml version="1.0" encoding="utf-8"?>
-<p:sld xmlns:a="http://schemas.openxmlformats.org/drawingml/2006/main" xmlns:r="http://schemas.openxmlformats.org/officeDocument/2006/relationships" xmlns:p="http://schemas.openxmlformats.org/presentationml/2006/main">
-  <p:cSld>
-    <p:spTree>
-      <p:nvGrpSpPr>
-        <p:cNvPr id="1" name=""/>
-        <p:cNvGrpSpPr/>
-        <p:nvPr/>
-      </p:nvGrpSpPr>
-      <p:grpSpPr>
-        <a:xfrm>
-          <a:off x="0" y="0"/>
-          <a:ext cx="0" cy="0"/>
-          <a:chOff x="0" y="0"/>
-          <a:chExt cx="0" cy="0"/>
-        </a:xfrm>
-      </p:grpSpPr>
-      <p:sp>
-        <p:nvSpPr>
-          <p:cNvPr id="2" name="Title 1"/>
-          <p:cNvSpPr>
-            <a:spLocks noGrp="1"/>
-          </p:cNvSpPr>
-          <p:nvPr>
             <p:ph type="ctrTitle"/>
           </p:nvPr>
         </p:nvSpPr>
@@ -9506,7 +6943,7 @@
           <a:p>
             <a:r>
               <a:rPr lang="en-US" sz="7200" dirty="0"/>
-              <a:t>Thank You</a:t>
+              <a:t>Questions?</a:t>
             </a:r>
           </a:p>
         </p:txBody>
@@ -9698,58 +7135,74 @@
               <a:t>Matching Data Types</a:t>
             </a:r>
           </a:p>
-          <a:p>
-            <a:r>
-              <a:rPr lang="en-US" sz="2800" dirty="0"/>
-              <a:t>Optional Parameters</a:t>
-            </a:r>
-          </a:p>
-          <a:p>
-            <a:r>
-              <a:rPr lang="en-US" sz="2800" dirty="0"/>
-              <a:t>Finding Bad Queries</a:t>
-            </a:r>
-          </a:p>
-          <a:p>
-            <a:r>
-              <a:rPr lang="en-US" sz="2800" dirty="0"/>
-              <a:t>MERGE</a:t>
-            </a:r>
-          </a:p>
-          <a:p>
-            <a:r>
-              <a:rPr lang="en-US" sz="2800" dirty="0"/>
-              <a:t>T-SQL Tips</a:t>
-            </a:r>
-          </a:p>
-          <a:p>
-            <a:r>
-              <a:rPr lang="en-US" sz="2800" dirty="0"/>
-              <a:t>Set based processing</a:t>
-            </a:r>
-          </a:p>
-          <a:p>
-            <a:r>
-              <a:rPr lang="en-US" sz="2800" dirty="0"/>
-              <a:t>Reducing Compiles</a:t>
-            </a:r>
-          </a:p>
-          <a:p>
-            <a:r>
-              <a:rPr lang="en-US" sz="2800" dirty="0"/>
-              <a:t>Loading Data</a:t>
-            </a:r>
-          </a:p>
-          <a:p>
-            <a:r>
-              <a:rPr lang="en-US" sz="2800" dirty="0"/>
-              <a:t>Deleting Data</a:t>
-            </a:r>
-          </a:p>
-          <a:p>
-            <a:r>
-              <a:rPr lang="en-US" sz="2800" dirty="0"/>
-              <a:t>Caching</a:t>
+        </p:txBody>
+      </p:sp>
+      <p:sp>
+        <p:nvSpPr>
+          <p:cNvPr id="4" name="Star: 7 Points 3">
+            <a:extLst>
+              <a:ext uri="{FF2B5EF4-FFF2-40B4-BE49-F238E27FC236}">
+                <a16:creationId xmlns:a16="http://schemas.microsoft.com/office/drawing/2014/main" id="{41F817F6-882C-45BA-9B5E-1D0EBA75E15D}"/>
+              </a:ext>
+            </a:extLst>
+          </p:cNvPr>
+          <p:cNvSpPr/>
+          <p:nvPr/>
+        </p:nvSpPr>
+        <p:spPr>
+          <a:xfrm>
+            <a:off x="3962400" y="914400"/>
+            <a:ext cx="4552950" cy="4267200"/>
+          </a:xfrm>
+          <a:prstGeom prst="star7">
+            <a:avLst/>
+          </a:prstGeom>
+        </p:spPr>
+        <p:style>
+          <a:lnRef idx="2">
+            <a:schemeClr val="accent4">
+              <a:shade val="50000"/>
+            </a:schemeClr>
+          </a:lnRef>
+          <a:fillRef idx="1">
+            <a:schemeClr val="accent4"/>
+          </a:fillRef>
+          <a:effectRef idx="0">
+            <a:schemeClr val="accent4"/>
+          </a:effectRef>
+          <a:fontRef idx="minor">
+            <a:schemeClr val="lt1"/>
+          </a:fontRef>
+        </p:style>
+        <p:txBody>
+          <a:bodyPr rtlCol="0" anchor="ctr"/>
+          <a:lstStyle/>
+          <a:p>
+            <a:pPr algn="ctr"/>
+            <a:r>
+              <a:rPr lang="en-US" sz="2000" dirty="0"/>
+              <a:t>Lots demos</a:t>
+            </a:r>
+          </a:p>
+          <a:p>
+            <a:pPr algn="ctr"/>
+            <a:r>
+              <a:rPr lang="en-US" sz="2000" dirty="0"/>
+              <a:t>Lots of indexes</a:t>
+            </a:r>
+          </a:p>
+          <a:p>
+            <a:pPr algn="ctr"/>
+            <a:r>
+              <a:rPr lang="en-US" sz="2000" dirty="0"/>
+              <a:t>Lots of WHERE clause</a:t>
+            </a:r>
+          </a:p>
+          <a:p>
+            <a:pPr algn="ctr"/>
+            <a:r>
+              <a:rPr lang="en-US" sz="2000" dirty="0"/>
+              <a:t>Not to many slides</a:t>
             </a:r>
           </a:p>
         </p:txBody>
@@ -9813,224 +7266,6 @@
           <a:p>
             <a:r>
               <a:rPr lang="en-US" dirty="0"/>
-              <a:t>Goals</a:t>
-            </a:r>
-          </a:p>
-        </p:txBody>
-      </p:sp>
-      <p:graphicFrame>
-        <p:nvGraphicFramePr>
-          <p:cNvPr id="7" name="Diagram 6"/>
-          <p:cNvGraphicFramePr/>
-          <p:nvPr>
-            <p:extLst>
-              <p:ext uri="{D42A27DB-BD31-4B8C-83A1-F6EECF244321}">
-                <p14:modId xmlns:p14="http://schemas.microsoft.com/office/powerpoint/2010/main" val="607778329"/>
-              </p:ext>
-            </p:extLst>
-          </p:nvPr>
-        </p:nvGraphicFramePr>
-        <p:xfrm>
-          <a:off x="609600" y="1397000"/>
-          <a:ext cx="7924800" cy="4064000"/>
-        </p:xfrm>
-        <a:graphic>
-          <a:graphicData uri="http://schemas.openxmlformats.org/drawingml/2006/diagram">
-            <dgm:relIds xmlns:dgm="http://schemas.openxmlformats.org/drawingml/2006/diagram" xmlns:r="http://schemas.openxmlformats.org/officeDocument/2006/relationships" r:dm="rId2" r:lo="rId3" r:qs="rId4" r:cs="rId5"/>
-          </a:graphicData>
-        </a:graphic>
-      </p:graphicFrame>
-    </p:spTree>
-    <p:extLst>
-      <p:ext uri="{BB962C8B-B14F-4D97-AF65-F5344CB8AC3E}">
-        <p14:creationId xmlns:p14="http://schemas.microsoft.com/office/powerpoint/2010/main" val="185945780"/>
-      </p:ext>
-    </p:extLst>
-  </p:cSld>
-  <p:clrMapOvr>
-    <a:masterClrMapping/>
-  </p:clrMapOvr>
-</p:sld>
-</file>
-
-<file path=ppt/slides/slide4.xml><?xml version="1.0" encoding="utf-8"?>
-<p:sld xmlns:a="http://schemas.openxmlformats.org/drawingml/2006/main" xmlns:r="http://schemas.openxmlformats.org/officeDocument/2006/relationships" xmlns:p="http://schemas.openxmlformats.org/presentationml/2006/main">
-  <p:cSld>
-    <p:spTree>
-      <p:nvGrpSpPr>
-        <p:cNvPr id="1" name=""/>
-        <p:cNvGrpSpPr/>
-        <p:nvPr/>
-      </p:nvGrpSpPr>
-      <p:grpSpPr>
-        <a:xfrm>
-          <a:off x="0" y="0"/>
-          <a:ext cx="0" cy="0"/>
-          <a:chOff x="0" y="0"/>
-          <a:chExt cx="0" cy="0"/>
-        </a:xfrm>
-      </p:grpSpPr>
-      <p:sp>
-        <p:nvSpPr>
-          <p:cNvPr id="4" name="Title 3"/>
-          <p:cNvSpPr>
-            <a:spLocks noGrp="1"/>
-          </p:cNvSpPr>
-          <p:nvPr>
-            <p:ph type="title"/>
-          </p:nvPr>
-        </p:nvSpPr>
-        <p:spPr/>
-        <p:txBody>
-          <a:bodyPr/>
-          <a:lstStyle/>
-          <a:p>
-            <a:endParaRPr lang="en-US" dirty="0"/>
-          </a:p>
-        </p:txBody>
-      </p:sp>
-      <p:sp>
-        <p:nvSpPr>
-          <p:cNvPr id="5" name="Content Placeholder 4"/>
-          <p:cNvSpPr>
-            <a:spLocks noGrp="1"/>
-          </p:cNvSpPr>
-          <p:nvPr>
-            <p:ph idx="1"/>
-          </p:nvPr>
-        </p:nvSpPr>
-        <p:spPr/>
-        <p:txBody>
-          <a:bodyPr/>
-          <a:lstStyle/>
-          <a:p>
-            <a:endParaRPr lang="en-US"/>
-          </a:p>
-        </p:txBody>
-      </p:sp>
-      <p:sp>
-        <p:nvSpPr>
-          <p:cNvPr id="6" name="Rectangle 5"/>
-          <p:cNvSpPr/>
-          <p:nvPr/>
-        </p:nvSpPr>
-        <p:spPr>
-          <a:xfrm>
-            <a:off x="753491" y="1600200"/>
-            <a:ext cx="7637027" cy="3154710"/>
-          </a:xfrm>
-          <a:prstGeom prst="rect">
-            <a:avLst/>
-          </a:prstGeom>
-          <a:noFill/>
-        </p:spPr>
-        <p:txBody>
-          <a:bodyPr wrap="none" lIns="91440" tIns="45720" rIns="91440" bIns="45720">
-            <a:spAutoFit/>
-          </a:bodyPr>
-          <a:lstStyle/>
-          <a:p>
-            <a:pPr algn="ctr"/>
-            <a:r>
-              <a:rPr lang="en-US" sz="19900" b="1" cap="none" spc="0" dirty="0">
-                <a:ln w="10541" cmpd="sng">
-                  <a:solidFill>
-                    <a:schemeClr val="accent1">
-                      <a:shade val="88000"/>
-                      <a:satMod val="110000"/>
-                    </a:schemeClr>
-                  </a:solidFill>
-                  <a:prstDash val="solid"/>
-                </a:ln>
-                <a:gradFill>
-                  <a:gsLst>
-                    <a:gs pos="0">
-                      <a:schemeClr val="accent1">
-                        <a:tint val="40000"/>
-                        <a:satMod val="250000"/>
-                      </a:schemeClr>
-                    </a:gs>
-                    <a:gs pos="9000">
-                      <a:schemeClr val="accent1">
-                        <a:tint val="52000"/>
-                        <a:satMod val="300000"/>
-                      </a:schemeClr>
-                    </a:gs>
-                    <a:gs pos="50000">
-                      <a:schemeClr val="accent1">
-                        <a:shade val="20000"/>
-                        <a:satMod val="300000"/>
-                      </a:schemeClr>
-                    </a:gs>
-                    <a:gs pos="79000">
-                      <a:schemeClr val="accent1">
-                        <a:tint val="52000"/>
-                        <a:satMod val="300000"/>
-                      </a:schemeClr>
-                    </a:gs>
-                    <a:gs pos="100000">
-                      <a:schemeClr val="accent1">
-                        <a:tint val="40000"/>
-                        <a:satMod val="250000"/>
-                      </a:schemeClr>
-                    </a:gs>
-                  </a:gsLst>
-                  <a:lin ang="5400000"/>
-                </a:gradFill>
-                <a:effectLst/>
-              </a:rPr>
-              <a:t>INDEX!</a:t>
-            </a:r>
-          </a:p>
-        </p:txBody>
-      </p:sp>
-    </p:spTree>
-    <p:extLst>
-      <p:ext uri="{BB962C8B-B14F-4D97-AF65-F5344CB8AC3E}">
-        <p14:creationId xmlns:p14="http://schemas.microsoft.com/office/powerpoint/2010/main" val="1397687906"/>
-      </p:ext>
-    </p:extLst>
-  </p:cSld>
-  <p:clrMapOvr>
-    <a:masterClrMapping/>
-  </p:clrMapOvr>
-</p:sld>
-</file>
-
-<file path=ppt/slides/slide5.xml><?xml version="1.0" encoding="utf-8"?>
-<p:sld xmlns:a="http://schemas.openxmlformats.org/drawingml/2006/main" xmlns:r="http://schemas.openxmlformats.org/officeDocument/2006/relationships" xmlns:p="http://schemas.openxmlformats.org/presentationml/2006/main">
-  <p:cSld>
-    <p:spTree>
-      <p:nvGrpSpPr>
-        <p:cNvPr id="1" name=""/>
-        <p:cNvGrpSpPr/>
-        <p:nvPr/>
-      </p:nvGrpSpPr>
-      <p:grpSpPr>
-        <a:xfrm>
-          <a:off x="0" y="0"/>
-          <a:ext cx="0" cy="0"/>
-          <a:chOff x="0" y="0"/>
-          <a:chExt cx="0" cy="0"/>
-        </a:xfrm>
-      </p:grpSpPr>
-      <p:sp>
-        <p:nvSpPr>
-          <p:cNvPr id="2" name="Title 1"/>
-          <p:cNvSpPr>
-            <a:spLocks noGrp="1"/>
-          </p:cNvSpPr>
-          <p:nvPr>
-            <p:ph type="title"/>
-          </p:nvPr>
-        </p:nvSpPr>
-        <p:spPr/>
-        <p:txBody>
-          <a:bodyPr/>
-          <a:lstStyle/>
-          <a:p>
-            <a:r>
-              <a:rPr lang="en-US" dirty="0"/>
               <a:t>“SARGABILITY”</a:t>
             </a:r>
           </a:p>
@@ -10379,6 +7614,147 @@
                 <a:latin typeface="Lucida Console" pitchFamily="49" charset="0"/>
               </a:rPr>
               <a:t>GO</a:t>
+            </a:r>
+          </a:p>
+        </p:txBody>
+      </p:sp>
+      <p:sp>
+        <p:nvSpPr>
+          <p:cNvPr id="4" name="12-Point Star 3">
+            <a:extLst>
+              <a:ext uri="{FF2B5EF4-FFF2-40B4-BE49-F238E27FC236}">
+                <a16:creationId xmlns:a16="http://schemas.microsoft.com/office/drawing/2014/main" id="{BA899114-6FD7-496A-A52F-F8E935521F30}"/>
+              </a:ext>
+            </a:extLst>
+          </p:cNvPr>
+          <p:cNvSpPr/>
+          <p:nvPr/>
+        </p:nvSpPr>
+        <p:spPr>
+          <a:xfrm rot="1816144">
+            <a:off x="6204598" y="1337644"/>
+            <a:ext cx="2352055" cy="1369390"/>
+          </a:xfrm>
+          <a:prstGeom prst="star12">
+            <a:avLst/>
+          </a:prstGeom>
+        </p:spPr>
+        <p:style>
+          <a:lnRef idx="1">
+            <a:schemeClr val="accent5"/>
+          </a:lnRef>
+          <a:fillRef idx="2">
+            <a:schemeClr val="accent5"/>
+          </a:fillRef>
+          <a:effectRef idx="1">
+            <a:schemeClr val="accent5"/>
+          </a:effectRef>
+          <a:fontRef idx="minor">
+            <a:schemeClr val="dk1"/>
+          </a:fontRef>
+        </p:style>
+        <p:txBody>
+          <a:bodyPr rtlCol="0" anchor="ctr"/>
+          <a:lstStyle>
+            <a:defPPr>
+              <a:defRPr lang="en-US"/>
+            </a:defPPr>
+            <a:lvl1pPr marL="0" algn="l" defTabSz="914400" rtl="0" eaLnBrk="1" latinLnBrk="0" hangingPunct="1">
+              <a:defRPr sz="1800" kern="1200">
+                <a:solidFill>
+                  <a:schemeClr val="dk1"/>
+                </a:solidFill>
+                <a:latin typeface="+mn-lt"/>
+                <a:ea typeface="+mn-ea"/>
+                <a:cs typeface="+mn-cs"/>
+              </a:defRPr>
+            </a:lvl1pPr>
+            <a:lvl2pPr marL="457200" algn="l" defTabSz="914400" rtl="0" eaLnBrk="1" latinLnBrk="0" hangingPunct="1">
+              <a:defRPr sz="1800" kern="1200">
+                <a:solidFill>
+                  <a:schemeClr val="dk1"/>
+                </a:solidFill>
+                <a:latin typeface="+mn-lt"/>
+                <a:ea typeface="+mn-ea"/>
+                <a:cs typeface="+mn-cs"/>
+              </a:defRPr>
+            </a:lvl2pPr>
+            <a:lvl3pPr marL="914400" algn="l" defTabSz="914400" rtl="0" eaLnBrk="1" latinLnBrk="0" hangingPunct="1">
+              <a:defRPr sz="1800" kern="1200">
+                <a:solidFill>
+                  <a:schemeClr val="dk1"/>
+                </a:solidFill>
+                <a:latin typeface="+mn-lt"/>
+                <a:ea typeface="+mn-ea"/>
+                <a:cs typeface="+mn-cs"/>
+              </a:defRPr>
+            </a:lvl3pPr>
+            <a:lvl4pPr marL="1371600" algn="l" defTabSz="914400" rtl="0" eaLnBrk="1" latinLnBrk="0" hangingPunct="1">
+              <a:defRPr sz="1800" kern="1200">
+                <a:solidFill>
+                  <a:schemeClr val="dk1"/>
+                </a:solidFill>
+                <a:latin typeface="+mn-lt"/>
+                <a:ea typeface="+mn-ea"/>
+                <a:cs typeface="+mn-cs"/>
+              </a:defRPr>
+            </a:lvl4pPr>
+            <a:lvl5pPr marL="1828800" algn="l" defTabSz="914400" rtl="0" eaLnBrk="1" latinLnBrk="0" hangingPunct="1">
+              <a:defRPr sz="1800" kern="1200">
+                <a:solidFill>
+                  <a:schemeClr val="dk1"/>
+                </a:solidFill>
+                <a:latin typeface="+mn-lt"/>
+                <a:ea typeface="+mn-ea"/>
+                <a:cs typeface="+mn-cs"/>
+              </a:defRPr>
+            </a:lvl5pPr>
+            <a:lvl6pPr marL="2286000" algn="l" defTabSz="914400" rtl="0" eaLnBrk="1" latinLnBrk="0" hangingPunct="1">
+              <a:defRPr sz="1800" kern="1200">
+                <a:solidFill>
+                  <a:schemeClr val="dk1"/>
+                </a:solidFill>
+                <a:latin typeface="+mn-lt"/>
+                <a:ea typeface="+mn-ea"/>
+                <a:cs typeface="+mn-cs"/>
+              </a:defRPr>
+            </a:lvl6pPr>
+            <a:lvl7pPr marL="2743200" algn="l" defTabSz="914400" rtl="0" eaLnBrk="1" latinLnBrk="0" hangingPunct="1">
+              <a:defRPr sz="1800" kern="1200">
+                <a:solidFill>
+                  <a:schemeClr val="dk1"/>
+                </a:solidFill>
+                <a:latin typeface="+mn-lt"/>
+                <a:ea typeface="+mn-ea"/>
+                <a:cs typeface="+mn-cs"/>
+              </a:defRPr>
+            </a:lvl7pPr>
+            <a:lvl8pPr marL="3200400" algn="l" defTabSz="914400" rtl="0" eaLnBrk="1" latinLnBrk="0" hangingPunct="1">
+              <a:defRPr sz="1800" kern="1200">
+                <a:solidFill>
+                  <a:schemeClr val="dk1"/>
+                </a:solidFill>
+                <a:latin typeface="+mn-lt"/>
+                <a:ea typeface="+mn-ea"/>
+                <a:cs typeface="+mn-cs"/>
+              </a:defRPr>
+            </a:lvl8pPr>
+            <a:lvl9pPr marL="3657600" algn="l" defTabSz="914400" rtl="0" eaLnBrk="1" latinLnBrk="0" hangingPunct="1">
+              <a:defRPr sz="1800" kern="1200">
+                <a:solidFill>
+                  <a:schemeClr val="dk1"/>
+                </a:solidFill>
+                <a:latin typeface="+mn-lt"/>
+                <a:ea typeface="+mn-ea"/>
+                <a:cs typeface="+mn-cs"/>
+              </a:defRPr>
+            </a:lvl9pPr>
+          </a:lstStyle>
+          <a:p>
+            <a:pPr algn="ctr"/>
+            <a:r>
+              <a:rPr lang="en-US" sz="2800" b="1" dirty="0"/>
+              <a:t>Demo!</a:t>
             </a:r>
           </a:p>
         </p:txBody>
@@ -10396,7 +7772,7 @@
 </p:sld>
 </file>
 
-<file path=ppt/slides/slide6.xml><?xml version="1.0" encoding="utf-8"?>
+<file path=ppt/slides/slide4.xml><?xml version="1.0" encoding="utf-8"?>
 <p:sld xmlns:a="http://schemas.openxmlformats.org/drawingml/2006/main" xmlns:r="http://schemas.openxmlformats.org/officeDocument/2006/relationships" xmlns:p="http://schemas.openxmlformats.org/presentationml/2006/main">
   <p:cSld>
     <p:spTree>
@@ -10872,6 +8248,147 @@
                 <a:latin typeface="Lucida Console" pitchFamily="49" charset="0"/>
               </a:rPr>
               <a:t>'</a:t>
+            </a:r>
+          </a:p>
+        </p:txBody>
+      </p:sp>
+      <p:sp>
+        <p:nvSpPr>
+          <p:cNvPr id="9" name="12-Point Star 3">
+            <a:extLst>
+              <a:ext uri="{FF2B5EF4-FFF2-40B4-BE49-F238E27FC236}">
+                <a16:creationId xmlns:a16="http://schemas.microsoft.com/office/drawing/2014/main" id="{8E7FAC6F-F266-4745-90B4-1578DFD932B8}"/>
+              </a:ext>
+            </a:extLst>
+          </p:cNvPr>
+          <p:cNvSpPr/>
+          <p:nvPr/>
+        </p:nvSpPr>
+        <p:spPr>
+          <a:xfrm rot="579755">
+            <a:off x="5791200" y="284118"/>
+            <a:ext cx="2438400" cy="1265230"/>
+          </a:xfrm>
+          <a:prstGeom prst="star12">
+            <a:avLst/>
+          </a:prstGeom>
+        </p:spPr>
+        <p:style>
+          <a:lnRef idx="1">
+            <a:schemeClr val="accent5"/>
+          </a:lnRef>
+          <a:fillRef idx="2">
+            <a:schemeClr val="accent5"/>
+          </a:fillRef>
+          <a:effectRef idx="1">
+            <a:schemeClr val="accent5"/>
+          </a:effectRef>
+          <a:fontRef idx="minor">
+            <a:schemeClr val="dk1"/>
+          </a:fontRef>
+        </p:style>
+        <p:txBody>
+          <a:bodyPr rtlCol="0" anchor="ctr"/>
+          <a:lstStyle>
+            <a:defPPr>
+              <a:defRPr lang="en-US"/>
+            </a:defPPr>
+            <a:lvl1pPr marL="0" algn="l" defTabSz="914400" rtl="0" eaLnBrk="1" latinLnBrk="0" hangingPunct="1">
+              <a:defRPr sz="1800" kern="1200">
+                <a:solidFill>
+                  <a:schemeClr val="dk1"/>
+                </a:solidFill>
+                <a:latin typeface="+mn-lt"/>
+                <a:ea typeface="+mn-ea"/>
+                <a:cs typeface="+mn-cs"/>
+              </a:defRPr>
+            </a:lvl1pPr>
+            <a:lvl2pPr marL="457200" algn="l" defTabSz="914400" rtl="0" eaLnBrk="1" latinLnBrk="0" hangingPunct="1">
+              <a:defRPr sz="1800" kern="1200">
+                <a:solidFill>
+                  <a:schemeClr val="dk1"/>
+                </a:solidFill>
+                <a:latin typeface="+mn-lt"/>
+                <a:ea typeface="+mn-ea"/>
+                <a:cs typeface="+mn-cs"/>
+              </a:defRPr>
+            </a:lvl2pPr>
+            <a:lvl3pPr marL="914400" algn="l" defTabSz="914400" rtl="0" eaLnBrk="1" latinLnBrk="0" hangingPunct="1">
+              <a:defRPr sz="1800" kern="1200">
+                <a:solidFill>
+                  <a:schemeClr val="dk1"/>
+                </a:solidFill>
+                <a:latin typeface="+mn-lt"/>
+                <a:ea typeface="+mn-ea"/>
+                <a:cs typeface="+mn-cs"/>
+              </a:defRPr>
+            </a:lvl3pPr>
+            <a:lvl4pPr marL="1371600" algn="l" defTabSz="914400" rtl="0" eaLnBrk="1" latinLnBrk="0" hangingPunct="1">
+              <a:defRPr sz="1800" kern="1200">
+                <a:solidFill>
+                  <a:schemeClr val="dk1"/>
+                </a:solidFill>
+                <a:latin typeface="+mn-lt"/>
+                <a:ea typeface="+mn-ea"/>
+                <a:cs typeface="+mn-cs"/>
+              </a:defRPr>
+            </a:lvl4pPr>
+            <a:lvl5pPr marL="1828800" algn="l" defTabSz="914400" rtl="0" eaLnBrk="1" latinLnBrk="0" hangingPunct="1">
+              <a:defRPr sz="1800" kern="1200">
+                <a:solidFill>
+                  <a:schemeClr val="dk1"/>
+                </a:solidFill>
+                <a:latin typeface="+mn-lt"/>
+                <a:ea typeface="+mn-ea"/>
+                <a:cs typeface="+mn-cs"/>
+              </a:defRPr>
+            </a:lvl5pPr>
+            <a:lvl6pPr marL="2286000" algn="l" defTabSz="914400" rtl="0" eaLnBrk="1" latinLnBrk="0" hangingPunct="1">
+              <a:defRPr sz="1800" kern="1200">
+                <a:solidFill>
+                  <a:schemeClr val="dk1"/>
+                </a:solidFill>
+                <a:latin typeface="+mn-lt"/>
+                <a:ea typeface="+mn-ea"/>
+                <a:cs typeface="+mn-cs"/>
+              </a:defRPr>
+            </a:lvl6pPr>
+            <a:lvl7pPr marL="2743200" algn="l" defTabSz="914400" rtl="0" eaLnBrk="1" latinLnBrk="0" hangingPunct="1">
+              <a:defRPr sz="1800" kern="1200">
+                <a:solidFill>
+                  <a:schemeClr val="dk1"/>
+                </a:solidFill>
+                <a:latin typeface="+mn-lt"/>
+                <a:ea typeface="+mn-ea"/>
+                <a:cs typeface="+mn-cs"/>
+              </a:defRPr>
+            </a:lvl7pPr>
+            <a:lvl8pPr marL="3200400" algn="l" defTabSz="914400" rtl="0" eaLnBrk="1" latinLnBrk="0" hangingPunct="1">
+              <a:defRPr sz="1800" kern="1200">
+                <a:solidFill>
+                  <a:schemeClr val="dk1"/>
+                </a:solidFill>
+                <a:latin typeface="+mn-lt"/>
+                <a:ea typeface="+mn-ea"/>
+                <a:cs typeface="+mn-cs"/>
+              </a:defRPr>
+            </a:lvl8pPr>
+            <a:lvl9pPr marL="3657600" algn="l" defTabSz="914400" rtl="0" eaLnBrk="1" latinLnBrk="0" hangingPunct="1">
+              <a:defRPr sz="1800" kern="1200">
+                <a:solidFill>
+                  <a:schemeClr val="dk1"/>
+                </a:solidFill>
+                <a:latin typeface="+mn-lt"/>
+                <a:ea typeface="+mn-ea"/>
+                <a:cs typeface="+mn-cs"/>
+              </a:defRPr>
+            </a:lvl9pPr>
+          </a:lstStyle>
+          <a:p>
+            <a:pPr algn="ctr"/>
+            <a:r>
+              <a:rPr lang="en-US" sz="2800" b="1" dirty="0"/>
+              <a:t>Demo!</a:t>
             </a:r>
           </a:p>
         </p:txBody>
@@ -11021,7 +8538,7 @@
 </p:sld>
 </file>
 
-<file path=ppt/slides/slide7.xml><?xml version="1.0" encoding="utf-8"?>
+<file path=ppt/slides/slide5.xml><?xml version="1.0" encoding="utf-8"?>
 <p:sld xmlns:a="http://schemas.openxmlformats.org/drawingml/2006/main" xmlns:r="http://schemas.openxmlformats.org/officeDocument/2006/relationships" xmlns:p="http://schemas.openxmlformats.org/presentationml/2006/main">
   <p:cSld>
     <p:spTree>
@@ -11281,6 +8798,832 @@
     <p:extLst>
       <p:ext uri="{BB962C8B-B14F-4D97-AF65-F5344CB8AC3E}">
         <p14:creationId xmlns:p14="http://schemas.microsoft.com/office/powerpoint/2010/main" val="186198325"/>
+      </p:ext>
+    </p:extLst>
+  </p:cSld>
+  <p:clrMapOvr>
+    <a:masterClrMapping/>
+  </p:clrMapOvr>
+</p:sld>
+</file>
+
+<file path=ppt/slides/slide6.xml><?xml version="1.0" encoding="utf-8"?>
+<p:sld xmlns:a="http://schemas.openxmlformats.org/drawingml/2006/main" xmlns:r="http://schemas.openxmlformats.org/officeDocument/2006/relationships" xmlns:p="http://schemas.openxmlformats.org/presentationml/2006/main">
+  <p:cSld>
+    <p:spTree>
+      <p:nvGrpSpPr>
+        <p:cNvPr id="1" name=""/>
+        <p:cNvGrpSpPr/>
+        <p:nvPr/>
+      </p:nvGrpSpPr>
+      <p:grpSpPr>
+        <a:xfrm>
+          <a:off x="0" y="0"/>
+          <a:ext cx="0" cy="0"/>
+          <a:chOff x="0" y="0"/>
+          <a:chExt cx="0" cy="0"/>
+        </a:xfrm>
+      </p:grpSpPr>
+      <p:sp>
+        <p:nvSpPr>
+          <p:cNvPr id="5" name="12-Point Star 3">
+            <a:extLst>
+              <a:ext uri="{FF2B5EF4-FFF2-40B4-BE49-F238E27FC236}">
+                <a16:creationId xmlns:a16="http://schemas.microsoft.com/office/drawing/2014/main" id="{D6BB86D2-5F7C-4D07-952C-F6120D366390}"/>
+              </a:ext>
+            </a:extLst>
+          </p:cNvPr>
+          <p:cNvSpPr/>
+          <p:nvPr/>
+        </p:nvSpPr>
+        <p:spPr>
+          <a:xfrm rot="1816144">
+            <a:off x="5464146" y="5071443"/>
+            <a:ext cx="2352055" cy="1369390"/>
+          </a:xfrm>
+          <a:prstGeom prst="star12">
+            <a:avLst/>
+          </a:prstGeom>
+        </p:spPr>
+        <p:style>
+          <a:lnRef idx="1">
+            <a:schemeClr val="accent5"/>
+          </a:lnRef>
+          <a:fillRef idx="2">
+            <a:schemeClr val="accent5"/>
+          </a:fillRef>
+          <a:effectRef idx="1">
+            <a:schemeClr val="accent5"/>
+          </a:effectRef>
+          <a:fontRef idx="minor">
+            <a:schemeClr val="dk1"/>
+          </a:fontRef>
+        </p:style>
+        <p:txBody>
+          <a:bodyPr rtlCol="0" anchor="ctr"/>
+          <a:lstStyle>
+            <a:defPPr>
+              <a:defRPr lang="en-US"/>
+            </a:defPPr>
+            <a:lvl1pPr marL="0" algn="l" defTabSz="914400" rtl="0" eaLnBrk="1" latinLnBrk="0" hangingPunct="1">
+              <a:defRPr sz="1800" kern="1200">
+                <a:solidFill>
+                  <a:schemeClr val="dk1"/>
+                </a:solidFill>
+                <a:latin typeface="+mn-lt"/>
+                <a:ea typeface="+mn-ea"/>
+                <a:cs typeface="+mn-cs"/>
+              </a:defRPr>
+            </a:lvl1pPr>
+            <a:lvl2pPr marL="457200" algn="l" defTabSz="914400" rtl="0" eaLnBrk="1" latinLnBrk="0" hangingPunct="1">
+              <a:defRPr sz="1800" kern="1200">
+                <a:solidFill>
+                  <a:schemeClr val="dk1"/>
+                </a:solidFill>
+                <a:latin typeface="+mn-lt"/>
+                <a:ea typeface="+mn-ea"/>
+                <a:cs typeface="+mn-cs"/>
+              </a:defRPr>
+            </a:lvl2pPr>
+            <a:lvl3pPr marL="914400" algn="l" defTabSz="914400" rtl="0" eaLnBrk="1" latinLnBrk="0" hangingPunct="1">
+              <a:defRPr sz="1800" kern="1200">
+                <a:solidFill>
+                  <a:schemeClr val="dk1"/>
+                </a:solidFill>
+                <a:latin typeface="+mn-lt"/>
+                <a:ea typeface="+mn-ea"/>
+                <a:cs typeface="+mn-cs"/>
+              </a:defRPr>
+            </a:lvl3pPr>
+            <a:lvl4pPr marL="1371600" algn="l" defTabSz="914400" rtl="0" eaLnBrk="1" latinLnBrk="0" hangingPunct="1">
+              <a:defRPr sz="1800" kern="1200">
+                <a:solidFill>
+                  <a:schemeClr val="dk1"/>
+                </a:solidFill>
+                <a:latin typeface="+mn-lt"/>
+                <a:ea typeface="+mn-ea"/>
+                <a:cs typeface="+mn-cs"/>
+              </a:defRPr>
+            </a:lvl4pPr>
+            <a:lvl5pPr marL="1828800" algn="l" defTabSz="914400" rtl="0" eaLnBrk="1" latinLnBrk="0" hangingPunct="1">
+              <a:defRPr sz="1800" kern="1200">
+                <a:solidFill>
+                  <a:schemeClr val="dk1"/>
+                </a:solidFill>
+                <a:latin typeface="+mn-lt"/>
+                <a:ea typeface="+mn-ea"/>
+                <a:cs typeface="+mn-cs"/>
+              </a:defRPr>
+            </a:lvl5pPr>
+            <a:lvl6pPr marL="2286000" algn="l" defTabSz="914400" rtl="0" eaLnBrk="1" latinLnBrk="0" hangingPunct="1">
+              <a:defRPr sz="1800" kern="1200">
+                <a:solidFill>
+                  <a:schemeClr val="dk1"/>
+                </a:solidFill>
+                <a:latin typeface="+mn-lt"/>
+                <a:ea typeface="+mn-ea"/>
+                <a:cs typeface="+mn-cs"/>
+              </a:defRPr>
+            </a:lvl6pPr>
+            <a:lvl7pPr marL="2743200" algn="l" defTabSz="914400" rtl="0" eaLnBrk="1" latinLnBrk="0" hangingPunct="1">
+              <a:defRPr sz="1800" kern="1200">
+                <a:solidFill>
+                  <a:schemeClr val="dk1"/>
+                </a:solidFill>
+                <a:latin typeface="+mn-lt"/>
+                <a:ea typeface="+mn-ea"/>
+                <a:cs typeface="+mn-cs"/>
+              </a:defRPr>
+            </a:lvl7pPr>
+            <a:lvl8pPr marL="3200400" algn="l" defTabSz="914400" rtl="0" eaLnBrk="1" latinLnBrk="0" hangingPunct="1">
+              <a:defRPr sz="1800" kern="1200">
+                <a:solidFill>
+                  <a:schemeClr val="dk1"/>
+                </a:solidFill>
+                <a:latin typeface="+mn-lt"/>
+                <a:ea typeface="+mn-ea"/>
+                <a:cs typeface="+mn-cs"/>
+              </a:defRPr>
+            </a:lvl8pPr>
+            <a:lvl9pPr marL="3657600" algn="l" defTabSz="914400" rtl="0" eaLnBrk="1" latinLnBrk="0" hangingPunct="1">
+              <a:defRPr sz="1800" kern="1200">
+                <a:solidFill>
+                  <a:schemeClr val="dk1"/>
+                </a:solidFill>
+                <a:latin typeface="+mn-lt"/>
+                <a:ea typeface="+mn-ea"/>
+                <a:cs typeface="+mn-cs"/>
+              </a:defRPr>
+            </a:lvl9pPr>
+          </a:lstStyle>
+          <a:p>
+            <a:pPr algn="ctr"/>
+            <a:r>
+              <a:rPr lang="en-US" sz="2800" b="1" dirty="0"/>
+              <a:t>Demo!</a:t>
+            </a:r>
+          </a:p>
+        </p:txBody>
+      </p:sp>
+      <p:sp>
+        <p:nvSpPr>
+          <p:cNvPr id="2" name="Title 1"/>
+          <p:cNvSpPr>
+            <a:spLocks noGrp="1"/>
+          </p:cNvSpPr>
+          <p:nvPr>
+            <p:ph type="title"/>
+          </p:nvPr>
+        </p:nvSpPr>
+        <p:spPr/>
+        <p:txBody>
+          <a:bodyPr/>
+          <a:lstStyle/>
+          <a:p>
+            <a:r>
+              <a:rPr lang="en-US" dirty="0"/>
+              <a:t>INCLUDE Columns</a:t>
+            </a:r>
+          </a:p>
+        </p:txBody>
+      </p:sp>
+      <p:sp>
+        <p:nvSpPr>
+          <p:cNvPr id="6" name="Rectangle 5"/>
+          <p:cNvSpPr/>
+          <p:nvPr/>
+        </p:nvSpPr>
+        <p:spPr>
+          <a:xfrm>
+            <a:off x="495300" y="1524000"/>
+            <a:ext cx="8153400" cy="2308324"/>
+          </a:xfrm>
+          <a:prstGeom prst="rect">
+            <a:avLst/>
+          </a:prstGeom>
+        </p:spPr>
+        <p:txBody>
+          <a:bodyPr wrap="square">
+            <a:spAutoFit/>
+          </a:bodyPr>
+          <a:lstStyle/>
+          <a:p>
+            <a:r>
+              <a:rPr lang="en-US" sz="2400" dirty="0">
+                <a:latin typeface="Lucida Console" pitchFamily="49" charset="0"/>
+              </a:rPr>
+              <a:t>SELECT  	SUM(</a:t>
+            </a:r>
+            <a:r>
+              <a:rPr lang="en-US" sz="2400" dirty="0" err="1">
+                <a:latin typeface="Lucida Console" pitchFamily="49" charset="0"/>
+              </a:rPr>
+              <a:t>D.LineTotal</a:t>
+            </a:r>
+            <a:r>
+              <a:rPr lang="en-US" sz="2400" dirty="0">
+                <a:latin typeface="Lucida Console" pitchFamily="49" charset="0"/>
+              </a:rPr>
+              <a:t>) AS </a:t>
+            </a:r>
+            <a:r>
+              <a:rPr lang="en-US" sz="2400" dirty="0" err="1">
+                <a:latin typeface="Lucida Console" pitchFamily="49" charset="0"/>
+              </a:rPr>
+              <a:t>LineTotal</a:t>
+            </a:r>
+            <a:endParaRPr lang="en-US" sz="2400" dirty="0">
+              <a:latin typeface="Lucida Console" pitchFamily="49" charset="0"/>
+            </a:endParaRPr>
+          </a:p>
+          <a:p>
+            <a:r>
+              <a:rPr lang="en-US" sz="2400" dirty="0">
+                <a:latin typeface="Lucida Console" pitchFamily="49" charset="0"/>
+              </a:rPr>
+              <a:t>FROM		</a:t>
+            </a:r>
+            <a:r>
+              <a:rPr lang="en-US" sz="2400" dirty="0" err="1">
+                <a:latin typeface="Lucida Console" pitchFamily="49" charset="0"/>
+              </a:rPr>
+              <a:t>Sales.SalesOrderHeader</a:t>
+            </a:r>
+            <a:r>
+              <a:rPr lang="en-US" sz="2400" dirty="0">
+                <a:latin typeface="Lucida Console" pitchFamily="49" charset="0"/>
+              </a:rPr>
+              <a:t> H</a:t>
+            </a:r>
+          </a:p>
+          <a:p>
+            <a:r>
+              <a:rPr lang="en-US" sz="2400" dirty="0">
+                <a:latin typeface="Lucida Console" pitchFamily="49" charset="0"/>
+              </a:rPr>
+              <a:t>JOIN		</a:t>
+            </a:r>
+            <a:r>
+              <a:rPr lang="en-US" sz="2400" dirty="0" err="1">
+                <a:latin typeface="Lucida Console" pitchFamily="49" charset="0"/>
+              </a:rPr>
+              <a:t>Sales.SalesOrderDetail</a:t>
+            </a:r>
+            <a:r>
+              <a:rPr lang="en-US" sz="2400" dirty="0">
+                <a:latin typeface="Lucida Console" pitchFamily="49" charset="0"/>
+              </a:rPr>
+              <a:t> D </a:t>
+            </a:r>
+          </a:p>
+          <a:p>
+            <a:r>
+              <a:rPr lang="en-US" sz="2400" dirty="0">
+                <a:latin typeface="Lucida Console" pitchFamily="49" charset="0"/>
+              </a:rPr>
+              <a:t>	ON </a:t>
+            </a:r>
+            <a:r>
+              <a:rPr lang="en-US" sz="2400" b="1" dirty="0" err="1">
+                <a:latin typeface="Lucida Console" pitchFamily="49" charset="0"/>
+              </a:rPr>
+              <a:t>D.SalesOrderID</a:t>
+            </a:r>
+            <a:r>
+              <a:rPr lang="en-US" sz="2400" dirty="0">
+                <a:latin typeface="Lucida Console" pitchFamily="49" charset="0"/>
+              </a:rPr>
+              <a:t> = </a:t>
+            </a:r>
+            <a:r>
+              <a:rPr lang="en-US" sz="2400" b="1" dirty="0" err="1">
+                <a:latin typeface="Lucida Console" pitchFamily="49" charset="0"/>
+              </a:rPr>
+              <a:t>H.SalesOrderID</a:t>
+            </a:r>
+            <a:endParaRPr lang="en-US" sz="2400" b="1" dirty="0">
+              <a:latin typeface="Lucida Console" pitchFamily="49" charset="0"/>
+            </a:endParaRPr>
+          </a:p>
+          <a:p>
+            <a:r>
+              <a:rPr lang="en-US" sz="2400" dirty="0">
+                <a:latin typeface="Lucida Console" pitchFamily="49" charset="0"/>
+              </a:rPr>
+              <a:t>WHERE	</a:t>
+            </a:r>
+            <a:r>
+              <a:rPr lang="en-US" sz="2400" b="1" dirty="0" err="1">
+                <a:latin typeface="Lucida Console" pitchFamily="49" charset="0"/>
+              </a:rPr>
+              <a:t>H.CustomerID</a:t>
+            </a:r>
+            <a:r>
+              <a:rPr lang="en-US" sz="2400" dirty="0">
+                <a:latin typeface="Lucida Console" pitchFamily="49" charset="0"/>
+              </a:rPr>
+              <a:t> = 32345</a:t>
+            </a:r>
+            <a:br>
+              <a:rPr lang="en-US" sz="2400" dirty="0">
+                <a:latin typeface="Lucida Console" pitchFamily="49" charset="0"/>
+              </a:rPr>
+            </a:br>
+            <a:r>
+              <a:rPr lang="en-US" sz="2400" dirty="0">
+                <a:latin typeface="Lucida Console" pitchFamily="49" charset="0"/>
+              </a:rPr>
+              <a:t>AND		H.[Status] = 5</a:t>
+            </a:r>
+          </a:p>
+        </p:txBody>
+      </p:sp>
+      <p:sp>
+        <p:nvSpPr>
+          <p:cNvPr id="8" name="TextBox 7"/>
+          <p:cNvSpPr txBox="1"/>
+          <p:nvPr/>
+        </p:nvSpPr>
+        <p:spPr>
+          <a:xfrm>
+            <a:off x="1371600" y="4419600"/>
+            <a:ext cx="6629400" cy="954107"/>
+          </a:xfrm>
+          <a:prstGeom prst="rect">
+            <a:avLst/>
+          </a:prstGeom>
+        </p:spPr>
+        <p:style>
+          <a:lnRef idx="1">
+            <a:schemeClr val="accent4"/>
+          </a:lnRef>
+          <a:fillRef idx="2">
+            <a:schemeClr val="accent4"/>
+          </a:fillRef>
+          <a:effectRef idx="1">
+            <a:schemeClr val="accent4"/>
+          </a:effectRef>
+          <a:fontRef idx="minor">
+            <a:schemeClr val="dk1"/>
+          </a:fontRef>
+        </p:style>
+        <p:txBody>
+          <a:bodyPr wrap="square" rtlCol="0">
+            <a:spAutoFit/>
+          </a:bodyPr>
+          <a:lstStyle/>
+          <a:p>
+            <a:pPr marL="457200" indent="-457200">
+              <a:buFont typeface="Arial" pitchFamily="34" charset="0"/>
+              <a:buChar char="•"/>
+            </a:pPr>
+            <a:r>
+              <a:rPr lang="en-US" sz="2800" dirty="0"/>
+              <a:t>Index on </a:t>
+            </a:r>
+            <a:r>
+              <a:rPr lang="en-US" sz="2800" dirty="0" err="1"/>
+              <a:t>ClientID</a:t>
+            </a:r>
+            <a:r>
+              <a:rPr lang="en-US" sz="2800" dirty="0"/>
+              <a:t> and include Status</a:t>
+            </a:r>
+          </a:p>
+          <a:p>
+            <a:pPr marL="457200" indent="-457200">
+              <a:buFont typeface="Arial" pitchFamily="34" charset="0"/>
+              <a:buChar char="•"/>
+            </a:pPr>
+            <a:r>
+              <a:rPr lang="en-US" sz="2800" dirty="0"/>
+              <a:t>Covering Index: Doesn’t reference table</a:t>
+            </a:r>
+          </a:p>
+        </p:txBody>
+      </p:sp>
+    </p:spTree>
+    <p:extLst>
+      <p:ext uri="{BB962C8B-B14F-4D97-AF65-F5344CB8AC3E}">
+        <p14:creationId xmlns:p14="http://schemas.microsoft.com/office/powerpoint/2010/main" val="1027613210"/>
+      </p:ext>
+    </p:extLst>
+  </p:cSld>
+  <p:clrMapOvr>
+    <a:masterClrMapping/>
+  </p:clrMapOvr>
+</p:sld>
+</file>
+
+<file path=ppt/slides/slide7.xml><?xml version="1.0" encoding="utf-8"?>
+<p:sld xmlns:a="http://schemas.openxmlformats.org/drawingml/2006/main" xmlns:r="http://schemas.openxmlformats.org/officeDocument/2006/relationships" xmlns:p="http://schemas.openxmlformats.org/presentationml/2006/main">
+  <p:cSld>
+    <p:spTree>
+      <p:nvGrpSpPr>
+        <p:cNvPr id="1" name=""/>
+        <p:cNvGrpSpPr/>
+        <p:nvPr/>
+      </p:nvGrpSpPr>
+      <p:grpSpPr>
+        <a:xfrm>
+          <a:off x="0" y="0"/>
+          <a:ext cx="0" cy="0"/>
+          <a:chOff x="0" y="0"/>
+          <a:chExt cx="0" cy="0"/>
+        </a:xfrm>
+      </p:grpSpPr>
+      <p:sp>
+        <p:nvSpPr>
+          <p:cNvPr id="5" name="12-Point Star 3">
+            <a:extLst>
+              <a:ext uri="{FF2B5EF4-FFF2-40B4-BE49-F238E27FC236}">
+                <a16:creationId xmlns:a16="http://schemas.microsoft.com/office/drawing/2014/main" id="{F47E49F7-89C5-4252-B988-4294A8DF7468}"/>
+              </a:ext>
+            </a:extLst>
+          </p:cNvPr>
+          <p:cNvSpPr/>
+          <p:nvPr/>
+        </p:nvSpPr>
+        <p:spPr>
+          <a:xfrm rot="1816144">
+            <a:off x="3510272" y="5300044"/>
+            <a:ext cx="2352055" cy="1369390"/>
+          </a:xfrm>
+          <a:prstGeom prst="star12">
+            <a:avLst/>
+          </a:prstGeom>
+        </p:spPr>
+        <p:style>
+          <a:lnRef idx="1">
+            <a:schemeClr val="accent5"/>
+          </a:lnRef>
+          <a:fillRef idx="2">
+            <a:schemeClr val="accent5"/>
+          </a:fillRef>
+          <a:effectRef idx="1">
+            <a:schemeClr val="accent5"/>
+          </a:effectRef>
+          <a:fontRef idx="minor">
+            <a:schemeClr val="dk1"/>
+          </a:fontRef>
+        </p:style>
+        <p:txBody>
+          <a:bodyPr rtlCol="0" anchor="ctr"/>
+          <a:lstStyle>
+            <a:defPPr>
+              <a:defRPr lang="en-US"/>
+            </a:defPPr>
+            <a:lvl1pPr marL="0" algn="l" defTabSz="914400" rtl="0" eaLnBrk="1" latinLnBrk="0" hangingPunct="1">
+              <a:defRPr sz="1800" kern="1200">
+                <a:solidFill>
+                  <a:schemeClr val="dk1"/>
+                </a:solidFill>
+                <a:latin typeface="+mn-lt"/>
+                <a:ea typeface="+mn-ea"/>
+                <a:cs typeface="+mn-cs"/>
+              </a:defRPr>
+            </a:lvl1pPr>
+            <a:lvl2pPr marL="457200" algn="l" defTabSz="914400" rtl="0" eaLnBrk="1" latinLnBrk="0" hangingPunct="1">
+              <a:defRPr sz="1800" kern="1200">
+                <a:solidFill>
+                  <a:schemeClr val="dk1"/>
+                </a:solidFill>
+                <a:latin typeface="+mn-lt"/>
+                <a:ea typeface="+mn-ea"/>
+                <a:cs typeface="+mn-cs"/>
+              </a:defRPr>
+            </a:lvl2pPr>
+            <a:lvl3pPr marL="914400" algn="l" defTabSz="914400" rtl="0" eaLnBrk="1" latinLnBrk="0" hangingPunct="1">
+              <a:defRPr sz="1800" kern="1200">
+                <a:solidFill>
+                  <a:schemeClr val="dk1"/>
+                </a:solidFill>
+                <a:latin typeface="+mn-lt"/>
+                <a:ea typeface="+mn-ea"/>
+                <a:cs typeface="+mn-cs"/>
+              </a:defRPr>
+            </a:lvl3pPr>
+            <a:lvl4pPr marL="1371600" algn="l" defTabSz="914400" rtl="0" eaLnBrk="1" latinLnBrk="0" hangingPunct="1">
+              <a:defRPr sz="1800" kern="1200">
+                <a:solidFill>
+                  <a:schemeClr val="dk1"/>
+                </a:solidFill>
+                <a:latin typeface="+mn-lt"/>
+                <a:ea typeface="+mn-ea"/>
+                <a:cs typeface="+mn-cs"/>
+              </a:defRPr>
+            </a:lvl4pPr>
+            <a:lvl5pPr marL="1828800" algn="l" defTabSz="914400" rtl="0" eaLnBrk="1" latinLnBrk="0" hangingPunct="1">
+              <a:defRPr sz="1800" kern="1200">
+                <a:solidFill>
+                  <a:schemeClr val="dk1"/>
+                </a:solidFill>
+                <a:latin typeface="+mn-lt"/>
+                <a:ea typeface="+mn-ea"/>
+                <a:cs typeface="+mn-cs"/>
+              </a:defRPr>
+            </a:lvl5pPr>
+            <a:lvl6pPr marL="2286000" algn="l" defTabSz="914400" rtl="0" eaLnBrk="1" latinLnBrk="0" hangingPunct="1">
+              <a:defRPr sz="1800" kern="1200">
+                <a:solidFill>
+                  <a:schemeClr val="dk1"/>
+                </a:solidFill>
+                <a:latin typeface="+mn-lt"/>
+                <a:ea typeface="+mn-ea"/>
+                <a:cs typeface="+mn-cs"/>
+              </a:defRPr>
+            </a:lvl6pPr>
+            <a:lvl7pPr marL="2743200" algn="l" defTabSz="914400" rtl="0" eaLnBrk="1" latinLnBrk="0" hangingPunct="1">
+              <a:defRPr sz="1800" kern="1200">
+                <a:solidFill>
+                  <a:schemeClr val="dk1"/>
+                </a:solidFill>
+                <a:latin typeface="+mn-lt"/>
+                <a:ea typeface="+mn-ea"/>
+                <a:cs typeface="+mn-cs"/>
+              </a:defRPr>
+            </a:lvl7pPr>
+            <a:lvl8pPr marL="3200400" algn="l" defTabSz="914400" rtl="0" eaLnBrk="1" latinLnBrk="0" hangingPunct="1">
+              <a:defRPr sz="1800" kern="1200">
+                <a:solidFill>
+                  <a:schemeClr val="dk1"/>
+                </a:solidFill>
+                <a:latin typeface="+mn-lt"/>
+                <a:ea typeface="+mn-ea"/>
+                <a:cs typeface="+mn-cs"/>
+              </a:defRPr>
+            </a:lvl8pPr>
+            <a:lvl9pPr marL="3657600" algn="l" defTabSz="914400" rtl="0" eaLnBrk="1" latinLnBrk="0" hangingPunct="1">
+              <a:defRPr sz="1800" kern="1200">
+                <a:solidFill>
+                  <a:schemeClr val="dk1"/>
+                </a:solidFill>
+                <a:latin typeface="+mn-lt"/>
+                <a:ea typeface="+mn-ea"/>
+                <a:cs typeface="+mn-cs"/>
+              </a:defRPr>
+            </a:lvl9pPr>
+          </a:lstStyle>
+          <a:p>
+            <a:pPr algn="ctr"/>
+            <a:r>
+              <a:rPr lang="en-US" sz="2800" b="1" dirty="0"/>
+              <a:t>Demo!</a:t>
+            </a:r>
+          </a:p>
+        </p:txBody>
+      </p:sp>
+      <p:sp>
+        <p:nvSpPr>
+          <p:cNvPr id="2" name="Title 1"/>
+          <p:cNvSpPr>
+            <a:spLocks noGrp="1"/>
+          </p:cNvSpPr>
+          <p:nvPr>
+            <p:ph type="title"/>
+          </p:nvPr>
+        </p:nvSpPr>
+        <p:spPr/>
+        <p:txBody>
+          <a:bodyPr/>
+          <a:lstStyle/>
+          <a:p>
+            <a:r>
+              <a:rPr lang="en-US" dirty="0"/>
+              <a:t>Filtered Indexes</a:t>
+            </a:r>
+          </a:p>
+        </p:txBody>
+      </p:sp>
+      <p:sp>
+        <p:nvSpPr>
+          <p:cNvPr id="6" name="Rectangle 5"/>
+          <p:cNvSpPr/>
+          <p:nvPr/>
+        </p:nvSpPr>
+        <p:spPr>
+          <a:xfrm>
+            <a:off x="495300" y="1524000"/>
+            <a:ext cx="8153400" cy="2308324"/>
+          </a:xfrm>
+          <a:prstGeom prst="rect">
+            <a:avLst/>
+          </a:prstGeom>
+        </p:spPr>
+        <p:txBody>
+          <a:bodyPr wrap="square">
+            <a:spAutoFit/>
+          </a:bodyPr>
+          <a:lstStyle/>
+          <a:p>
+            <a:r>
+              <a:rPr lang="en-US" sz="2400" dirty="0">
+                <a:latin typeface="Lucida Console" pitchFamily="49" charset="0"/>
+              </a:rPr>
+              <a:t>SELECT  	SUM(</a:t>
+            </a:r>
+            <a:r>
+              <a:rPr lang="en-US" sz="2400" dirty="0" err="1">
+                <a:latin typeface="Lucida Console" pitchFamily="49" charset="0"/>
+              </a:rPr>
+              <a:t>D.LineTotal</a:t>
+            </a:r>
+            <a:r>
+              <a:rPr lang="en-US" sz="2400" dirty="0">
+                <a:latin typeface="Lucida Console" pitchFamily="49" charset="0"/>
+              </a:rPr>
+              <a:t>) AS </a:t>
+            </a:r>
+            <a:r>
+              <a:rPr lang="en-US" sz="2400" dirty="0" err="1">
+                <a:latin typeface="Lucida Console" pitchFamily="49" charset="0"/>
+              </a:rPr>
+              <a:t>LineTotal</a:t>
+            </a:r>
+            <a:endParaRPr lang="en-US" sz="2400" dirty="0">
+              <a:latin typeface="Lucida Console" pitchFamily="49" charset="0"/>
+            </a:endParaRPr>
+          </a:p>
+          <a:p>
+            <a:r>
+              <a:rPr lang="en-US" sz="2400" dirty="0">
+                <a:latin typeface="Lucida Console" pitchFamily="49" charset="0"/>
+              </a:rPr>
+              <a:t>FROM		</a:t>
+            </a:r>
+            <a:r>
+              <a:rPr lang="en-US" sz="2400" dirty="0" err="1">
+                <a:latin typeface="Lucida Console" pitchFamily="49" charset="0"/>
+              </a:rPr>
+              <a:t>Sales.SalesOrderHeader</a:t>
+            </a:r>
+            <a:r>
+              <a:rPr lang="en-US" sz="2400" dirty="0">
+                <a:latin typeface="Lucida Console" pitchFamily="49" charset="0"/>
+              </a:rPr>
+              <a:t> H</a:t>
+            </a:r>
+          </a:p>
+          <a:p>
+            <a:r>
+              <a:rPr lang="en-US" sz="2400" dirty="0">
+                <a:latin typeface="Lucida Console" pitchFamily="49" charset="0"/>
+              </a:rPr>
+              <a:t>JOIN		</a:t>
+            </a:r>
+            <a:r>
+              <a:rPr lang="en-US" sz="2400" dirty="0" err="1">
+                <a:latin typeface="Lucida Console" pitchFamily="49" charset="0"/>
+              </a:rPr>
+              <a:t>Sales.SalesOrderDetail</a:t>
+            </a:r>
+            <a:r>
+              <a:rPr lang="en-US" sz="2400" dirty="0">
+                <a:latin typeface="Lucida Console" pitchFamily="49" charset="0"/>
+              </a:rPr>
+              <a:t> D </a:t>
+            </a:r>
+          </a:p>
+          <a:p>
+            <a:r>
+              <a:rPr lang="en-US" sz="2400" dirty="0">
+                <a:latin typeface="Lucida Console" pitchFamily="49" charset="0"/>
+              </a:rPr>
+              <a:t>	ON </a:t>
+            </a:r>
+            <a:r>
+              <a:rPr lang="en-US" sz="2400" b="1" dirty="0" err="1">
+                <a:latin typeface="Lucida Console" pitchFamily="49" charset="0"/>
+              </a:rPr>
+              <a:t>D.SalesOrderID</a:t>
+            </a:r>
+            <a:r>
+              <a:rPr lang="en-US" sz="2400" dirty="0">
+                <a:latin typeface="Lucida Console" pitchFamily="49" charset="0"/>
+              </a:rPr>
+              <a:t> = </a:t>
+            </a:r>
+            <a:r>
+              <a:rPr lang="en-US" sz="2400" b="1" dirty="0" err="1">
+                <a:latin typeface="Lucida Console" pitchFamily="49" charset="0"/>
+              </a:rPr>
+              <a:t>H.SalesOrderID</a:t>
+            </a:r>
+            <a:endParaRPr lang="en-US" sz="2400" b="1" dirty="0">
+              <a:latin typeface="Lucida Console" pitchFamily="49" charset="0"/>
+            </a:endParaRPr>
+          </a:p>
+          <a:p>
+            <a:r>
+              <a:rPr lang="en-US" sz="2400" dirty="0">
+                <a:latin typeface="Lucida Console" pitchFamily="49" charset="0"/>
+              </a:rPr>
+              <a:t>WHERE	</a:t>
+            </a:r>
+            <a:r>
+              <a:rPr lang="en-US" sz="2400" b="1" dirty="0" err="1">
+                <a:latin typeface="Lucida Console" pitchFamily="49" charset="0"/>
+              </a:rPr>
+              <a:t>H.CustomerID</a:t>
+            </a:r>
+            <a:r>
+              <a:rPr lang="en-US" sz="2400" dirty="0">
+                <a:latin typeface="Lucida Console" pitchFamily="49" charset="0"/>
+              </a:rPr>
+              <a:t> = 32345</a:t>
+            </a:r>
+            <a:br>
+              <a:rPr lang="en-US" sz="2400" dirty="0">
+                <a:latin typeface="Lucida Console" pitchFamily="49" charset="0"/>
+              </a:rPr>
+            </a:br>
+            <a:r>
+              <a:rPr lang="en-US" sz="2400" dirty="0">
+                <a:latin typeface="Lucida Console" pitchFamily="49" charset="0"/>
+              </a:rPr>
+              <a:t>AND		H.[Status] = 5</a:t>
+            </a:r>
+          </a:p>
+        </p:txBody>
+      </p:sp>
+      <p:sp>
+        <p:nvSpPr>
+          <p:cNvPr id="8" name="TextBox 7"/>
+          <p:cNvSpPr txBox="1"/>
+          <p:nvPr/>
+        </p:nvSpPr>
+        <p:spPr>
+          <a:xfrm>
+            <a:off x="1371600" y="4343400"/>
+            <a:ext cx="6629400" cy="1384995"/>
+          </a:xfrm>
+          <a:prstGeom prst="rect">
+            <a:avLst/>
+          </a:prstGeom>
+        </p:spPr>
+        <p:style>
+          <a:lnRef idx="1">
+            <a:schemeClr val="accent4"/>
+          </a:lnRef>
+          <a:fillRef idx="2">
+            <a:schemeClr val="accent4"/>
+          </a:fillRef>
+          <a:effectRef idx="1">
+            <a:schemeClr val="accent4"/>
+          </a:effectRef>
+          <a:fontRef idx="minor">
+            <a:schemeClr val="dk1"/>
+          </a:fontRef>
+        </p:style>
+        <p:txBody>
+          <a:bodyPr wrap="square" rtlCol="0">
+            <a:spAutoFit/>
+          </a:bodyPr>
+          <a:lstStyle/>
+          <a:p>
+            <a:pPr marL="457200" indent="-457200">
+              <a:buFont typeface="Arial" pitchFamily="34" charset="0"/>
+              <a:buChar char="•"/>
+            </a:pPr>
+            <a:r>
+              <a:rPr lang="en-US" sz="2800" dirty="0"/>
+              <a:t>Index on </a:t>
+            </a:r>
+            <a:r>
+              <a:rPr lang="en-US" sz="2800" dirty="0" err="1"/>
+              <a:t>ClientID</a:t>
+            </a:r>
+            <a:r>
+              <a:rPr lang="en-US" sz="2800" dirty="0"/>
+              <a:t>  WHERE Status = 5</a:t>
+            </a:r>
+          </a:p>
+          <a:p>
+            <a:pPr marL="457200" indent="-457200">
+              <a:buFont typeface="Arial" pitchFamily="34" charset="0"/>
+              <a:buChar char="•"/>
+            </a:pPr>
+            <a:r>
+              <a:rPr lang="en-US" sz="2800" dirty="0"/>
+              <a:t>Covering Index: Doesn’t reference table</a:t>
+            </a:r>
+          </a:p>
+          <a:p>
+            <a:pPr marL="457200" indent="-457200">
+              <a:buFont typeface="Arial" pitchFamily="34" charset="0"/>
+              <a:buChar char="•"/>
+            </a:pPr>
+            <a:r>
+              <a:rPr lang="en-US" sz="2800" dirty="0"/>
+              <a:t>Much smaller index</a:t>
+            </a:r>
+          </a:p>
+        </p:txBody>
+      </p:sp>
+    </p:spTree>
+    <p:extLst>
+      <p:ext uri="{BB962C8B-B14F-4D97-AF65-F5344CB8AC3E}">
+        <p14:creationId xmlns:p14="http://schemas.microsoft.com/office/powerpoint/2010/main" val="548040402"/>
       </p:ext>
     </p:extLst>
   </p:cSld>
@@ -11324,230 +9667,106 @@
           <a:p>
             <a:r>
               <a:rPr lang="en-US" dirty="0"/>
-              <a:t>INCLUDE Columns</a:t>
-            </a:r>
-          </a:p>
-        </p:txBody>
-      </p:sp>
-      <p:sp>
-        <p:nvSpPr>
-          <p:cNvPr id="6" name="Rectangle 5"/>
-          <p:cNvSpPr/>
-          <p:nvPr/>
-        </p:nvSpPr>
-        <p:spPr>
-          <a:xfrm>
-            <a:off x="495300" y="1524000"/>
-            <a:ext cx="8153400" cy="2308324"/>
-          </a:xfrm>
-          <a:prstGeom prst="rect">
-            <a:avLst/>
-          </a:prstGeom>
-        </p:spPr>
-        <p:txBody>
-          <a:bodyPr wrap="square">
-            <a:spAutoFit/>
+              <a:t>Indexing Tips</a:t>
+            </a:r>
+          </a:p>
+        </p:txBody>
+      </p:sp>
+      <p:sp>
+        <p:nvSpPr>
+          <p:cNvPr id="3" name="Content Placeholder 2"/>
+          <p:cNvSpPr>
+            <a:spLocks noGrp="1"/>
+          </p:cNvSpPr>
+          <p:nvPr>
+            <p:ph idx="1"/>
+          </p:nvPr>
+        </p:nvSpPr>
+        <p:spPr/>
+        <p:txBody>
+          <a:bodyPr>
+            <a:normAutofit/>
           </a:bodyPr>
           <a:lstStyle/>
           <a:p>
             <a:r>
-              <a:rPr lang="en-US" sz="2400" dirty="0">
-                <a:latin typeface="Lucida Console" pitchFamily="49" charset="0"/>
-              </a:rPr>
-              <a:t>SELECT  	SUM(</a:t>
-            </a:r>
-            <a:r>
-              <a:rPr lang="en-US" sz="2400" dirty="0" err="1">
-                <a:latin typeface="Lucida Console" pitchFamily="49" charset="0"/>
-              </a:rPr>
-              <a:t>D.LineTotal</a:t>
-            </a:r>
-            <a:r>
-              <a:rPr lang="en-US" sz="2400" dirty="0">
-                <a:latin typeface="Lucida Console" pitchFamily="49" charset="0"/>
-              </a:rPr>
-              <a:t>) AS </a:t>
-            </a:r>
-            <a:r>
-              <a:rPr lang="en-US" sz="2400" dirty="0" err="1">
-                <a:latin typeface="Lucida Console" pitchFamily="49" charset="0"/>
-              </a:rPr>
-              <a:t>LineTotal</a:t>
-            </a:r>
-            <a:endParaRPr lang="en-US" sz="2400" dirty="0">
-              <a:latin typeface="Lucida Console" pitchFamily="49" charset="0"/>
-            </a:endParaRPr>
-          </a:p>
-          <a:p>
-            <a:r>
-              <a:rPr lang="en-US" sz="2400" dirty="0">
-                <a:latin typeface="Lucida Console" pitchFamily="49" charset="0"/>
-              </a:rPr>
-              <a:t>FROM		</a:t>
-            </a:r>
-            <a:r>
-              <a:rPr lang="en-US" sz="2400" dirty="0" err="1">
-                <a:latin typeface="Lucida Console" pitchFamily="49" charset="0"/>
-              </a:rPr>
-              <a:t>Sales.SalesOrderHeader</a:t>
-            </a:r>
-            <a:r>
-              <a:rPr lang="en-US" sz="2400" dirty="0">
-                <a:latin typeface="Lucida Console" pitchFamily="49" charset="0"/>
-              </a:rPr>
-              <a:t> H</a:t>
-            </a:r>
-          </a:p>
-          <a:p>
-            <a:r>
-              <a:rPr lang="en-US" sz="2400" dirty="0">
-                <a:latin typeface="Lucida Console" pitchFamily="49" charset="0"/>
-              </a:rPr>
-              <a:t>JOIN		</a:t>
-            </a:r>
-            <a:r>
-              <a:rPr lang="en-US" sz="2400" dirty="0" err="1">
-                <a:latin typeface="Lucida Console" pitchFamily="49" charset="0"/>
-              </a:rPr>
-              <a:t>Sales.SalesOrderDetail</a:t>
-            </a:r>
-            <a:r>
-              <a:rPr lang="en-US" sz="2400" dirty="0">
-                <a:latin typeface="Lucida Console" pitchFamily="49" charset="0"/>
-              </a:rPr>
-              <a:t> D </a:t>
-            </a:r>
-          </a:p>
-          <a:p>
-            <a:r>
-              <a:rPr lang="en-US" sz="2400" dirty="0">
-                <a:latin typeface="Lucida Console" pitchFamily="49" charset="0"/>
-              </a:rPr>
-              <a:t>	ON </a:t>
-            </a:r>
-            <a:r>
-              <a:rPr lang="en-US" sz="2400" b="1" dirty="0" err="1">
-                <a:latin typeface="Lucida Console" pitchFamily="49" charset="0"/>
-              </a:rPr>
-              <a:t>D.SalesOrderID</a:t>
-            </a:r>
-            <a:r>
-              <a:rPr lang="en-US" sz="2400" dirty="0">
-                <a:latin typeface="Lucida Console" pitchFamily="49" charset="0"/>
-              </a:rPr>
-              <a:t> = </a:t>
-            </a:r>
-            <a:r>
-              <a:rPr lang="en-US" sz="2400" b="1" dirty="0" err="1">
-                <a:latin typeface="Lucida Console" pitchFamily="49" charset="0"/>
-              </a:rPr>
-              <a:t>H.SalesOrderID</a:t>
-            </a:r>
-            <a:endParaRPr lang="en-US" sz="2400" b="1" dirty="0">
-              <a:latin typeface="Lucida Console" pitchFamily="49" charset="0"/>
-            </a:endParaRPr>
-          </a:p>
-          <a:p>
-            <a:r>
-              <a:rPr lang="en-US" sz="2400" dirty="0">
-                <a:latin typeface="Lucida Console" pitchFamily="49" charset="0"/>
-              </a:rPr>
-              <a:t>WHERE	</a:t>
-            </a:r>
-            <a:r>
-              <a:rPr lang="en-US" sz="2400" b="1" dirty="0" err="1">
-                <a:latin typeface="Lucida Console" pitchFamily="49" charset="0"/>
-              </a:rPr>
-              <a:t>H.CustomerID</a:t>
-            </a:r>
-            <a:r>
-              <a:rPr lang="en-US" sz="2400" dirty="0">
-                <a:latin typeface="Lucida Console" pitchFamily="49" charset="0"/>
-              </a:rPr>
-              <a:t> = 32345</a:t>
-            </a:r>
-            <a:br>
-              <a:rPr lang="en-US" sz="2400" dirty="0">
-                <a:latin typeface="Lucida Console" pitchFamily="49" charset="0"/>
-              </a:rPr>
-            </a:br>
-            <a:r>
-              <a:rPr lang="en-US" sz="2400" dirty="0">
-                <a:latin typeface="Lucida Console" pitchFamily="49" charset="0"/>
-              </a:rPr>
-              <a:t>AND		H.[Status] = 5</a:t>
-            </a:r>
-          </a:p>
-        </p:txBody>
-      </p:sp>
-      <p:sp>
-        <p:nvSpPr>
-          <p:cNvPr id="8" name="TextBox 7"/>
-          <p:cNvSpPr txBox="1"/>
-          <p:nvPr/>
-        </p:nvSpPr>
-        <p:spPr>
-          <a:xfrm>
-            <a:off x="1371600" y="4419600"/>
-            <a:ext cx="6629400" cy="954107"/>
-          </a:xfrm>
-          <a:prstGeom prst="rect">
-            <a:avLst/>
-          </a:prstGeom>
-        </p:spPr>
-        <p:style>
-          <a:lnRef idx="1">
-            <a:schemeClr val="accent4"/>
-          </a:lnRef>
-          <a:fillRef idx="2">
-            <a:schemeClr val="accent4"/>
-          </a:fillRef>
-          <a:effectRef idx="1">
-            <a:schemeClr val="accent4"/>
-          </a:effectRef>
-          <a:fontRef idx="minor">
-            <a:schemeClr val="dk1"/>
-          </a:fontRef>
-        </p:style>
-        <p:txBody>
-          <a:bodyPr wrap="square" rtlCol="0">
-            <a:spAutoFit/>
-          </a:bodyPr>
-          <a:lstStyle/>
-          <a:p>
-            <a:pPr marL="457200" indent="-457200">
-              <a:buFont typeface="Arial" pitchFamily="34" charset="0"/>
-              <a:buChar char="•"/>
-            </a:pPr>
-            <a:r>
               <a:rPr lang="en-US" sz="2800" dirty="0"/>
-              <a:t>Index on </a:t>
-            </a:r>
-            <a:r>
-              <a:rPr lang="en-US" sz="2800" dirty="0" err="1"/>
-              <a:t>ClientID</a:t>
-            </a:r>
+              <a:t>Always include a clustered index</a:t>
+            </a:r>
+          </a:p>
+          <a:p>
+            <a:pPr lvl="1"/>
+            <a:r>
+              <a:rPr lang="en-US" sz="2500" dirty="0"/>
+              <a:t>Usually the primary key</a:t>
+            </a:r>
+          </a:p>
+          <a:p>
             <a:r>
               <a:rPr lang="en-US" sz="2800" dirty="0"/>
-              <a:t> and include Status</a:t>
-            </a:r>
-          </a:p>
-          <a:p>
-            <a:pPr marL="457200" indent="-457200">
-              <a:buFont typeface="Arial" pitchFamily="34" charset="0"/>
-              <a:buChar char="•"/>
-            </a:pPr>
+              <a:t> Index Column order matters!</a:t>
+            </a:r>
+          </a:p>
+          <a:p>
+            <a:pPr lvl="1"/>
+            <a:r>
+              <a:rPr lang="en-US" sz="2400" dirty="0"/>
+              <a:t>Often most selective first</a:t>
+            </a:r>
+          </a:p>
+          <a:p>
+            <a:pPr lvl="1"/>
+            <a:r>
+              <a:rPr lang="en-US" sz="2400" dirty="0"/>
+              <a:t>Unless you want all of a column (all orders for customer)</a:t>
+            </a:r>
+          </a:p>
+          <a:p>
+            <a:pPr lvl="1"/>
+            <a:r>
+              <a:rPr lang="en-US" sz="2400"/>
+              <a:t>Exclude the </a:t>
+            </a:r>
+            <a:r>
+              <a:rPr lang="en-US" sz="2400" dirty="0"/>
+              <a:t>first column from a WHERE clause and you get a SCAN</a:t>
+            </a:r>
+          </a:p>
+          <a:p>
             <a:r>
               <a:rPr lang="en-US" sz="2800" dirty="0"/>
-              <a:t>Covering Index: Doesn’t reference table</a:t>
-            </a:r>
+              <a:t>Test on large datasets</a:t>
+            </a:r>
+          </a:p>
+          <a:p>
+            <a:r>
+              <a:rPr lang="en-US" sz="2800" dirty="0"/>
+              <a:t>Index PERSISTED, COMPUTED columns</a:t>
+            </a:r>
+          </a:p>
+          <a:p>
+            <a:pPr lvl="1"/>
+            <a:r>
+              <a:rPr lang="en-US" sz="2400" dirty="0"/>
+              <a:t>Must match the WHERE clause</a:t>
+            </a:r>
+          </a:p>
+          <a:p>
+            <a:pPr lvl="1"/>
+            <a:r>
+              <a:rPr lang="en-US" sz="2400" dirty="0"/>
+              <a:t>Pre-2008 “date only” columns</a:t>
+            </a:r>
+          </a:p>
+          <a:p>
+            <a:endParaRPr lang="en-US" sz="2800" dirty="0"/>
           </a:p>
         </p:txBody>
       </p:sp>
     </p:spTree>
     <p:extLst>
       <p:ext uri="{BB962C8B-B14F-4D97-AF65-F5344CB8AC3E}">
-        <p14:creationId xmlns:p14="http://schemas.microsoft.com/office/powerpoint/2010/main" val="1027613210"/>
+        <p14:creationId xmlns:p14="http://schemas.microsoft.com/office/powerpoint/2010/main" val="1184459723"/>
       </p:ext>
     </p:extLst>
   </p:cSld>
@@ -11591,232 +9810,216 @@
           <a:p>
             <a:r>
               <a:rPr lang="en-US" dirty="0"/>
-              <a:t>Filtered Indexes</a:t>
-            </a:r>
-          </a:p>
-        </p:txBody>
-      </p:sp>
-      <p:sp>
-        <p:nvSpPr>
-          <p:cNvPr id="6" name="Rectangle 5"/>
+              <a:t>Performance Tips</a:t>
+            </a:r>
+          </a:p>
+        </p:txBody>
+      </p:sp>
+      <p:sp>
+        <p:nvSpPr>
+          <p:cNvPr id="3" name="Content Placeholder 2"/>
+          <p:cNvSpPr>
+            <a:spLocks noGrp="1"/>
+          </p:cNvSpPr>
+          <p:nvPr>
+            <p:ph idx="1"/>
+          </p:nvPr>
+        </p:nvSpPr>
+        <p:spPr/>
+        <p:txBody>
+          <a:bodyPr>
+            <a:normAutofit/>
+          </a:bodyPr>
+          <a:lstStyle/>
+          <a:p>
+            <a:r>
+              <a:rPr lang="en-US" sz="2800" dirty="0"/>
+              <a:t>Use EXISTS</a:t>
+            </a:r>
+          </a:p>
+          <a:p>
+            <a:r>
+              <a:rPr lang="en-US" sz="2800" dirty="0"/>
+              <a:t>NOT IN, IN, or </a:t>
+            </a:r>
+            <a:r>
+              <a:rPr lang="en-US" sz="2800" dirty="0" err="1"/>
+              <a:t>OR</a:t>
+            </a:r>
+            <a:endParaRPr lang="en-US" sz="2800" dirty="0"/>
+          </a:p>
+          <a:p>
+            <a:pPr lvl="1"/>
+            <a:r>
+              <a:rPr lang="en-US" sz="2500" dirty="0"/>
+              <a:t>Avoid NOT IN</a:t>
+            </a:r>
+          </a:p>
+          <a:p>
+            <a:pPr lvl="1"/>
+            <a:r>
+              <a:rPr lang="en-US" sz="2500" dirty="0"/>
+              <a:t>Beware IN</a:t>
+            </a:r>
+          </a:p>
+          <a:p>
+            <a:pPr lvl="1"/>
+            <a:r>
+              <a:rPr lang="en-US" sz="2500" dirty="0"/>
+              <a:t>Tread carefully around OR</a:t>
+            </a:r>
+          </a:p>
+          <a:p>
+            <a:r>
+              <a:rPr lang="en-US" sz="2800" dirty="0"/>
+              <a:t>Be careful with DISTINCT</a:t>
+            </a:r>
+          </a:p>
+          <a:p>
+            <a:r>
+              <a:rPr lang="en-US" sz="2800" dirty="0"/>
+              <a:t>Avoid SELECT in User-Defined Functions</a:t>
+            </a:r>
+          </a:p>
+        </p:txBody>
+      </p:sp>
+      <p:sp>
+        <p:nvSpPr>
+          <p:cNvPr id="4" name="12-Point Star 3">
+            <a:extLst>
+              <a:ext uri="{FF2B5EF4-FFF2-40B4-BE49-F238E27FC236}">
+                <a16:creationId xmlns:a16="http://schemas.microsoft.com/office/drawing/2014/main" id="{7A49900D-9CC6-4286-A877-26002D7399D7}"/>
+              </a:ext>
+            </a:extLst>
+          </p:cNvPr>
           <p:cNvSpPr/>
           <p:nvPr/>
         </p:nvSpPr>
         <p:spPr>
-          <a:xfrm>
-            <a:off x="495300" y="1524000"/>
-            <a:ext cx="8153400" cy="2308324"/>
+          <a:xfrm rot="1816144">
+            <a:off x="5823599" y="952194"/>
+            <a:ext cx="2352055" cy="1369390"/>
           </a:xfrm>
-          <a:prstGeom prst="rect">
-            <a:avLst/>
-          </a:prstGeom>
-        </p:spPr>
-        <p:txBody>
-          <a:bodyPr wrap="square">
-            <a:spAutoFit/>
-          </a:bodyPr>
-          <a:lstStyle/>
-          <a:p>
-            <a:r>
-              <a:rPr lang="en-US" sz="2400" dirty="0">
-                <a:latin typeface="Lucida Console" pitchFamily="49" charset="0"/>
-              </a:rPr>
-              <a:t>SELECT  	SUM(</a:t>
-            </a:r>
-            <a:r>
-              <a:rPr lang="en-US" sz="2400" dirty="0" err="1">
-                <a:latin typeface="Lucida Console" pitchFamily="49" charset="0"/>
-              </a:rPr>
-              <a:t>D.LineTotal</a:t>
-            </a:r>
-            <a:r>
-              <a:rPr lang="en-US" sz="2400" dirty="0">
-                <a:latin typeface="Lucida Console" pitchFamily="49" charset="0"/>
-              </a:rPr>
-              <a:t>) AS </a:t>
-            </a:r>
-            <a:r>
-              <a:rPr lang="en-US" sz="2400" dirty="0" err="1">
-                <a:latin typeface="Lucida Console" pitchFamily="49" charset="0"/>
-              </a:rPr>
-              <a:t>LineTotal</a:t>
-            </a:r>
-            <a:endParaRPr lang="en-US" sz="2400" dirty="0">
-              <a:latin typeface="Lucida Console" pitchFamily="49" charset="0"/>
-            </a:endParaRPr>
-          </a:p>
-          <a:p>
-            <a:r>
-              <a:rPr lang="en-US" sz="2400" dirty="0">
-                <a:latin typeface="Lucida Console" pitchFamily="49" charset="0"/>
-              </a:rPr>
-              <a:t>FROM		</a:t>
-            </a:r>
-            <a:r>
-              <a:rPr lang="en-US" sz="2400" dirty="0" err="1">
-                <a:latin typeface="Lucida Console" pitchFamily="49" charset="0"/>
-              </a:rPr>
-              <a:t>Sales.SalesOrderHeader</a:t>
-            </a:r>
-            <a:r>
-              <a:rPr lang="en-US" sz="2400" dirty="0">
-                <a:latin typeface="Lucida Console" pitchFamily="49" charset="0"/>
-              </a:rPr>
-              <a:t> H</a:t>
-            </a:r>
-          </a:p>
-          <a:p>
-            <a:r>
-              <a:rPr lang="en-US" sz="2400" dirty="0">
-                <a:latin typeface="Lucida Console" pitchFamily="49" charset="0"/>
-              </a:rPr>
-              <a:t>JOIN		</a:t>
-            </a:r>
-            <a:r>
-              <a:rPr lang="en-US" sz="2400" dirty="0" err="1">
-                <a:latin typeface="Lucida Console" pitchFamily="49" charset="0"/>
-              </a:rPr>
-              <a:t>Sales.SalesOrderDetail</a:t>
-            </a:r>
-            <a:r>
-              <a:rPr lang="en-US" sz="2400" dirty="0">
-                <a:latin typeface="Lucida Console" pitchFamily="49" charset="0"/>
-              </a:rPr>
-              <a:t> D </a:t>
-            </a:r>
-          </a:p>
-          <a:p>
-            <a:r>
-              <a:rPr lang="en-US" sz="2400" dirty="0">
-                <a:latin typeface="Lucida Console" pitchFamily="49" charset="0"/>
-              </a:rPr>
-              <a:t>	ON </a:t>
-            </a:r>
-            <a:r>
-              <a:rPr lang="en-US" sz="2400" b="1" dirty="0" err="1">
-                <a:latin typeface="Lucida Console" pitchFamily="49" charset="0"/>
-              </a:rPr>
-              <a:t>D.SalesOrderID</a:t>
-            </a:r>
-            <a:r>
-              <a:rPr lang="en-US" sz="2400" dirty="0">
-                <a:latin typeface="Lucida Console" pitchFamily="49" charset="0"/>
-              </a:rPr>
-              <a:t> = </a:t>
-            </a:r>
-            <a:r>
-              <a:rPr lang="en-US" sz="2400" b="1" dirty="0" err="1">
-                <a:latin typeface="Lucida Console" pitchFamily="49" charset="0"/>
-              </a:rPr>
-              <a:t>H.SalesOrderID</a:t>
-            </a:r>
-            <a:endParaRPr lang="en-US" sz="2400" b="1" dirty="0">
-              <a:latin typeface="Lucida Console" pitchFamily="49" charset="0"/>
-            </a:endParaRPr>
-          </a:p>
-          <a:p>
-            <a:r>
-              <a:rPr lang="en-US" sz="2400" dirty="0">
-                <a:latin typeface="Lucida Console" pitchFamily="49" charset="0"/>
-              </a:rPr>
-              <a:t>WHERE	</a:t>
-            </a:r>
-            <a:r>
-              <a:rPr lang="en-US" sz="2400" b="1" dirty="0" err="1">
-                <a:latin typeface="Lucida Console" pitchFamily="49" charset="0"/>
-              </a:rPr>
-              <a:t>H.CustomerID</a:t>
-            </a:r>
-            <a:r>
-              <a:rPr lang="en-US" sz="2400" dirty="0">
-                <a:latin typeface="Lucida Console" pitchFamily="49" charset="0"/>
-              </a:rPr>
-              <a:t> = 32345</a:t>
-            </a:r>
-            <a:br>
-              <a:rPr lang="en-US" sz="2400" dirty="0">
-                <a:latin typeface="Lucida Console" pitchFamily="49" charset="0"/>
-              </a:rPr>
-            </a:br>
-            <a:r>
-              <a:rPr lang="en-US" sz="2400" dirty="0">
-                <a:latin typeface="Lucida Console" pitchFamily="49" charset="0"/>
-              </a:rPr>
-              <a:t>AND		H.[Status] = 5</a:t>
-            </a:r>
-          </a:p>
-        </p:txBody>
-      </p:sp>
-      <p:sp>
-        <p:nvSpPr>
-          <p:cNvPr id="8" name="TextBox 7"/>
-          <p:cNvSpPr txBox="1"/>
-          <p:nvPr/>
-        </p:nvSpPr>
-        <p:spPr>
-          <a:xfrm>
-            <a:off x="1371600" y="4343400"/>
-            <a:ext cx="6629400" cy="1384995"/>
-          </a:xfrm>
-          <a:prstGeom prst="rect">
+          <a:prstGeom prst="star12">
             <a:avLst/>
           </a:prstGeom>
         </p:spPr>
         <p:style>
           <a:lnRef idx="1">
-            <a:schemeClr val="accent4"/>
+            <a:schemeClr val="accent5"/>
           </a:lnRef>
           <a:fillRef idx="2">
-            <a:schemeClr val="accent4"/>
+            <a:schemeClr val="accent5"/>
           </a:fillRef>
           <a:effectRef idx="1">
-            <a:schemeClr val="accent4"/>
+            <a:schemeClr val="accent5"/>
           </a:effectRef>
           <a:fontRef idx="minor">
             <a:schemeClr val="dk1"/>
           </a:fontRef>
         </p:style>
         <p:txBody>
-          <a:bodyPr wrap="square" rtlCol="0">
-            <a:spAutoFit/>
-          </a:bodyPr>
-          <a:lstStyle/>
-          <a:p>
-            <a:pPr marL="457200" indent="-457200">
-              <a:buFont typeface="Arial" pitchFamily="34" charset="0"/>
-              <a:buChar char="•"/>
-            </a:pPr>
-            <a:r>
-              <a:rPr lang="en-US" sz="2800" dirty="0"/>
-              <a:t>Index on </a:t>
-            </a:r>
-            <a:r>
-              <a:rPr lang="en-US" sz="2800" dirty="0" err="1"/>
-              <a:t>ClientID</a:t>
-            </a:r>
-            <a:r>
-              <a:rPr lang="en-US" sz="2800" dirty="0"/>
-              <a:t>  WHERE Status = 5</a:t>
-            </a:r>
-          </a:p>
-          <a:p>
-            <a:pPr marL="457200" indent="-457200">
-              <a:buFont typeface="Arial" pitchFamily="34" charset="0"/>
-              <a:buChar char="•"/>
-            </a:pPr>
-            <a:r>
-              <a:rPr lang="en-US" sz="2800" dirty="0"/>
-              <a:t>Covering Index: Doesn’t reference table</a:t>
-            </a:r>
-          </a:p>
-          <a:p>
-            <a:pPr marL="457200" indent="-457200">
-              <a:buFont typeface="Arial" pitchFamily="34" charset="0"/>
-              <a:buChar char="•"/>
-            </a:pPr>
-            <a:r>
-              <a:rPr lang="en-US" sz="2800" dirty="0"/>
-              <a:t>Much smaller index</a:t>
+          <a:bodyPr rtlCol="0" anchor="ctr"/>
+          <a:lstStyle>
+            <a:defPPr>
+              <a:defRPr lang="en-US"/>
+            </a:defPPr>
+            <a:lvl1pPr marL="0" algn="l" defTabSz="914400" rtl="0" eaLnBrk="1" latinLnBrk="0" hangingPunct="1">
+              <a:defRPr sz="1800" kern="1200">
+                <a:solidFill>
+                  <a:schemeClr val="dk1"/>
+                </a:solidFill>
+                <a:latin typeface="+mn-lt"/>
+                <a:ea typeface="+mn-ea"/>
+                <a:cs typeface="+mn-cs"/>
+              </a:defRPr>
+            </a:lvl1pPr>
+            <a:lvl2pPr marL="457200" algn="l" defTabSz="914400" rtl="0" eaLnBrk="1" latinLnBrk="0" hangingPunct="1">
+              <a:defRPr sz="1800" kern="1200">
+                <a:solidFill>
+                  <a:schemeClr val="dk1"/>
+                </a:solidFill>
+                <a:latin typeface="+mn-lt"/>
+                <a:ea typeface="+mn-ea"/>
+                <a:cs typeface="+mn-cs"/>
+              </a:defRPr>
+            </a:lvl2pPr>
+            <a:lvl3pPr marL="914400" algn="l" defTabSz="914400" rtl="0" eaLnBrk="1" latinLnBrk="0" hangingPunct="1">
+              <a:defRPr sz="1800" kern="1200">
+                <a:solidFill>
+                  <a:schemeClr val="dk1"/>
+                </a:solidFill>
+                <a:latin typeface="+mn-lt"/>
+                <a:ea typeface="+mn-ea"/>
+                <a:cs typeface="+mn-cs"/>
+              </a:defRPr>
+            </a:lvl3pPr>
+            <a:lvl4pPr marL="1371600" algn="l" defTabSz="914400" rtl="0" eaLnBrk="1" latinLnBrk="0" hangingPunct="1">
+              <a:defRPr sz="1800" kern="1200">
+                <a:solidFill>
+                  <a:schemeClr val="dk1"/>
+                </a:solidFill>
+                <a:latin typeface="+mn-lt"/>
+                <a:ea typeface="+mn-ea"/>
+                <a:cs typeface="+mn-cs"/>
+              </a:defRPr>
+            </a:lvl4pPr>
+            <a:lvl5pPr marL="1828800" algn="l" defTabSz="914400" rtl="0" eaLnBrk="1" latinLnBrk="0" hangingPunct="1">
+              <a:defRPr sz="1800" kern="1200">
+                <a:solidFill>
+                  <a:schemeClr val="dk1"/>
+                </a:solidFill>
+                <a:latin typeface="+mn-lt"/>
+                <a:ea typeface="+mn-ea"/>
+                <a:cs typeface="+mn-cs"/>
+              </a:defRPr>
+            </a:lvl5pPr>
+            <a:lvl6pPr marL="2286000" algn="l" defTabSz="914400" rtl="0" eaLnBrk="1" latinLnBrk="0" hangingPunct="1">
+              <a:defRPr sz="1800" kern="1200">
+                <a:solidFill>
+                  <a:schemeClr val="dk1"/>
+                </a:solidFill>
+                <a:latin typeface="+mn-lt"/>
+                <a:ea typeface="+mn-ea"/>
+                <a:cs typeface="+mn-cs"/>
+              </a:defRPr>
+            </a:lvl6pPr>
+            <a:lvl7pPr marL="2743200" algn="l" defTabSz="914400" rtl="0" eaLnBrk="1" latinLnBrk="0" hangingPunct="1">
+              <a:defRPr sz="1800" kern="1200">
+                <a:solidFill>
+                  <a:schemeClr val="dk1"/>
+                </a:solidFill>
+                <a:latin typeface="+mn-lt"/>
+                <a:ea typeface="+mn-ea"/>
+                <a:cs typeface="+mn-cs"/>
+              </a:defRPr>
+            </a:lvl7pPr>
+            <a:lvl8pPr marL="3200400" algn="l" defTabSz="914400" rtl="0" eaLnBrk="1" latinLnBrk="0" hangingPunct="1">
+              <a:defRPr sz="1800" kern="1200">
+                <a:solidFill>
+                  <a:schemeClr val="dk1"/>
+                </a:solidFill>
+                <a:latin typeface="+mn-lt"/>
+                <a:ea typeface="+mn-ea"/>
+                <a:cs typeface="+mn-cs"/>
+              </a:defRPr>
+            </a:lvl8pPr>
+            <a:lvl9pPr marL="3657600" algn="l" defTabSz="914400" rtl="0" eaLnBrk="1" latinLnBrk="0" hangingPunct="1">
+              <a:defRPr sz="1800" kern="1200">
+                <a:solidFill>
+                  <a:schemeClr val="dk1"/>
+                </a:solidFill>
+                <a:latin typeface="+mn-lt"/>
+                <a:ea typeface="+mn-ea"/>
+                <a:cs typeface="+mn-cs"/>
+              </a:defRPr>
+            </a:lvl9pPr>
+          </a:lstStyle>
+          <a:p>
+            <a:pPr algn="ctr"/>
+            <a:r>
+              <a:rPr lang="en-US" sz="2800" b="1" dirty="0"/>
+              <a:t>Demo!</a:t>
             </a:r>
           </a:p>
         </p:txBody>
@@ -11824,7 +10027,7 @@
     </p:spTree>
     <p:extLst>
       <p:ext uri="{BB962C8B-B14F-4D97-AF65-F5344CB8AC3E}">
-        <p14:creationId xmlns:p14="http://schemas.microsoft.com/office/powerpoint/2010/main" val="548040402"/>
+        <p14:creationId xmlns:p14="http://schemas.microsoft.com/office/powerpoint/2010/main" val="1648969276"/>
       </p:ext>
     </p:extLst>
   </p:cSld>

--- a/ppt/1. Faster SQL/Faster SQL - KCDC 2018.pptx
+++ b/ppt/1. Faster SQL/Faster SQL - KCDC 2018.pptx
@@ -220,7 +220,7 @@
           <a:p>
             <a:fld id="{5F3AF27D-9AB3-4E98-991D-DDD0770C3FA9}" type="datetimeFigureOut">
               <a:rPr lang="en-US" smtClean="0"/>
-              <a:t>7/10/2018</a:t>
+              <a:t>7/11/2018</a:t>
             </a:fld>
             <a:endParaRPr lang="en-US"/>
           </a:p>
@@ -385,7 +385,7 @@
           <a:p>
             <a:fld id="{B8714DAA-9405-440B-AFF6-56FC2A8284E5}" type="datetimeFigureOut">
               <a:rPr lang="en-US" smtClean="0"/>
-              <a:t>7/10/2018</a:t>
+              <a:t>7/11/2018</a:t>
             </a:fld>
             <a:endParaRPr lang="en-US"/>
           </a:p>
@@ -1301,7 +1301,7 @@
           <a:p>
             <a:fld id="{8B2958E2-F537-4BC2-99E6-BDAF95D803B8}" type="datetimeFigureOut">
               <a:rPr lang="en-US" smtClean="0"/>
-              <a:t>7/10/2018</a:t>
+              <a:t>7/11/2018</a:t>
             </a:fld>
             <a:endParaRPr lang="en-US"/>
           </a:p>
@@ -1582,7 +1582,7 @@
           <a:p>
             <a:fld id="{8B2958E2-F537-4BC2-99E6-BDAF95D803B8}" type="datetimeFigureOut">
               <a:rPr lang="en-US" smtClean="0"/>
-              <a:t>7/10/2018</a:t>
+              <a:t>7/11/2018</a:t>
             </a:fld>
             <a:endParaRPr lang="en-US"/>
           </a:p>
@@ -1774,7 +1774,7 @@
           <a:p>
             <a:fld id="{8B2958E2-F537-4BC2-99E6-BDAF95D803B8}" type="datetimeFigureOut">
               <a:rPr lang="en-US" smtClean="0"/>
-              <a:t>7/10/2018</a:t>
+              <a:t>7/11/2018</a:t>
             </a:fld>
             <a:endParaRPr lang="en-US"/>
           </a:p>
@@ -2035,7 +2035,7 @@
           <a:p>
             <a:fld id="{8B2958E2-F537-4BC2-99E6-BDAF95D803B8}" type="datetimeFigureOut">
               <a:rPr lang="en-US" smtClean="0"/>
-              <a:t>7/10/2018</a:t>
+              <a:t>7/11/2018</a:t>
             </a:fld>
             <a:endParaRPr lang="en-US"/>
           </a:p>
@@ -2461,7 +2461,7 @@
           <a:p>
             <a:fld id="{8B2958E2-F537-4BC2-99E6-BDAF95D803B8}" type="datetimeFigureOut">
               <a:rPr lang="en-US" smtClean="0"/>
-              <a:t>7/10/2018</a:t>
+              <a:t>7/11/2018</a:t>
             </a:fld>
             <a:endParaRPr lang="en-US"/>
           </a:p>
@@ -3007,7 +3007,7 @@
           <a:p>
             <a:fld id="{8B2958E2-F537-4BC2-99E6-BDAF95D803B8}" type="datetimeFigureOut">
               <a:rPr lang="en-US" smtClean="0"/>
-              <a:t>7/10/2018</a:t>
+              <a:t>7/11/2018</a:t>
             </a:fld>
             <a:endParaRPr lang="en-US"/>
           </a:p>
@@ -3838,7 +3838,7 @@
           <a:p>
             <a:fld id="{8B2958E2-F537-4BC2-99E6-BDAF95D803B8}" type="datetimeFigureOut">
               <a:rPr lang="en-US" smtClean="0"/>
-              <a:t>7/10/2018</a:t>
+              <a:t>7/11/2018</a:t>
             </a:fld>
             <a:endParaRPr lang="en-US"/>
           </a:p>
@@ -4008,7 +4008,7 @@
           <a:p>
             <a:fld id="{8B2958E2-F537-4BC2-99E6-BDAF95D803B8}" type="datetimeFigureOut">
               <a:rPr lang="en-US" smtClean="0"/>
-              <a:t>7/10/2018</a:t>
+              <a:t>7/11/2018</a:t>
             </a:fld>
             <a:endParaRPr lang="en-US"/>
           </a:p>
@@ -4188,7 +4188,7 @@
           <a:p>
             <a:fld id="{8B2958E2-F537-4BC2-99E6-BDAF95D803B8}" type="datetimeFigureOut">
               <a:rPr lang="en-US" smtClean="0"/>
-              <a:t>7/10/2018</a:t>
+              <a:t>7/11/2018</a:t>
             </a:fld>
             <a:endParaRPr lang="en-US"/>
           </a:p>
@@ -4385,7 +4385,7 @@
           <a:p>
             <a:fld id="{8B2958E2-F537-4BC2-99E6-BDAF95D803B8}" type="datetimeFigureOut">
               <a:rPr lang="en-US" smtClean="0"/>
-              <a:t>7/10/2018</a:t>
+              <a:t>7/11/2018</a:t>
             </a:fld>
             <a:endParaRPr lang="en-US"/>
           </a:p>
@@ -4642,7 +4642,7 @@
           <a:p>
             <a:fld id="{8B2958E2-F537-4BC2-99E6-BDAF95D803B8}" type="datetimeFigureOut">
               <a:rPr lang="en-US" smtClean="0"/>
-              <a:t>7/10/2018</a:t>
+              <a:t>7/11/2018</a:t>
             </a:fld>
             <a:endParaRPr lang="en-US"/>
           </a:p>
@@ -4874,7 +4874,7 @@
           <a:p>
             <a:fld id="{8B2958E2-F537-4BC2-99E6-BDAF95D803B8}" type="datetimeFigureOut">
               <a:rPr lang="en-US" smtClean="0"/>
-              <a:t>7/10/2018</a:t>
+              <a:t>7/11/2018</a:t>
             </a:fld>
             <a:endParaRPr lang="en-US"/>
           </a:p>
@@ -5267,7 +5267,7 @@
           <a:p>
             <a:fld id="{8B2958E2-F537-4BC2-99E6-BDAF95D803B8}" type="datetimeFigureOut">
               <a:rPr lang="en-US" smtClean="0"/>
-              <a:t>7/10/2018</a:t>
+              <a:t>7/11/2018</a:t>
             </a:fld>
             <a:endParaRPr lang="en-US"/>
           </a:p>
@@ -5385,7 +5385,7 @@
           <a:p>
             <a:fld id="{8B2958E2-F537-4BC2-99E6-BDAF95D803B8}" type="datetimeFigureOut">
               <a:rPr lang="en-US" smtClean="0"/>
-              <a:t>7/10/2018</a:t>
+              <a:t>7/11/2018</a:t>
             </a:fld>
             <a:endParaRPr lang="en-US"/>
           </a:p>
@@ -5480,7 +5480,7 @@
           <a:p>
             <a:fld id="{8B2958E2-F537-4BC2-99E6-BDAF95D803B8}" type="datetimeFigureOut">
               <a:rPr lang="en-US" smtClean="0"/>
-              <a:t>7/10/2018</a:t>
+              <a:t>7/11/2018</a:t>
             </a:fld>
             <a:endParaRPr lang="en-US"/>
           </a:p>
@@ -5753,7 +5753,7 @@
           <a:p>
             <a:fld id="{8B2958E2-F537-4BC2-99E6-BDAF95D803B8}" type="datetimeFigureOut">
               <a:rPr lang="en-US" smtClean="0"/>
-              <a:t>7/10/2018</a:t>
+              <a:t>7/11/2018</a:t>
             </a:fld>
             <a:endParaRPr lang="en-US"/>
           </a:p>
@@ -6034,7 +6034,7 @@
           <a:p>
             <a:fld id="{8B2958E2-F537-4BC2-99E6-BDAF95D803B8}" type="datetimeFigureOut">
               <a:rPr lang="en-US" smtClean="0"/>
-              <a:t>7/10/2018</a:t>
+              <a:t>7/11/2018</a:t>
             </a:fld>
             <a:endParaRPr lang="en-US"/>
           </a:p>
@@ -6273,7 +6273,7 @@
           <a:p>
             <a:fld id="{8B2958E2-F537-4BC2-99E6-BDAF95D803B8}" type="datetimeFigureOut">
               <a:rPr lang="en-US" smtClean="0"/>
-              <a:t>7/10/2018</a:t>
+              <a:t>7/11/2018</a:t>
             </a:fld>
             <a:endParaRPr lang="en-US"/>
           </a:p>
@@ -6948,77 +6948,6 @@
           </a:p>
         </p:txBody>
       </p:sp>
-      <p:sp>
-        <p:nvSpPr>
-          <p:cNvPr id="4" name="TextBox 3"/>
-          <p:cNvSpPr txBox="1"/>
-          <p:nvPr/>
-        </p:nvSpPr>
-        <p:spPr>
-          <a:xfrm>
-            <a:off x="2601589" y="3962400"/>
-            <a:ext cx="3940823" cy="646331"/>
-          </a:xfrm>
-          <a:prstGeom prst="rect">
-            <a:avLst/>
-          </a:prstGeom>
-          <a:noFill/>
-        </p:spPr>
-        <p:txBody>
-          <a:bodyPr wrap="none" rtlCol="0">
-            <a:spAutoFit/>
-          </a:bodyPr>
-          <a:lstStyle/>
-          <a:p>
-            <a:pPr algn="ctr"/>
-            <a:r>
-              <a:rPr lang="en-US" sz="3600" dirty="0"/>
-              <a:t>billg@scaleSQL.com</a:t>
-            </a:r>
-          </a:p>
-        </p:txBody>
-      </p:sp>
-      <p:pic>
-        <p:nvPicPr>
-          <p:cNvPr id="5" name="Picture 2" descr="C:\Users\BillGraziano\Documents\scaleSQL\Graphics\ScaleSQL logo files\ScaleSQL logo_web.png"/>
-          <p:cNvPicPr>
-            <a:picLocks noChangeAspect="1" noChangeArrowheads="1"/>
-          </p:cNvPicPr>
-          <p:nvPr/>
-        </p:nvPicPr>
-        <p:blipFill>
-          <a:blip r:embed="rId2">
-            <a:extLst>
-              <a:ext uri="{28A0092B-C50C-407E-A947-70E740481C1C}">
-                <a14:useLocalDpi xmlns:a14="http://schemas.microsoft.com/office/drawing/2010/main" val="0"/>
-              </a:ext>
-            </a:extLst>
-          </a:blip>
-          <a:srcRect/>
-          <a:stretch>
-            <a:fillRect/>
-          </a:stretch>
-        </p:blipFill>
-        <p:spPr bwMode="auto">
-          <a:xfrm>
-            <a:off x="3122616" y="4953000"/>
-            <a:ext cx="2882726" cy="685800"/>
-          </a:xfrm>
-          <a:prstGeom prst="rect">
-            <a:avLst/>
-          </a:prstGeom>
-          <a:noFill/>
-          <a:extLst>
-            <a:ext uri="{909E8E84-426E-40DD-AFC4-6F175D3DCCD1}">
-              <a14:hiddenFill xmlns:a14="http://schemas.microsoft.com/office/drawing/2010/main">
-                <a:solidFill>
-                  <a:srgbClr val="FFFFFF"/>
-                </a:solidFill>
-              </a14:hiddenFill>
-            </a:ext>
-          </a:extLst>
-        </p:spPr>
-      </p:pic>
     </p:spTree>
     <p:extLst>
       <p:ext uri="{BB962C8B-B14F-4D97-AF65-F5344CB8AC3E}">
@@ -7100,8 +7029,8 @@
           </a:p>
           <a:p>
             <a:r>
-              <a:rPr lang="en-US" sz="2800" dirty="0" err="1"/>
-              <a:t>Sargability</a:t>
+              <a:rPr lang="en-US" sz="2800"/>
+              <a:t>Sarge-ability</a:t>
             </a:r>
             <a:endParaRPr lang="en-US" sz="2800" dirty="0"/>
           </a:p>
